--- a/data/Presentation1.pptx
+++ b/data/Presentation1.pptx
@@ -5,8 +5,8 @@
     <p:sldMasterId id="2147483648" r:id="rId1"/>
   </p:sldMasterIdLst>
   <p:sldIdLst>
-    <p:sldId id="256" r:id="rId2"/>
-    <p:sldId id="257" r:id="rId3"/>
+    <p:sldId id="257" r:id="rId2"/>
+    <p:sldId id="258" r:id="rId3"/>
   </p:sldIdLst>
   <p:sldSz cx="12192000" cy="6858000"/>
   <p:notesSz cx="6858000" cy="9144000"/>
@@ -105,6 +105,11 @@
       </a:defRPr>
     </a:lvl9pPr>
   </p:defaultTextStyle>
+  <p:extLst>
+    <p:ext uri="{EFAFB233-063F-42B5-8137-9DF3F51BA10A}">
+      <p15:sldGuideLst xmlns:p15="http://schemas.microsoft.com/office/powerpoint/2012/main"/>
+    </p:ext>
+  </p:extLst>
 </p:presentation>
 </file>
 
@@ -3324,10 +3329,10 @@
       </p:grpSpPr>
       <p:sp>
         <p:nvSpPr>
-          <p:cNvPr id="31" name="Rectangle 30">
-            <a:extLst>
-              <a:ext uri="{FF2B5EF4-FFF2-40B4-BE49-F238E27FC236}">
-                <a16:creationId xmlns:a16="http://schemas.microsoft.com/office/drawing/2014/main" id="{3ABD506A-90E0-44AF-BFD9-CC9653B81BB5}"/>
+          <p:cNvPr id="38" name="Rectangle 37">
+            <a:extLst>
+              <a:ext uri="{FF2B5EF4-FFF2-40B4-BE49-F238E27FC236}">
+                <a16:creationId xmlns:a16="http://schemas.microsoft.com/office/drawing/2014/main" id="{587F5C90-7FAF-48A6-9F4E-77477CBF855A}"/>
               </a:ext>
             </a:extLst>
           </p:cNvPr>
@@ -3336,8 +3341,63 @@
         </p:nvSpPr>
         <p:spPr>
           <a:xfrm>
-            <a:off x="7558481" y="676901"/>
-            <a:ext cx="4225311" cy="5059707"/>
+            <a:off x="4728487" y="2454323"/>
+            <a:ext cx="1752118" cy="1131711"/>
+          </a:xfrm>
+          <a:prstGeom prst="rect">
+            <a:avLst/>
+          </a:prstGeom>
+          <a:solidFill>
+            <a:schemeClr val="accent5">
+              <a:lumMod val="20000"/>
+              <a:lumOff val="80000"/>
+            </a:schemeClr>
+          </a:solidFill>
+          <a:ln>
+            <a:noFill/>
+          </a:ln>
+        </p:spPr>
+        <p:style>
+          <a:lnRef idx="2">
+            <a:schemeClr val="accent1">
+              <a:shade val="50000"/>
+            </a:schemeClr>
+          </a:lnRef>
+          <a:fillRef idx="1">
+            <a:schemeClr val="accent1"/>
+          </a:fillRef>
+          <a:effectRef idx="0">
+            <a:schemeClr val="accent1"/>
+          </a:effectRef>
+          <a:fontRef idx="minor">
+            <a:schemeClr val="lt1"/>
+          </a:fontRef>
+        </p:style>
+        <p:txBody>
+          <a:bodyPr rtlCol="0" anchor="ctr"/>
+          <a:lstStyle/>
+          <a:p>
+            <a:pPr algn="ctr"/>
+            <a:endParaRPr lang="en-US" sz="1200"/>
+          </a:p>
+        </p:txBody>
+      </p:sp>
+      <p:sp>
+        <p:nvSpPr>
+          <p:cNvPr id="31" name="Rectangle 30">
+            <a:extLst>
+              <a:ext uri="{FF2B5EF4-FFF2-40B4-BE49-F238E27FC236}">
+                <a16:creationId xmlns:a16="http://schemas.microsoft.com/office/drawing/2014/main" id="{3ABD506A-90E0-44AF-BFD9-CC9653B81BB5}"/>
+              </a:ext>
+            </a:extLst>
+          </p:cNvPr>
+          <p:cNvSpPr/>
+          <p:nvPr/>
+        </p:nvSpPr>
+        <p:spPr>
+          <a:xfrm>
+            <a:off x="4728487" y="903548"/>
+            <a:ext cx="1752118" cy="1501746"/>
           </a:xfrm>
           <a:prstGeom prst="rect">
             <a:avLst/>
@@ -3373,7 +3433,7 @@
           <a:lstStyle/>
           <a:p>
             <a:pPr algn="ctr"/>
-            <a:endParaRPr lang="en-US"/>
+            <a:endParaRPr lang="en-US" sz="1200"/>
           </a:p>
         </p:txBody>
       </p:sp>
@@ -3391,8 +3451,8 @@
         </p:nvSpPr>
         <p:spPr>
           <a:xfrm>
-            <a:off x="3187815" y="676901"/>
-            <a:ext cx="1870745" cy="5059707"/>
+            <a:off x="2019988" y="1368693"/>
+            <a:ext cx="1677497" cy="1652138"/>
           </a:xfrm>
           <a:prstGeom prst="rect">
             <a:avLst/>
@@ -3428,7 +3488,7 @@
           <a:lstStyle/>
           <a:p>
             <a:pPr algn="ctr"/>
-            <a:endParaRPr lang="en-US"/>
+            <a:endParaRPr lang="en-US" sz="1200"/>
           </a:p>
         </p:txBody>
       </p:sp>
@@ -3447,14 +3507,14 @@
           <p:nvPr>
             <p:extLst>
               <p:ext uri="{D42A27DB-BD31-4B8C-83A1-F6EECF244321}">
-                <p14:modId xmlns:p14="http://schemas.microsoft.com/office/powerpoint/2010/main" val="259463596"/>
+                <p14:modId xmlns:p14="http://schemas.microsoft.com/office/powerpoint/2010/main" val="73846930"/>
               </p:ext>
             </p:extLst>
           </p:nvPr>
         </p:nvGraphicFramePr>
         <p:xfrm>
-          <a:off x="153953" y="2384342"/>
-          <a:ext cx="2116668" cy="1854200"/>
+          <a:off x="46851" y="1612175"/>
+          <a:ext cx="1349432" cy="1295400"/>
         </p:xfrm>
         <a:graphic>
           <a:graphicData uri="http://schemas.openxmlformats.org/drawingml/2006/table">
@@ -3463,28 +3523,28 @@
                 <a:tableStyleId>{5C22544A-7EE6-4342-B048-85BDC9FD1C3A}</a:tableStyleId>
               </a:tblPr>
               <a:tblGrid>
-                <a:gridCol w="529167">
+                <a:gridCol w="337358">
                   <a:extLst>
                     <a:ext uri="{9D8B030D-6E8A-4147-A177-3AD203B41FA5}">
                       <a16:colId xmlns:a16="http://schemas.microsoft.com/office/drawing/2014/main" val="1821465526"/>
                     </a:ext>
                   </a:extLst>
                 </a:gridCol>
-                <a:gridCol w="529167">
+                <a:gridCol w="337358">
                   <a:extLst>
                     <a:ext uri="{9D8B030D-6E8A-4147-A177-3AD203B41FA5}">
                       <a16:colId xmlns:a16="http://schemas.microsoft.com/office/drawing/2014/main" val="3634153550"/>
                     </a:ext>
                   </a:extLst>
                 </a:gridCol>
-                <a:gridCol w="529167">
+                <a:gridCol w="337358">
                   <a:extLst>
                     <a:ext uri="{9D8B030D-6E8A-4147-A177-3AD203B41FA5}">
                       <a16:colId xmlns:a16="http://schemas.microsoft.com/office/drawing/2014/main" val="372574935"/>
                     </a:ext>
                   </a:extLst>
                 </a:gridCol>
-                <a:gridCol w="529167">
+                <a:gridCol w="337358">
                   <a:extLst>
                     <a:ext uri="{9D8B030D-6E8A-4147-A177-3AD203B41FA5}">
                       <a16:colId xmlns:a16="http://schemas.microsoft.com/office/drawing/2014/main" val="3388713200"/>
@@ -3492,14 +3552,15 @@
                   </a:extLst>
                 </a:gridCol>
               </a:tblGrid>
-              <a:tr h="370840">
-                <a:tc>
-                  <a:txBody>
-                    <a:bodyPr/>
-                    <a:lstStyle/>
-                    <a:p>
+              <a:tr h="237607">
+                <a:tc>
+                  <a:txBody>
+                    <a:bodyPr/>
+                    <a:lstStyle/>
+                    <a:p>
+                      <a:pPr algn="ctr"/>
                       <a:r>
-                        <a:rPr lang="en-US" dirty="0"/>
+                        <a:rPr lang="en-US" sz="1100" dirty="0"/>
                         <a:t>x1</a:t>
                       </a:r>
                     </a:p>
@@ -3511,8 +3572,9 @@
                     <a:bodyPr/>
                     <a:lstStyle/>
                     <a:p>
+                      <a:pPr algn="ctr"/>
                       <a:r>
-                        <a:rPr lang="en-US" dirty="0"/>
+                        <a:rPr lang="en-US" sz="1100" dirty="0"/>
                         <a:t>x2</a:t>
                       </a:r>
                     </a:p>
@@ -3524,8 +3586,9 @@
                     <a:bodyPr/>
                     <a:lstStyle/>
                     <a:p>
+                      <a:pPr algn="ctr"/>
                       <a:r>
-                        <a:rPr lang="en-US" dirty="0"/>
+                        <a:rPr lang="en-US" sz="1100" dirty="0"/>
                         <a:t>x3</a:t>
                       </a:r>
                     </a:p>
@@ -3537,8 +3600,9 @@
                     <a:bodyPr/>
                     <a:lstStyle/>
                     <a:p>
+                      <a:pPr algn="ctr"/>
                       <a:r>
-                        <a:rPr lang="en-US" dirty="0"/>
+                        <a:rPr lang="en-US" sz="1100" dirty="0"/>
                         <a:t>Y</a:t>
                       </a:r>
                     </a:p>
@@ -3551,43 +3615,47 @@
                   </a:ext>
                 </a:extLst>
               </a:tr>
-              <a:tr h="370840">
-                <a:tc>
-                  <a:txBody>
-                    <a:bodyPr/>
-                    <a:lstStyle/>
-                    <a:p>
-                      <a:endParaRPr lang="en-US"/>
-                    </a:p>
-                  </a:txBody>
-                  <a:tcPr/>
-                </a:tc>
-                <a:tc>
-                  <a:txBody>
-                    <a:bodyPr/>
-                    <a:lstStyle/>
-                    <a:p>
-                      <a:endParaRPr lang="en-US"/>
-                    </a:p>
-                  </a:txBody>
-                  <a:tcPr/>
-                </a:tc>
-                <a:tc>
-                  <a:txBody>
-                    <a:bodyPr/>
-                    <a:lstStyle/>
-                    <a:p>
-                      <a:endParaRPr lang="en-US"/>
-                    </a:p>
-                  </a:txBody>
-                  <a:tcPr/>
-                </a:tc>
-                <a:tc>
-                  <a:txBody>
-                    <a:bodyPr/>
-                    <a:lstStyle/>
-                    <a:p>
-                      <a:endParaRPr lang="en-US"/>
+              <a:tr h="237607">
+                <a:tc>
+                  <a:txBody>
+                    <a:bodyPr/>
+                    <a:lstStyle/>
+                    <a:p>
+                      <a:pPr algn="ctr"/>
+                      <a:endParaRPr lang="en-US" sz="1100" dirty="0"/>
+                    </a:p>
+                  </a:txBody>
+                  <a:tcPr/>
+                </a:tc>
+                <a:tc>
+                  <a:txBody>
+                    <a:bodyPr/>
+                    <a:lstStyle/>
+                    <a:p>
+                      <a:pPr algn="ctr"/>
+                      <a:endParaRPr lang="en-US" sz="1100" dirty="0"/>
+                    </a:p>
+                  </a:txBody>
+                  <a:tcPr/>
+                </a:tc>
+                <a:tc>
+                  <a:txBody>
+                    <a:bodyPr/>
+                    <a:lstStyle/>
+                    <a:p>
+                      <a:pPr algn="ctr"/>
+                      <a:endParaRPr lang="en-US" sz="1100"/>
+                    </a:p>
+                  </a:txBody>
+                  <a:tcPr/>
+                </a:tc>
+                <a:tc>
+                  <a:txBody>
+                    <a:bodyPr/>
+                    <a:lstStyle/>
+                    <a:p>
+                      <a:pPr algn="ctr"/>
+                      <a:endParaRPr lang="en-US" sz="1100"/>
                     </a:p>
                   </a:txBody>
                   <a:tcPr/>
@@ -3598,43 +3666,47 @@
                   </a:ext>
                 </a:extLst>
               </a:tr>
-              <a:tr h="370840">
-                <a:tc>
-                  <a:txBody>
-                    <a:bodyPr/>
-                    <a:lstStyle/>
-                    <a:p>
-                      <a:endParaRPr lang="en-US"/>
-                    </a:p>
-                  </a:txBody>
-                  <a:tcPr/>
-                </a:tc>
-                <a:tc>
-                  <a:txBody>
-                    <a:bodyPr/>
-                    <a:lstStyle/>
-                    <a:p>
-                      <a:endParaRPr lang="en-US"/>
-                    </a:p>
-                  </a:txBody>
-                  <a:tcPr/>
-                </a:tc>
-                <a:tc>
-                  <a:txBody>
-                    <a:bodyPr/>
-                    <a:lstStyle/>
-                    <a:p>
-                      <a:endParaRPr lang="en-US"/>
-                    </a:p>
-                  </a:txBody>
-                  <a:tcPr/>
-                </a:tc>
-                <a:tc>
-                  <a:txBody>
-                    <a:bodyPr/>
-                    <a:lstStyle/>
-                    <a:p>
-                      <a:endParaRPr lang="en-US"/>
+              <a:tr h="237607">
+                <a:tc>
+                  <a:txBody>
+                    <a:bodyPr/>
+                    <a:lstStyle/>
+                    <a:p>
+                      <a:pPr algn="ctr"/>
+                      <a:endParaRPr lang="en-US" sz="1100"/>
+                    </a:p>
+                  </a:txBody>
+                  <a:tcPr/>
+                </a:tc>
+                <a:tc>
+                  <a:txBody>
+                    <a:bodyPr/>
+                    <a:lstStyle/>
+                    <a:p>
+                      <a:pPr algn="ctr"/>
+                      <a:endParaRPr lang="en-US" sz="1100" dirty="0"/>
+                    </a:p>
+                  </a:txBody>
+                  <a:tcPr/>
+                </a:tc>
+                <a:tc>
+                  <a:txBody>
+                    <a:bodyPr/>
+                    <a:lstStyle/>
+                    <a:p>
+                      <a:pPr algn="ctr"/>
+                      <a:endParaRPr lang="en-US" sz="1100" dirty="0"/>
+                    </a:p>
+                  </a:txBody>
+                  <a:tcPr/>
+                </a:tc>
+                <a:tc>
+                  <a:txBody>
+                    <a:bodyPr/>
+                    <a:lstStyle/>
+                    <a:p>
+                      <a:pPr algn="ctr"/>
+                      <a:endParaRPr lang="en-US" sz="1100"/>
                     </a:p>
                   </a:txBody>
                   <a:tcPr/>
@@ -3645,43 +3717,47 @@
                   </a:ext>
                 </a:extLst>
               </a:tr>
-              <a:tr h="370840">
-                <a:tc>
-                  <a:txBody>
-                    <a:bodyPr/>
-                    <a:lstStyle/>
-                    <a:p>
-                      <a:endParaRPr lang="en-US"/>
-                    </a:p>
-                  </a:txBody>
-                  <a:tcPr/>
-                </a:tc>
-                <a:tc>
-                  <a:txBody>
-                    <a:bodyPr/>
-                    <a:lstStyle/>
-                    <a:p>
-                      <a:endParaRPr lang="en-US"/>
-                    </a:p>
-                  </a:txBody>
-                  <a:tcPr/>
-                </a:tc>
-                <a:tc>
-                  <a:txBody>
-                    <a:bodyPr/>
-                    <a:lstStyle/>
-                    <a:p>
-                      <a:endParaRPr lang="en-US"/>
-                    </a:p>
-                  </a:txBody>
-                  <a:tcPr/>
-                </a:tc>
-                <a:tc>
-                  <a:txBody>
-                    <a:bodyPr/>
-                    <a:lstStyle/>
-                    <a:p>
-                      <a:endParaRPr lang="en-US" dirty="0"/>
+              <a:tr h="237607">
+                <a:tc>
+                  <a:txBody>
+                    <a:bodyPr/>
+                    <a:lstStyle/>
+                    <a:p>
+                      <a:pPr algn="ctr"/>
+                      <a:endParaRPr lang="en-US" sz="1100"/>
+                    </a:p>
+                  </a:txBody>
+                  <a:tcPr/>
+                </a:tc>
+                <a:tc>
+                  <a:txBody>
+                    <a:bodyPr/>
+                    <a:lstStyle/>
+                    <a:p>
+                      <a:pPr algn="ctr"/>
+                      <a:endParaRPr lang="en-US" sz="1100"/>
+                    </a:p>
+                  </a:txBody>
+                  <a:tcPr/>
+                </a:tc>
+                <a:tc>
+                  <a:txBody>
+                    <a:bodyPr/>
+                    <a:lstStyle/>
+                    <a:p>
+                      <a:pPr algn="ctr"/>
+                      <a:endParaRPr lang="en-US" sz="1100" dirty="0"/>
+                    </a:p>
+                  </a:txBody>
+                  <a:tcPr/>
+                </a:tc>
+                <a:tc>
+                  <a:txBody>
+                    <a:bodyPr/>
+                    <a:lstStyle/>
+                    <a:p>
+                      <a:pPr algn="ctr"/>
+                      <a:endParaRPr lang="en-US" sz="1100" dirty="0"/>
                     </a:p>
                   </a:txBody>
                   <a:tcPr/>
@@ -3692,43 +3768,47 @@
                   </a:ext>
                 </a:extLst>
               </a:tr>
-              <a:tr h="370840">
-                <a:tc>
-                  <a:txBody>
-                    <a:bodyPr/>
-                    <a:lstStyle/>
-                    <a:p>
-                      <a:endParaRPr lang="en-US" dirty="0"/>
-                    </a:p>
-                  </a:txBody>
-                  <a:tcPr/>
-                </a:tc>
-                <a:tc>
-                  <a:txBody>
-                    <a:bodyPr/>
-                    <a:lstStyle/>
-                    <a:p>
-                      <a:endParaRPr lang="en-US"/>
-                    </a:p>
-                  </a:txBody>
-                  <a:tcPr/>
-                </a:tc>
-                <a:tc>
-                  <a:txBody>
-                    <a:bodyPr/>
-                    <a:lstStyle/>
-                    <a:p>
-                      <a:endParaRPr lang="en-US"/>
-                    </a:p>
-                  </a:txBody>
-                  <a:tcPr/>
-                </a:tc>
-                <a:tc>
-                  <a:txBody>
-                    <a:bodyPr/>
-                    <a:lstStyle/>
-                    <a:p>
-                      <a:endParaRPr lang="en-US" dirty="0"/>
+              <a:tr h="237607">
+                <a:tc>
+                  <a:txBody>
+                    <a:bodyPr/>
+                    <a:lstStyle/>
+                    <a:p>
+                      <a:pPr algn="ctr"/>
+                      <a:endParaRPr lang="en-US" sz="1100" dirty="0"/>
+                    </a:p>
+                  </a:txBody>
+                  <a:tcPr/>
+                </a:tc>
+                <a:tc>
+                  <a:txBody>
+                    <a:bodyPr/>
+                    <a:lstStyle/>
+                    <a:p>
+                      <a:pPr algn="ctr"/>
+                      <a:endParaRPr lang="en-US" sz="1100"/>
+                    </a:p>
+                  </a:txBody>
+                  <a:tcPr/>
+                </a:tc>
+                <a:tc>
+                  <a:txBody>
+                    <a:bodyPr/>
+                    <a:lstStyle/>
+                    <a:p>
+                      <a:pPr algn="ctr"/>
+                      <a:endParaRPr lang="en-US" sz="1100"/>
+                    </a:p>
+                  </a:txBody>
+                  <a:tcPr/>
+                </a:tc>
+                <a:tc>
+                  <a:txBody>
+                    <a:bodyPr/>
+                    <a:lstStyle/>
+                    <a:p>
+                      <a:pPr algn="ctr"/>
+                      <a:endParaRPr lang="en-US" sz="1100" dirty="0"/>
                     </a:p>
                   </a:txBody>
                   <a:tcPr/>
@@ -3757,8 +3837,8 @@
         </p:nvSpPr>
         <p:spPr>
           <a:xfrm>
-            <a:off x="153953" y="2015010"/>
-            <a:ext cx="658578" cy="369332"/>
+            <a:off x="0" y="1302963"/>
+            <a:ext cx="498983" cy="276999"/>
           </a:xfrm>
           <a:prstGeom prst="rect">
             <a:avLst/>
@@ -3772,10 +3852,10 @@
           <a:lstStyle/>
           <a:p>
             <a:r>
-              <a:rPr lang="en-US" dirty="0" err="1"/>
+              <a:rPr lang="en-US" sz="1200" dirty="0" err="1"/>
               <a:t>mydf</a:t>
             </a:r>
-            <a:endParaRPr lang="en-US" dirty="0"/>
+            <a:endParaRPr lang="en-US" sz="1200" dirty="0"/>
           </a:p>
         </p:txBody>
       </p:sp>
@@ -3794,14 +3874,14 @@
           <p:nvPr>
             <p:extLst>
               <p:ext uri="{D42A27DB-BD31-4B8C-83A1-F6EECF244321}">
-                <p14:modId xmlns:p14="http://schemas.microsoft.com/office/powerpoint/2010/main" val="693640417"/>
+                <p14:modId xmlns:p14="http://schemas.microsoft.com/office/powerpoint/2010/main" val="1023023301"/>
               </p:ext>
             </p:extLst>
           </p:nvPr>
         </p:nvGraphicFramePr>
         <p:xfrm>
-          <a:off x="3320486" y="1073665"/>
-          <a:ext cx="1587501" cy="1854200"/>
+          <a:off x="2102473" y="1650104"/>
+          <a:ext cx="1055991" cy="1295400"/>
         </p:xfrm>
         <a:graphic>
           <a:graphicData uri="http://schemas.openxmlformats.org/drawingml/2006/table">
@@ -3810,21 +3890,21 @@
                 <a:tableStyleId>{5C22544A-7EE6-4342-B048-85BDC9FD1C3A}</a:tableStyleId>
               </a:tblPr>
               <a:tblGrid>
-                <a:gridCol w="529167">
+                <a:gridCol w="351997">
                   <a:extLst>
                     <a:ext uri="{9D8B030D-6E8A-4147-A177-3AD203B41FA5}">
                       <a16:colId xmlns:a16="http://schemas.microsoft.com/office/drawing/2014/main" val="1821465526"/>
                     </a:ext>
                   </a:extLst>
                 </a:gridCol>
-                <a:gridCol w="529167">
+                <a:gridCol w="351997">
                   <a:extLst>
                     <a:ext uri="{9D8B030D-6E8A-4147-A177-3AD203B41FA5}">
                       <a16:colId xmlns:a16="http://schemas.microsoft.com/office/drawing/2014/main" val="3634153550"/>
                     </a:ext>
                   </a:extLst>
                 </a:gridCol>
-                <a:gridCol w="529167">
+                <a:gridCol w="351997">
                   <a:extLst>
                     <a:ext uri="{9D8B030D-6E8A-4147-A177-3AD203B41FA5}">
                       <a16:colId xmlns:a16="http://schemas.microsoft.com/office/drawing/2014/main" val="372574935"/>
@@ -3832,14 +3912,15 @@
                   </a:extLst>
                 </a:gridCol>
               </a:tblGrid>
-              <a:tr h="370840">
-                <a:tc>
-                  <a:txBody>
-                    <a:bodyPr/>
-                    <a:lstStyle/>
-                    <a:p>
+              <a:tr h="0">
+                <a:tc>
+                  <a:txBody>
+                    <a:bodyPr/>
+                    <a:lstStyle/>
+                    <a:p>
+                      <a:pPr algn="ctr"/>
                       <a:r>
-                        <a:rPr lang="en-US" dirty="0"/>
+                        <a:rPr lang="en-US" sz="1100" dirty="0"/>
                         <a:t>x1</a:t>
                       </a:r>
                     </a:p>
@@ -3851,8 +3932,9 @@
                     <a:bodyPr/>
                     <a:lstStyle/>
                     <a:p>
+                      <a:pPr algn="ctr"/>
                       <a:r>
-                        <a:rPr lang="en-US" dirty="0"/>
+                        <a:rPr lang="en-US" sz="1100" dirty="0"/>
                         <a:t>x2</a:t>
                       </a:r>
                     </a:p>
@@ -3864,8 +3946,9 @@
                     <a:bodyPr/>
                     <a:lstStyle/>
                     <a:p>
+                      <a:pPr algn="ctr"/>
                       <a:r>
-                        <a:rPr lang="en-US" dirty="0"/>
+                        <a:rPr lang="en-US" sz="1100" dirty="0"/>
                         <a:t>x3</a:t>
                       </a:r>
                     </a:p>
@@ -3878,33 +3961,36 @@
                   </a:ext>
                 </a:extLst>
               </a:tr>
-              <a:tr h="370840">
-                <a:tc>
-                  <a:txBody>
-                    <a:bodyPr/>
-                    <a:lstStyle/>
-                    <a:p>
-                      <a:endParaRPr lang="en-US"/>
-                    </a:p>
-                  </a:txBody>
-                  <a:tcPr/>
-                </a:tc>
-                <a:tc>
-                  <a:txBody>
-                    <a:bodyPr/>
-                    <a:lstStyle/>
-                    <a:p>
-                      <a:endParaRPr lang="en-US"/>
-                    </a:p>
-                  </a:txBody>
-                  <a:tcPr/>
-                </a:tc>
-                <a:tc>
-                  <a:txBody>
-                    <a:bodyPr/>
-                    <a:lstStyle/>
-                    <a:p>
-                      <a:endParaRPr lang="en-US"/>
+              <a:tr h="0">
+                <a:tc>
+                  <a:txBody>
+                    <a:bodyPr/>
+                    <a:lstStyle/>
+                    <a:p>
+                      <a:pPr algn="ctr"/>
+                      <a:endParaRPr lang="en-US" sz="1100"/>
+                    </a:p>
+                  </a:txBody>
+                  <a:tcPr/>
+                </a:tc>
+                <a:tc>
+                  <a:txBody>
+                    <a:bodyPr/>
+                    <a:lstStyle/>
+                    <a:p>
+                      <a:pPr algn="ctr"/>
+                      <a:endParaRPr lang="en-US" sz="1100" dirty="0"/>
+                    </a:p>
+                  </a:txBody>
+                  <a:tcPr/>
+                </a:tc>
+                <a:tc>
+                  <a:txBody>
+                    <a:bodyPr/>
+                    <a:lstStyle/>
+                    <a:p>
+                      <a:pPr algn="ctr"/>
+                      <a:endParaRPr lang="en-US" sz="1100"/>
                     </a:p>
                   </a:txBody>
                   <a:tcPr/>
@@ -3915,33 +4001,36 @@
                   </a:ext>
                 </a:extLst>
               </a:tr>
-              <a:tr h="370840">
-                <a:tc>
-                  <a:txBody>
-                    <a:bodyPr/>
-                    <a:lstStyle/>
-                    <a:p>
-                      <a:endParaRPr lang="en-US"/>
-                    </a:p>
-                  </a:txBody>
-                  <a:tcPr/>
-                </a:tc>
-                <a:tc>
-                  <a:txBody>
-                    <a:bodyPr/>
-                    <a:lstStyle/>
-                    <a:p>
-                      <a:endParaRPr lang="en-US"/>
-                    </a:p>
-                  </a:txBody>
-                  <a:tcPr/>
-                </a:tc>
-                <a:tc>
-                  <a:txBody>
-                    <a:bodyPr/>
-                    <a:lstStyle/>
-                    <a:p>
-                      <a:endParaRPr lang="en-US"/>
+              <a:tr h="0">
+                <a:tc>
+                  <a:txBody>
+                    <a:bodyPr/>
+                    <a:lstStyle/>
+                    <a:p>
+                      <a:pPr algn="ctr"/>
+                      <a:endParaRPr lang="en-US" sz="1100"/>
+                    </a:p>
+                  </a:txBody>
+                  <a:tcPr/>
+                </a:tc>
+                <a:tc>
+                  <a:txBody>
+                    <a:bodyPr/>
+                    <a:lstStyle/>
+                    <a:p>
+                      <a:pPr algn="ctr"/>
+                      <a:endParaRPr lang="en-US" sz="1100" dirty="0"/>
+                    </a:p>
+                  </a:txBody>
+                  <a:tcPr/>
+                </a:tc>
+                <a:tc>
+                  <a:txBody>
+                    <a:bodyPr/>
+                    <a:lstStyle/>
+                    <a:p>
+                      <a:pPr algn="ctr"/>
+                      <a:endParaRPr lang="en-US" sz="1100" dirty="0"/>
                     </a:p>
                   </a:txBody>
                   <a:tcPr/>
@@ -3952,33 +4041,36 @@
                   </a:ext>
                 </a:extLst>
               </a:tr>
-              <a:tr h="370840">
-                <a:tc>
-                  <a:txBody>
-                    <a:bodyPr/>
-                    <a:lstStyle/>
-                    <a:p>
-                      <a:endParaRPr lang="en-US"/>
-                    </a:p>
-                  </a:txBody>
-                  <a:tcPr/>
-                </a:tc>
-                <a:tc>
-                  <a:txBody>
-                    <a:bodyPr/>
-                    <a:lstStyle/>
-                    <a:p>
-                      <a:endParaRPr lang="en-US"/>
-                    </a:p>
-                  </a:txBody>
-                  <a:tcPr/>
-                </a:tc>
-                <a:tc>
-                  <a:txBody>
-                    <a:bodyPr/>
-                    <a:lstStyle/>
-                    <a:p>
-                      <a:endParaRPr lang="en-US" dirty="0"/>
+              <a:tr h="0">
+                <a:tc>
+                  <a:txBody>
+                    <a:bodyPr/>
+                    <a:lstStyle/>
+                    <a:p>
+                      <a:pPr algn="ctr"/>
+                      <a:endParaRPr lang="en-US" sz="1100"/>
+                    </a:p>
+                  </a:txBody>
+                  <a:tcPr/>
+                </a:tc>
+                <a:tc>
+                  <a:txBody>
+                    <a:bodyPr/>
+                    <a:lstStyle/>
+                    <a:p>
+                      <a:pPr algn="ctr"/>
+                      <a:endParaRPr lang="en-US" sz="1100"/>
+                    </a:p>
+                  </a:txBody>
+                  <a:tcPr/>
+                </a:tc>
+                <a:tc>
+                  <a:txBody>
+                    <a:bodyPr/>
+                    <a:lstStyle/>
+                    <a:p>
+                      <a:pPr algn="ctr"/>
+                      <a:endParaRPr lang="en-US" sz="1100" dirty="0"/>
                     </a:p>
                   </a:txBody>
                   <a:tcPr/>
@@ -3989,33 +4081,36 @@
                   </a:ext>
                 </a:extLst>
               </a:tr>
-              <a:tr h="370840">
-                <a:tc>
-                  <a:txBody>
-                    <a:bodyPr/>
-                    <a:lstStyle/>
-                    <a:p>
-                      <a:endParaRPr lang="en-US" dirty="0"/>
-                    </a:p>
-                  </a:txBody>
-                  <a:tcPr/>
-                </a:tc>
-                <a:tc>
-                  <a:txBody>
-                    <a:bodyPr/>
-                    <a:lstStyle/>
-                    <a:p>
-                      <a:endParaRPr lang="en-US"/>
-                    </a:p>
-                  </a:txBody>
-                  <a:tcPr/>
-                </a:tc>
-                <a:tc>
-                  <a:txBody>
-                    <a:bodyPr/>
-                    <a:lstStyle/>
-                    <a:p>
-                      <a:endParaRPr lang="en-US" dirty="0"/>
+              <a:tr h="0">
+                <a:tc>
+                  <a:txBody>
+                    <a:bodyPr/>
+                    <a:lstStyle/>
+                    <a:p>
+                      <a:pPr algn="ctr"/>
+                      <a:endParaRPr lang="en-US" sz="1100" dirty="0"/>
+                    </a:p>
+                  </a:txBody>
+                  <a:tcPr/>
+                </a:tc>
+                <a:tc>
+                  <a:txBody>
+                    <a:bodyPr/>
+                    <a:lstStyle/>
+                    <a:p>
+                      <a:pPr algn="ctr"/>
+                      <a:endParaRPr lang="en-US" sz="1100"/>
+                    </a:p>
+                  </a:txBody>
+                  <a:tcPr/>
+                </a:tc>
+                <a:tc>
+                  <a:txBody>
+                    <a:bodyPr/>
+                    <a:lstStyle/>
+                    <a:p>
+                      <a:pPr algn="ctr"/>
+                      <a:endParaRPr lang="en-US" sz="1100" dirty="0"/>
                     </a:p>
                   </a:txBody>
                   <a:tcPr/>
@@ -4044,8 +4139,8 @@
         </p:nvSpPr>
         <p:spPr>
           <a:xfrm>
-            <a:off x="3320486" y="704333"/>
-            <a:ext cx="304892" cy="369332"/>
+            <a:off x="2102473" y="1368693"/>
+            <a:ext cx="264816" cy="276999"/>
           </a:xfrm>
           <a:prstGeom prst="rect">
             <a:avLst/>
@@ -4059,7 +4154,7 @@
           <a:lstStyle/>
           <a:p>
             <a:r>
-              <a:rPr lang="en-US" dirty="0"/>
+              <a:rPr lang="en-US" sz="1200" dirty="0"/>
               <a:t>X</a:t>
             </a:r>
           </a:p>
@@ -4080,14 +4175,14 @@
           <p:nvPr>
             <p:extLst>
               <p:ext uri="{D42A27DB-BD31-4B8C-83A1-F6EECF244321}">
-                <p14:modId xmlns:p14="http://schemas.microsoft.com/office/powerpoint/2010/main" val="2887848035"/>
+                <p14:modId xmlns:p14="http://schemas.microsoft.com/office/powerpoint/2010/main" val="1881398375"/>
               </p:ext>
             </p:extLst>
           </p:nvPr>
         </p:nvGraphicFramePr>
         <p:xfrm>
-          <a:off x="3320486" y="3722442"/>
-          <a:ext cx="529167" cy="1854200"/>
+          <a:off x="3245645" y="1648008"/>
+          <a:ext cx="351997" cy="1257300"/>
         </p:xfrm>
         <a:graphic>
           <a:graphicData uri="http://schemas.openxmlformats.org/drawingml/2006/table">
@@ -4096,7 +4191,7 @@
                 <a:tableStyleId>{5C22544A-7EE6-4342-B048-85BDC9FD1C3A}</a:tableStyleId>
               </a:tblPr>
               <a:tblGrid>
-                <a:gridCol w="529167">
+                <a:gridCol w="351997">
                   <a:extLst>
                     <a:ext uri="{9D8B030D-6E8A-4147-A177-3AD203B41FA5}">
                       <a16:colId xmlns:a16="http://schemas.microsoft.com/office/drawing/2014/main" val="3388713200"/>
@@ -4104,14 +4199,14 @@
                   </a:extLst>
                 </a:gridCol>
               </a:tblGrid>
-              <a:tr h="370840">
+              <a:tr h="177565">
                 <a:tc>
                   <a:txBody>
                     <a:bodyPr/>
                     <a:lstStyle/>
                     <a:p>
                       <a:r>
-                        <a:rPr lang="en-US" dirty="0"/>
+                        <a:rPr lang="en-US" sz="1050" dirty="0"/>
                         <a:t>Y</a:t>
                       </a:r>
                     </a:p>
@@ -4124,13 +4219,13 @@
                   </a:ext>
                 </a:extLst>
               </a:tr>
-              <a:tr h="370840">
-                <a:tc>
-                  <a:txBody>
-                    <a:bodyPr/>
-                    <a:lstStyle/>
-                    <a:p>
-                      <a:endParaRPr lang="en-US"/>
+              <a:tr h="177565">
+                <a:tc>
+                  <a:txBody>
+                    <a:bodyPr/>
+                    <a:lstStyle/>
+                    <a:p>
+                      <a:endParaRPr lang="en-US" sz="1050"/>
                     </a:p>
                   </a:txBody>
                   <a:tcPr/>
@@ -4141,13 +4236,13 @@
                   </a:ext>
                 </a:extLst>
               </a:tr>
-              <a:tr h="370840">
-                <a:tc>
-                  <a:txBody>
-                    <a:bodyPr/>
-                    <a:lstStyle/>
-                    <a:p>
-                      <a:endParaRPr lang="en-US"/>
+              <a:tr h="177565">
+                <a:tc>
+                  <a:txBody>
+                    <a:bodyPr/>
+                    <a:lstStyle/>
+                    <a:p>
+                      <a:endParaRPr lang="en-US" sz="1050"/>
                     </a:p>
                   </a:txBody>
                   <a:tcPr/>
@@ -4158,13 +4253,13 @@
                   </a:ext>
                 </a:extLst>
               </a:tr>
-              <a:tr h="370840">
-                <a:tc>
-                  <a:txBody>
-                    <a:bodyPr/>
-                    <a:lstStyle/>
-                    <a:p>
-                      <a:endParaRPr lang="en-US" dirty="0"/>
+              <a:tr h="177565">
+                <a:tc>
+                  <a:txBody>
+                    <a:bodyPr/>
+                    <a:lstStyle/>
+                    <a:p>
+                      <a:endParaRPr lang="en-US" sz="1050" dirty="0"/>
                     </a:p>
                   </a:txBody>
                   <a:tcPr/>
@@ -4175,13 +4270,13 @@
                   </a:ext>
                 </a:extLst>
               </a:tr>
-              <a:tr h="370840">
-                <a:tc>
-                  <a:txBody>
-                    <a:bodyPr/>
-                    <a:lstStyle/>
-                    <a:p>
-                      <a:endParaRPr lang="en-US" dirty="0"/>
+              <a:tr h="177565">
+                <a:tc>
+                  <a:txBody>
+                    <a:bodyPr/>
+                    <a:lstStyle/>
+                    <a:p>
+                      <a:endParaRPr lang="en-US" sz="1050" dirty="0"/>
                     </a:p>
                   </a:txBody>
                   <a:tcPr/>
@@ -4210,8 +4305,8 @@
         </p:nvSpPr>
         <p:spPr>
           <a:xfrm>
-            <a:off x="3320486" y="3353110"/>
-            <a:ext cx="296876" cy="369332"/>
+            <a:off x="3245645" y="1396176"/>
+            <a:ext cx="260008" cy="276999"/>
           </a:xfrm>
           <a:prstGeom prst="rect">
             <a:avLst/>
@@ -4225,7 +4320,7 @@
           <a:lstStyle/>
           <a:p>
             <a:r>
-              <a:rPr lang="en-US" dirty="0"/>
+              <a:rPr lang="en-US" sz="1200" dirty="0"/>
               <a:t>Y</a:t>
             </a:r>
           </a:p>
@@ -4237,45 +4332,6 @@
             <a:extLst>
               <a:ext uri="{FF2B5EF4-FFF2-40B4-BE49-F238E27FC236}">
                 <a16:creationId xmlns:a16="http://schemas.microsoft.com/office/drawing/2014/main" id="{EB3E325F-79FC-443B-9221-5757348768FA}"/>
-              </a:ext>
-            </a:extLst>
-          </p:cNvPr>
-          <p:cNvCxnSpPr/>
-          <p:nvPr/>
-        </p:nvCxnSpPr>
-        <p:spPr>
-          <a:xfrm flipV="1">
-            <a:off x="2168399" y="1529399"/>
-            <a:ext cx="939567" cy="604007"/>
-          </a:xfrm>
-          <a:prstGeom prst="straightConnector1">
-            <a:avLst/>
-          </a:prstGeom>
-          <a:ln w="57150">
-            <a:tailEnd type="triangle"/>
-          </a:ln>
-        </p:spPr>
-        <p:style>
-          <a:lnRef idx="1">
-            <a:schemeClr val="accent1"/>
-          </a:lnRef>
-          <a:fillRef idx="0">
-            <a:schemeClr val="accent1"/>
-          </a:fillRef>
-          <a:effectRef idx="0">
-            <a:schemeClr val="accent1"/>
-          </a:effectRef>
-          <a:fontRef idx="minor">
-            <a:schemeClr val="tx1"/>
-          </a:fontRef>
-        </p:style>
-      </p:cxnSp>
-      <p:cxnSp>
-        <p:nvCxnSpPr>
-          <p:cNvPr id="12" name="Straight Arrow Connector 11">
-            <a:extLst>
-              <a:ext uri="{FF2B5EF4-FFF2-40B4-BE49-F238E27FC236}">
-                <a16:creationId xmlns:a16="http://schemas.microsoft.com/office/drawing/2014/main" id="{6793396D-06BC-44A8-902E-23F0C5614AEE}"/>
               </a:ext>
             </a:extLst>
           </p:cNvPr>
@@ -4286,8 +4342,8 @@
         </p:nvCxnSpPr>
         <p:spPr>
           <a:xfrm>
-            <a:off x="2237521" y="4476859"/>
-            <a:ext cx="870445" cy="644049"/>
+            <a:off x="1470389" y="1875138"/>
+            <a:ext cx="539300" cy="0"/>
           </a:xfrm>
           <a:prstGeom prst="straightConnector1">
             <a:avLst/>
@@ -4326,14 +4382,14 @@
           <p:nvPr>
             <p:extLst>
               <p:ext uri="{D42A27DB-BD31-4B8C-83A1-F6EECF244321}">
-                <p14:modId xmlns:p14="http://schemas.microsoft.com/office/powerpoint/2010/main" val="1545339618"/>
+                <p14:modId xmlns:p14="http://schemas.microsoft.com/office/powerpoint/2010/main" val="2239282264"/>
               </p:ext>
             </p:extLst>
           </p:nvPr>
         </p:nvGraphicFramePr>
         <p:xfrm>
-          <a:off x="7773059" y="1142175"/>
-          <a:ext cx="1587501" cy="1483360"/>
+          <a:off x="4815667" y="1241672"/>
+          <a:ext cx="967935" cy="1036320"/>
         </p:xfrm>
         <a:graphic>
           <a:graphicData uri="http://schemas.openxmlformats.org/drawingml/2006/table">
@@ -4342,21 +4398,21 @@
                 <a:tableStyleId>{5C22544A-7EE6-4342-B048-85BDC9FD1C3A}</a:tableStyleId>
               </a:tblPr>
               <a:tblGrid>
-                <a:gridCol w="529167">
+                <a:gridCol w="322645">
                   <a:extLst>
                     <a:ext uri="{9D8B030D-6E8A-4147-A177-3AD203B41FA5}">
                       <a16:colId xmlns:a16="http://schemas.microsoft.com/office/drawing/2014/main" val="1821465526"/>
                     </a:ext>
                   </a:extLst>
                 </a:gridCol>
-                <a:gridCol w="529167">
+                <a:gridCol w="322645">
                   <a:extLst>
                     <a:ext uri="{9D8B030D-6E8A-4147-A177-3AD203B41FA5}">
                       <a16:colId xmlns:a16="http://schemas.microsoft.com/office/drawing/2014/main" val="3634153550"/>
                     </a:ext>
                   </a:extLst>
                 </a:gridCol>
-                <a:gridCol w="529167">
+                <a:gridCol w="322645">
                   <a:extLst>
                     <a:ext uri="{9D8B030D-6E8A-4147-A177-3AD203B41FA5}">
                       <a16:colId xmlns:a16="http://schemas.microsoft.com/office/drawing/2014/main" val="372574935"/>
@@ -4364,14 +4420,15 @@
                   </a:extLst>
                 </a:gridCol>
               </a:tblGrid>
-              <a:tr h="370840">
-                <a:tc>
-                  <a:txBody>
-                    <a:bodyPr/>
-                    <a:lstStyle/>
-                    <a:p>
+              <a:tr h="0">
+                <a:tc>
+                  <a:txBody>
+                    <a:bodyPr/>
+                    <a:lstStyle/>
+                    <a:p>
+                      <a:pPr algn="ctr"/>
                       <a:r>
-                        <a:rPr lang="en-US" dirty="0"/>
+                        <a:rPr lang="en-US" sz="1100" dirty="0"/>
                         <a:t>x1</a:t>
                       </a:r>
                     </a:p>
@@ -4383,8 +4440,9 @@
                     <a:bodyPr/>
                     <a:lstStyle/>
                     <a:p>
+                      <a:pPr algn="ctr"/>
                       <a:r>
-                        <a:rPr lang="en-US" dirty="0"/>
+                        <a:rPr lang="en-US" sz="1100" dirty="0"/>
                         <a:t>x2</a:t>
                       </a:r>
                     </a:p>
@@ -4396,8 +4454,9 @@
                     <a:bodyPr/>
                     <a:lstStyle/>
                     <a:p>
+                      <a:pPr algn="ctr"/>
                       <a:r>
-                        <a:rPr lang="en-US" dirty="0"/>
+                        <a:rPr lang="en-US" sz="1100" dirty="0"/>
                         <a:t>x3</a:t>
                       </a:r>
                     </a:p>
@@ -4410,33 +4469,36 @@
                   </a:ext>
                 </a:extLst>
               </a:tr>
-              <a:tr h="370840">
-                <a:tc>
-                  <a:txBody>
-                    <a:bodyPr/>
-                    <a:lstStyle/>
-                    <a:p>
-                      <a:endParaRPr lang="en-US" dirty="0"/>
-                    </a:p>
-                  </a:txBody>
-                  <a:tcPr/>
-                </a:tc>
-                <a:tc>
-                  <a:txBody>
-                    <a:bodyPr/>
-                    <a:lstStyle/>
-                    <a:p>
-                      <a:endParaRPr lang="en-US"/>
-                    </a:p>
-                  </a:txBody>
-                  <a:tcPr/>
-                </a:tc>
-                <a:tc>
-                  <a:txBody>
-                    <a:bodyPr/>
-                    <a:lstStyle/>
-                    <a:p>
-                      <a:endParaRPr lang="en-US" dirty="0"/>
+              <a:tr h="0">
+                <a:tc>
+                  <a:txBody>
+                    <a:bodyPr/>
+                    <a:lstStyle/>
+                    <a:p>
+                      <a:pPr algn="ctr"/>
+                      <a:endParaRPr lang="en-US" sz="1100" dirty="0"/>
+                    </a:p>
+                  </a:txBody>
+                  <a:tcPr/>
+                </a:tc>
+                <a:tc>
+                  <a:txBody>
+                    <a:bodyPr/>
+                    <a:lstStyle/>
+                    <a:p>
+                      <a:pPr algn="ctr"/>
+                      <a:endParaRPr lang="en-US" sz="1100" dirty="0"/>
+                    </a:p>
+                  </a:txBody>
+                  <a:tcPr/>
+                </a:tc>
+                <a:tc>
+                  <a:txBody>
+                    <a:bodyPr/>
+                    <a:lstStyle/>
+                    <a:p>
+                      <a:pPr algn="ctr"/>
+                      <a:endParaRPr lang="en-US" sz="1100" dirty="0"/>
                     </a:p>
                   </a:txBody>
                   <a:tcPr/>
@@ -4447,33 +4509,36 @@
                   </a:ext>
                 </a:extLst>
               </a:tr>
-              <a:tr h="370840">
-                <a:tc>
-                  <a:txBody>
-                    <a:bodyPr/>
-                    <a:lstStyle/>
-                    <a:p>
-                      <a:endParaRPr lang="en-US"/>
-                    </a:p>
-                  </a:txBody>
-                  <a:tcPr/>
-                </a:tc>
-                <a:tc>
-                  <a:txBody>
-                    <a:bodyPr/>
-                    <a:lstStyle/>
-                    <a:p>
-                      <a:endParaRPr lang="en-US"/>
-                    </a:p>
-                  </a:txBody>
-                  <a:tcPr/>
-                </a:tc>
-                <a:tc>
-                  <a:txBody>
-                    <a:bodyPr/>
-                    <a:lstStyle/>
-                    <a:p>
-                      <a:endParaRPr lang="en-US" dirty="0"/>
+              <a:tr h="0">
+                <a:tc>
+                  <a:txBody>
+                    <a:bodyPr/>
+                    <a:lstStyle/>
+                    <a:p>
+                      <a:pPr algn="ctr"/>
+                      <a:endParaRPr lang="en-US" sz="1100"/>
+                    </a:p>
+                  </a:txBody>
+                  <a:tcPr/>
+                </a:tc>
+                <a:tc>
+                  <a:txBody>
+                    <a:bodyPr/>
+                    <a:lstStyle/>
+                    <a:p>
+                      <a:pPr algn="ctr"/>
+                      <a:endParaRPr lang="en-US" sz="1100" dirty="0"/>
+                    </a:p>
+                  </a:txBody>
+                  <a:tcPr/>
+                </a:tc>
+                <a:tc>
+                  <a:txBody>
+                    <a:bodyPr/>
+                    <a:lstStyle/>
+                    <a:p>
+                      <a:pPr algn="ctr"/>
+                      <a:endParaRPr lang="en-US" sz="1100" dirty="0"/>
                     </a:p>
                   </a:txBody>
                   <a:tcPr/>
@@ -4484,33 +4549,36 @@
                   </a:ext>
                 </a:extLst>
               </a:tr>
-              <a:tr h="370840">
-                <a:tc>
-                  <a:txBody>
-                    <a:bodyPr/>
-                    <a:lstStyle/>
-                    <a:p>
-                      <a:endParaRPr lang="en-US" dirty="0"/>
-                    </a:p>
-                  </a:txBody>
-                  <a:tcPr/>
-                </a:tc>
-                <a:tc>
-                  <a:txBody>
-                    <a:bodyPr/>
-                    <a:lstStyle/>
-                    <a:p>
-                      <a:endParaRPr lang="en-US"/>
-                    </a:p>
-                  </a:txBody>
-                  <a:tcPr/>
-                </a:tc>
-                <a:tc>
-                  <a:txBody>
-                    <a:bodyPr/>
-                    <a:lstStyle/>
-                    <a:p>
-                      <a:endParaRPr lang="en-US" dirty="0"/>
+              <a:tr h="0">
+                <a:tc>
+                  <a:txBody>
+                    <a:bodyPr/>
+                    <a:lstStyle/>
+                    <a:p>
+                      <a:pPr algn="ctr"/>
+                      <a:endParaRPr lang="en-US" sz="1100" dirty="0"/>
+                    </a:p>
+                  </a:txBody>
+                  <a:tcPr/>
+                </a:tc>
+                <a:tc>
+                  <a:txBody>
+                    <a:bodyPr/>
+                    <a:lstStyle/>
+                    <a:p>
+                      <a:pPr algn="ctr"/>
+                      <a:endParaRPr lang="en-US" sz="1100"/>
+                    </a:p>
+                  </a:txBody>
+                  <a:tcPr/>
+                </a:tc>
+                <a:tc>
+                  <a:txBody>
+                    <a:bodyPr/>
+                    <a:lstStyle/>
+                    <a:p>
+                      <a:pPr algn="ctr"/>
+                      <a:endParaRPr lang="en-US" sz="1100" dirty="0"/>
                     </a:p>
                   </a:txBody>
                   <a:tcPr/>
@@ -4539,8 +4607,8 @@
         </p:nvSpPr>
         <p:spPr>
           <a:xfrm>
-            <a:off x="7773059" y="772843"/>
-            <a:ext cx="857992" cy="369332"/>
+            <a:off x="4765894" y="963923"/>
+            <a:ext cx="631968" cy="276999"/>
           </a:xfrm>
           <a:prstGeom prst="rect">
             <a:avLst/>
@@ -4554,10 +4622,10 @@
           <a:lstStyle/>
           <a:p>
             <a:r>
-              <a:rPr lang="en-US" dirty="0" err="1"/>
+              <a:rPr lang="en-US" sz="1200" dirty="0" err="1"/>
               <a:t>train_X</a:t>
             </a:r>
-            <a:endParaRPr lang="en-US" dirty="0"/>
+            <a:endParaRPr lang="en-US" sz="1200" dirty="0"/>
           </a:p>
         </p:txBody>
       </p:sp>
@@ -4576,14 +4644,14 @@
           <p:nvPr>
             <p:extLst>
               <p:ext uri="{D42A27DB-BD31-4B8C-83A1-F6EECF244321}">
-                <p14:modId xmlns:p14="http://schemas.microsoft.com/office/powerpoint/2010/main" val="315869237"/>
+                <p14:modId xmlns:p14="http://schemas.microsoft.com/office/powerpoint/2010/main" val="4072741475"/>
               </p:ext>
             </p:extLst>
           </p:nvPr>
         </p:nvGraphicFramePr>
         <p:xfrm>
-          <a:off x="7773059" y="3810231"/>
-          <a:ext cx="529167" cy="1483360"/>
+          <a:off x="5903218" y="1255553"/>
+          <a:ext cx="322645" cy="1036320"/>
         </p:xfrm>
         <a:graphic>
           <a:graphicData uri="http://schemas.openxmlformats.org/drawingml/2006/table">
@@ -4592,7 +4660,7 @@
                 <a:tableStyleId>{5C22544A-7EE6-4342-B048-85BDC9FD1C3A}</a:tableStyleId>
               </a:tblPr>
               <a:tblGrid>
-                <a:gridCol w="529167">
+                <a:gridCol w="322645">
                   <a:extLst>
                     <a:ext uri="{9D8B030D-6E8A-4147-A177-3AD203B41FA5}">
                       <a16:colId xmlns:a16="http://schemas.microsoft.com/office/drawing/2014/main" val="3388713200"/>
@@ -4600,14 +4668,15 @@
                   </a:extLst>
                 </a:gridCol>
               </a:tblGrid>
-              <a:tr h="370840">
-                <a:tc>
-                  <a:txBody>
-                    <a:bodyPr/>
-                    <a:lstStyle/>
-                    <a:p>
+              <a:tr h="0">
+                <a:tc>
+                  <a:txBody>
+                    <a:bodyPr/>
+                    <a:lstStyle/>
+                    <a:p>
+                      <a:pPr algn="ctr"/>
                       <a:r>
-                        <a:rPr lang="en-US" dirty="0"/>
+                        <a:rPr lang="en-US" sz="1100" dirty="0"/>
                         <a:t>Y</a:t>
                       </a:r>
                     </a:p>
@@ -4620,13 +4689,13 @@
                   </a:ext>
                 </a:extLst>
               </a:tr>
-              <a:tr h="370840">
-                <a:tc>
-                  <a:txBody>
-                    <a:bodyPr/>
-                    <a:lstStyle/>
-                    <a:p>
-                      <a:endParaRPr lang="en-US" dirty="0"/>
+              <a:tr h="0">
+                <a:tc>
+                  <a:txBody>
+                    <a:bodyPr/>
+                    <a:lstStyle/>
+                    <a:p>
+                      <a:endParaRPr lang="en-US" sz="1100" dirty="0"/>
                     </a:p>
                   </a:txBody>
                   <a:tcPr/>
@@ -4637,13 +4706,13 @@
                   </a:ext>
                 </a:extLst>
               </a:tr>
-              <a:tr h="370840">
-                <a:tc>
-                  <a:txBody>
-                    <a:bodyPr/>
-                    <a:lstStyle/>
-                    <a:p>
-                      <a:endParaRPr lang="en-US" dirty="0"/>
+              <a:tr h="0">
+                <a:tc>
+                  <a:txBody>
+                    <a:bodyPr/>
+                    <a:lstStyle/>
+                    <a:p>
+                      <a:endParaRPr lang="en-US" sz="1100" dirty="0"/>
                     </a:p>
                   </a:txBody>
                   <a:tcPr/>
@@ -4654,13 +4723,13 @@
                   </a:ext>
                 </a:extLst>
               </a:tr>
-              <a:tr h="370840">
-                <a:tc>
-                  <a:txBody>
-                    <a:bodyPr/>
-                    <a:lstStyle/>
-                    <a:p>
-                      <a:endParaRPr lang="en-US" dirty="0"/>
+              <a:tr h="0">
+                <a:tc>
+                  <a:txBody>
+                    <a:bodyPr/>
+                    <a:lstStyle/>
+                    <a:p>
+                      <a:endParaRPr lang="en-US" sz="1100" dirty="0"/>
                     </a:p>
                   </a:txBody>
                   <a:tcPr/>
@@ -4689,8 +4758,8 @@
         </p:nvSpPr>
         <p:spPr>
           <a:xfrm>
-            <a:off x="7773059" y="3440899"/>
-            <a:ext cx="849976" cy="369332"/>
+            <a:off x="5853445" y="977804"/>
+            <a:ext cx="627159" cy="276999"/>
           </a:xfrm>
           <a:prstGeom prst="rect">
             <a:avLst/>
@@ -4704,10 +4773,10 @@
           <a:lstStyle/>
           <a:p>
             <a:r>
-              <a:rPr lang="en-US" dirty="0" err="1"/>
+              <a:rPr lang="en-US" sz="1200" dirty="0" err="1"/>
               <a:t>train_Y</a:t>
             </a:r>
-            <a:endParaRPr lang="en-US" dirty="0"/>
+            <a:endParaRPr lang="en-US" sz="1200" dirty="0"/>
           </a:p>
         </p:txBody>
       </p:sp>
@@ -4726,14 +4795,14 @@
           <p:nvPr>
             <p:extLst>
               <p:ext uri="{D42A27DB-BD31-4B8C-83A1-F6EECF244321}">
-                <p14:modId xmlns:p14="http://schemas.microsoft.com/office/powerpoint/2010/main" val="1581358870"/>
+                <p14:modId xmlns:p14="http://schemas.microsoft.com/office/powerpoint/2010/main" val="2074349372"/>
               </p:ext>
             </p:extLst>
           </p:nvPr>
         </p:nvGraphicFramePr>
         <p:xfrm>
-          <a:off x="9878596" y="1142175"/>
-          <a:ext cx="1587501" cy="741680"/>
+          <a:off x="4847648" y="2917612"/>
+          <a:ext cx="967935" cy="518160"/>
         </p:xfrm>
         <a:graphic>
           <a:graphicData uri="http://schemas.openxmlformats.org/drawingml/2006/table">
@@ -4742,21 +4811,21 @@
                 <a:tableStyleId>{5C22544A-7EE6-4342-B048-85BDC9FD1C3A}</a:tableStyleId>
               </a:tblPr>
               <a:tblGrid>
-                <a:gridCol w="529167">
+                <a:gridCol w="322645">
                   <a:extLst>
                     <a:ext uri="{9D8B030D-6E8A-4147-A177-3AD203B41FA5}">
                       <a16:colId xmlns:a16="http://schemas.microsoft.com/office/drawing/2014/main" val="1821465526"/>
                     </a:ext>
                   </a:extLst>
                 </a:gridCol>
-                <a:gridCol w="529167">
+                <a:gridCol w="322645">
                   <a:extLst>
                     <a:ext uri="{9D8B030D-6E8A-4147-A177-3AD203B41FA5}">
                       <a16:colId xmlns:a16="http://schemas.microsoft.com/office/drawing/2014/main" val="3634153550"/>
                     </a:ext>
                   </a:extLst>
                 </a:gridCol>
-                <a:gridCol w="529167">
+                <a:gridCol w="322645">
                   <a:extLst>
                     <a:ext uri="{9D8B030D-6E8A-4147-A177-3AD203B41FA5}">
                       <a16:colId xmlns:a16="http://schemas.microsoft.com/office/drawing/2014/main" val="372574935"/>
@@ -4764,14 +4833,15 @@
                   </a:extLst>
                 </a:gridCol>
               </a:tblGrid>
-              <a:tr h="370840">
-                <a:tc>
-                  <a:txBody>
-                    <a:bodyPr/>
-                    <a:lstStyle/>
-                    <a:p>
+              <a:tr h="0">
+                <a:tc>
+                  <a:txBody>
+                    <a:bodyPr/>
+                    <a:lstStyle/>
+                    <a:p>
+                      <a:pPr algn="ctr"/>
                       <a:r>
-                        <a:rPr lang="en-US" dirty="0"/>
+                        <a:rPr lang="en-US" sz="1100" dirty="0"/>
                         <a:t>x1</a:t>
                       </a:r>
                     </a:p>
@@ -4783,8 +4853,9 @@
                     <a:bodyPr/>
                     <a:lstStyle/>
                     <a:p>
+                      <a:pPr algn="ctr"/>
                       <a:r>
-                        <a:rPr lang="en-US" dirty="0"/>
+                        <a:rPr lang="en-US" sz="1100" dirty="0"/>
                         <a:t>x2</a:t>
                       </a:r>
                     </a:p>
@@ -4796,8 +4867,9 @@
                     <a:bodyPr/>
                     <a:lstStyle/>
                     <a:p>
+                      <a:pPr algn="ctr"/>
                       <a:r>
-                        <a:rPr lang="en-US" dirty="0"/>
+                        <a:rPr lang="en-US" sz="1100" dirty="0"/>
                         <a:t>x3</a:t>
                       </a:r>
                     </a:p>
@@ -4810,33 +4882,36 @@
                   </a:ext>
                 </a:extLst>
               </a:tr>
-              <a:tr h="370840">
-                <a:tc>
-                  <a:txBody>
-                    <a:bodyPr/>
-                    <a:lstStyle/>
-                    <a:p>
-                      <a:endParaRPr lang="en-US" dirty="0"/>
-                    </a:p>
-                  </a:txBody>
-                  <a:tcPr/>
-                </a:tc>
-                <a:tc>
-                  <a:txBody>
-                    <a:bodyPr/>
-                    <a:lstStyle/>
-                    <a:p>
-                      <a:endParaRPr lang="en-US"/>
-                    </a:p>
-                  </a:txBody>
-                  <a:tcPr/>
-                </a:tc>
-                <a:tc>
-                  <a:txBody>
-                    <a:bodyPr/>
-                    <a:lstStyle/>
-                    <a:p>
-                      <a:endParaRPr lang="en-US" dirty="0"/>
+              <a:tr h="0">
+                <a:tc>
+                  <a:txBody>
+                    <a:bodyPr/>
+                    <a:lstStyle/>
+                    <a:p>
+                      <a:pPr algn="ctr"/>
+                      <a:endParaRPr lang="en-US" sz="1100" dirty="0"/>
+                    </a:p>
+                  </a:txBody>
+                  <a:tcPr/>
+                </a:tc>
+                <a:tc>
+                  <a:txBody>
+                    <a:bodyPr/>
+                    <a:lstStyle/>
+                    <a:p>
+                      <a:pPr algn="ctr"/>
+                      <a:endParaRPr lang="en-US" sz="1100" dirty="0"/>
+                    </a:p>
+                  </a:txBody>
+                  <a:tcPr/>
+                </a:tc>
+                <a:tc>
+                  <a:txBody>
+                    <a:bodyPr/>
+                    <a:lstStyle/>
+                    <a:p>
+                      <a:pPr algn="ctr"/>
+                      <a:endParaRPr lang="en-US" sz="1100" dirty="0"/>
                     </a:p>
                   </a:txBody>
                   <a:tcPr/>
@@ -4865,8 +4940,8 @@
         </p:nvSpPr>
         <p:spPr>
           <a:xfrm>
-            <a:off x="9878596" y="772843"/>
-            <a:ext cx="774315" cy="369332"/>
+            <a:off x="4847648" y="2639863"/>
+            <a:ext cx="578813" cy="276999"/>
           </a:xfrm>
           <a:prstGeom prst="rect">
             <a:avLst/>
@@ -4880,10 +4955,10 @@
           <a:lstStyle/>
           <a:p>
             <a:r>
-              <a:rPr lang="en-US" dirty="0" err="1"/>
+              <a:rPr lang="en-US" sz="1200" dirty="0" err="1"/>
               <a:t>test_X</a:t>
             </a:r>
-            <a:endParaRPr lang="en-US" dirty="0"/>
+            <a:endParaRPr lang="en-US" sz="1200" dirty="0"/>
           </a:p>
         </p:txBody>
       </p:sp>
@@ -4902,14 +4977,14 @@
           <p:nvPr>
             <p:extLst>
               <p:ext uri="{D42A27DB-BD31-4B8C-83A1-F6EECF244321}">
-                <p14:modId xmlns:p14="http://schemas.microsoft.com/office/powerpoint/2010/main" val="3510135074"/>
+                <p14:modId xmlns:p14="http://schemas.microsoft.com/office/powerpoint/2010/main" val="969474595"/>
               </p:ext>
             </p:extLst>
           </p:nvPr>
         </p:nvGraphicFramePr>
         <p:xfrm>
-          <a:off x="9878596" y="3810231"/>
-          <a:ext cx="529167" cy="741680"/>
+          <a:off x="5946293" y="2917612"/>
+          <a:ext cx="322645" cy="518160"/>
         </p:xfrm>
         <a:graphic>
           <a:graphicData uri="http://schemas.openxmlformats.org/drawingml/2006/table">
@@ -4918,7 +4993,7 @@
                 <a:tableStyleId>{5C22544A-7EE6-4342-B048-85BDC9FD1C3A}</a:tableStyleId>
               </a:tblPr>
               <a:tblGrid>
-                <a:gridCol w="529167">
+                <a:gridCol w="322645">
                   <a:extLst>
                     <a:ext uri="{9D8B030D-6E8A-4147-A177-3AD203B41FA5}">
                       <a16:colId xmlns:a16="http://schemas.microsoft.com/office/drawing/2014/main" val="3388713200"/>
@@ -4926,14 +5001,15 @@
                   </a:extLst>
                 </a:gridCol>
               </a:tblGrid>
-              <a:tr h="370840">
-                <a:tc>
-                  <a:txBody>
-                    <a:bodyPr/>
-                    <a:lstStyle/>
-                    <a:p>
+              <a:tr h="0">
+                <a:tc>
+                  <a:txBody>
+                    <a:bodyPr/>
+                    <a:lstStyle/>
+                    <a:p>
+                      <a:pPr algn="ctr"/>
                       <a:r>
-                        <a:rPr lang="en-US" dirty="0"/>
+                        <a:rPr lang="en-US" sz="1100" dirty="0"/>
                         <a:t>Y</a:t>
                       </a:r>
                     </a:p>
@@ -4946,13 +5022,13 @@
                   </a:ext>
                 </a:extLst>
               </a:tr>
-              <a:tr h="370840">
-                <a:tc>
-                  <a:txBody>
-                    <a:bodyPr/>
-                    <a:lstStyle/>
-                    <a:p>
-                      <a:endParaRPr lang="en-US" dirty="0"/>
+              <a:tr h="0">
+                <a:tc>
+                  <a:txBody>
+                    <a:bodyPr/>
+                    <a:lstStyle/>
+                    <a:p>
+                      <a:endParaRPr lang="en-US" sz="1100" dirty="0"/>
                     </a:p>
                   </a:txBody>
                   <a:tcPr/>
@@ -4981,8 +5057,8 @@
         </p:nvSpPr>
         <p:spPr>
           <a:xfrm>
-            <a:off x="9878596" y="3440899"/>
-            <a:ext cx="766300" cy="369332"/>
+            <a:off x="5946293" y="2639863"/>
+            <a:ext cx="574003" cy="276999"/>
           </a:xfrm>
           <a:prstGeom prst="rect">
             <a:avLst/>
@@ -4996,10 +5072,10 @@
           <a:lstStyle/>
           <a:p>
             <a:r>
-              <a:rPr lang="en-US" dirty="0" err="1"/>
+              <a:rPr lang="en-US" sz="1200" dirty="0" err="1"/>
               <a:t>test_Y</a:t>
             </a:r>
-            <a:endParaRPr lang="en-US" dirty="0"/>
+            <a:endParaRPr lang="en-US" sz="1200" dirty="0"/>
           </a:p>
         </p:txBody>
       </p:sp>
@@ -5019,8 +5095,8 @@
         </p:nvCxnSpPr>
         <p:spPr>
           <a:xfrm flipV="1">
-            <a:off x="5282807" y="3298705"/>
-            <a:ext cx="2180058" cy="47727"/>
+            <a:off x="3766507" y="2365329"/>
+            <a:ext cx="899037" cy="19683"/>
           </a:xfrm>
           <a:prstGeom prst="straightConnector1">
             <a:avLst/>
@@ -5058,8 +5134,8 @@
         </p:nvSpPr>
         <p:spPr>
           <a:xfrm>
-            <a:off x="5390849" y="2743199"/>
-            <a:ext cx="1742593" cy="369332"/>
+            <a:off x="3771591" y="1789475"/>
+            <a:ext cx="893953" cy="461665"/>
           </a:xfrm>
           <a:prstGeom prst="rect">
             <a:avLst/>
@@ -5072,17 +5148,18 @@
           </a:solidFill>
         </p:spPr>
         <p:txBody>
-          <a:bodyPr wrap="none" rtlCol="0">
+          <a:bodyPr wrap="square" rtlCol="0">
             <a:spAutoFit/>
           </a:bodyPr>
           <a:lstStyle/>
           <a:p>
-            <a:r>
-              <a:rPr lang="en-US" dirty="0" err="1"/>
+            <a:pPr algn="ctr"/>
+            <a:r>
+              <a:rPr lang="en-US" sz="1200" dirty="0" err="1"/>
               <a:t>train_test_split</a:t>
             </a:r>
             <a:r>
-              <a:rPr lang="en-US" dirty="0"/>
+              <a:rPr lang="en-US" sz="1200" dirty="0"/>
               <a:t>()</a:t>
             </a:r>
           </a:p>
@@ -5102,8 +5179,8 @@
         </p:nvSpPr>
         <p:spPr>
           <a:xfrm>
-            <a:off x="1894197" y="1093679"/>
-            <a:ext cx="1046284" cy="523220"/>
+            <a:off x="1372306" y="1997156"/>
+            <a:ext cx="709407" cy="430887"/>
           </a:xfrm>
           <a:prstGeom prst="rect">
             <a:avLst/>
@@ -5117,7 +5194,7 @@
           <a:lstStyle/>
           <a:p>
             <a:r>
-              <a:rPr lang="en-US" sz="1400" dirty="0"/>
+              <a:rPr lang="en-US" sz="1050" dirty="0"/>
               <a:t>Column selection</a:t>
             </a:r>
           </a:p>
@@ -5125,10 +5202,10 @@
       </p:sp>
       <p:sp>
         <p:nvSpPr>
-          <p:cNvPr id="38" name="TextBox 37">
-            <a:extLst>
-              <a:ext uri="{FF2B5EF4-FFF2-40B4-BE49-F238E27FC236}">
-                <a16:creationId xmlns:a16="http://schemas.microsoft.com/office/drawing/2014/main" id="{6426F118-7784-4D45-A9DF-4B5DDBEC9867}"/>
+          <p:cNvPr id="24" name="TextBox 23">
+            <a:extLst>
+              <a:ext uri="{FF2B5EF4-FFF2-40B4-BE49-F238E27FC236}">
+                <a16:creationId xmlns:a16="http://schemas.microsoft.com/office/drawing/2014/main" id="{6DD29558-490F-4CD2-B839-26DDFB82CA9E}"/>
               </a:ext>
             </a:extLst>
           </p:cNvPr>
@@ -5137,13 +5214,153 @@
         </p:nvSpPr>
         <p:spPr>
           <a:xfrm>
-            <a:off x="1905232" y="4836005"/>
-            <a:ext cx="1046284" cy="523220"/>
+            <a:off x="46850" y="64131"/>
+            <a:ext cx="10641413" cy="369332"/>
           </a:xfrm>
           <a:prstGeom prst="rect">
             <a:avLst/>
           </a:prstGeom>
-          <a:noFill/>
+          <a:solidFill>
+            <a:schemeClr val="tx1">
+              <a:lumMod val="65000"/>
+              <a:lumOff val="35000"/>
+            </a:schemeClr>
+          </a:solidFill>
+        </p:spPr>
+        <p:txBody>
+          <a:bodyPr wrap="square" rtlCol="0" anchor="ctr">
+            <a:spAutoFit/>
+          </a:bodyPr>
+          <a:lstStyle/>
+          <a:p>
+            <a:pPr algn="ctr"/>
+            <a:r>
+              <a:rPr lang="en-US" dirty="0" err="1">
+                <a:solidFill>
+                  <a:schemeClr val="bg1"/>
+                </a:solidFill>
+              </a:rPr>
+              <a:t>sklearn</a:t>
+            </a:r>
+            <a:r>
+              <a:rPr lang="en-US" dirty="0">
+                <a:solidFill>
+                  <a:schemeClr val="bg1"/>
+                </a:solidFill>
+              </a:rPr>
+              <a:t>: splitting data for machine learning</a:t>
+            </a:r>
+          </a:p>
+        </p:txBody>
+      </p:sp>
+      <p:cxnSp>
+        <p:nvCxnSpPr>
+          <p:cNvPr id="42" name="Straight Arrow Connector 41">
+            <a:extLst>
+              <a:ext uri="{FF2B5EF4-FFF2-40B4-BE49-F238E27FC236}">
+                <a16:creationId xmlns:a16="http://schemas.microsoft.com/office/drawing/2014/main" id="{0463485C-0917-4B31-9035-C14879105A33}"/>
+              </a:ext>
+            </a:extLst>
+          </p:cNvPr>
+          <p:cNvCxnSpPr>
+            <a:cxnSpLocks/>
+          </p:cNvCxnSpPr>
+          <p:nvPr/>
+        </p:nvCxnSpPr>
+        <p:spPr>
+          <a:xfrm>
+            <a:off x="6550447" y="1852232"/>
+            <a:ext cx="679506" cy="0"/>
+          </a:xfrm>
+          <a:prstGeom prst="straightConnector1">
+            <a:avLst/>
+          </a:prstGeom>
+          <a:ln w="57150">
+            <a:tailEnd type="triangle"/>
+          </a:ln>
+        </p:spPr>
+        <p:style>
+          <a:lnRef idx="1">
+            <a:schemeClr val="accent1"/>
+          </a:lnRef>
+          <a:fillRef idx="0">
+            <a:schemeClr val="accent1"/>
+          </a:fillRef>
+          <a:effectRef idx="0">
+            <a:schemeClr val="accent1"/>
+          </a:effectRef>
+          <a:fontRef idx="minor">
+            <a:schemeClr val="tx1"/>
+          </a:fontRef>
+        </p:style>
+      </p:cxnSp>
+      <p:cxnSp>
+        <p:nvCxnSpPr>
+          <p:cNvPr id="43" name="Straight Arrow Connector 42">
+            <a:extLst>
+              <a:ext uri="{FF2B5EF4-FFF2-40B4-BE49-F238E27FC236}">
+                <a16:creationId xmlns:a16="http://schemas.microsoft.com/office/drawing/2014/main" id="{D950F59C-8FFC-4737-8D16-9B33CC7D3F38}"/>
+              </a:ext>
+            </a:extLst>
+          </p:cNvPr>
+          <p:cNvCxnSpPr>
+            <a:cxnSpLocks/>
+          </p:cNvCxnSpPr>
+          <p:nvPr/>
+        </p:nvCxnSpPr>
+        <p:spPr>
+          <a:xfrm flipV="1">
+            <a:off x="6594779" y="2094358"/>
+            <a:ext cx="679506" cy="854807"/>
+          </a:xfrm>
+          <a:prstGeom prst="straightConnector1">
+            <a:avLst/>
+          </a:prstGeom>
+          <a:ln w="57150">
+            <a:tailEnd type="triangle"/>
+          </a:ln>
+        </p:spPr>
+        <p:style>
+          <a:lnRef idx="1">
+            <a:schemeClr val="accent1"/>
+          </a:lnRef>
+          <a:fillRef idx="0">
+            <a:schemeClr val="accent1"/>
+          </a:fillRef>
+          <a:effectRef idx="0">
+            <a:schemeClr val="accent1"/>
+          </a:effectRef>
+          <a:fontRef idx="minor">
+            <a:schemeClr val="tx1"/>
+          </a:fontRef>
+        </p:style>
+      </p:cxnSp>
+      <p:sp>
+        <p:nvSpPr>
+          <p:cNvPr id="44" name="TextBox 43">
+            <a:extLst>
+              <a:ext uri="{FF2B5EF4-FFF2-40B4-BE49-F238E27FC236}">
+                <a16:creationId xmlns:a16="http://schemas.microsoft.com/office/drawing/2014/main" id="{9F5D221A-F7DE-43B2-94DA-CA89BB2EE02C}"/>
+              </a:ext>
+            </a:extLst>
+          </p:cNvPr>
+          <p:cNvSpPr txBox="1"/>
+          <p:nvPr/>
+        </p:nvSpPr>
+        <p:spPr>
+          <a:xfrm>
+            <a:off x="6550447" y="977791"/>
+            <a:ext cx="679506" cy="577081"/>
+          </a:xfrm>
+          <a:prstGeom prst="rect">
+            <a:avLst/>
+          </a:prstGeom>
+          <a:solidFill>
+            <a:schemeClr val="accent2">
+              <a:lumMod val="60000"/>
+              <a:lumOff val="40000"/>
+            </a:schemeClr>
+          </a:solidFill>
         </p:spPr>
         <p:txBody>
           <a:bodyPr wrap="square" rtlCol="0">
@@ -5151,49 +5368,27 @@
           </a:bodyPr>
           <a:lstStyle/>
           <a:p>
-            <a:r>
-              <a:rPr lang="en-US" sz="1400" dirty="0"/>
-              <a:t>Column selection</a:t>
-            </a:r>
-          </a:p>
-        </p:txBody>
-      </p:sp>
-    </p:spTree>
-    <p:extLst>
-      <p:ext uri="{BB962C8B-B14F-4D97-AF65-F5344CB8AC3E}">
-        <p14:creationId xmlns:p14="http://schemas.microsoft.com/office/powerpoint/2010/main" val="3559151896"/>
-      </p:ext>
-    </p:extLst>
-  </p:cSld>
-  <p:clrMapOvr>
-    <a:masterClrMapping/>
-  </p:clrMapOvr>
-</p:sld>
-</file>
-
-<file path=ppt/slides/slide2.xml><?xml version="1.0" encoding="utf-8"?>
-<p:sld xmlns:a="http://schemas.openxmlformats.org/drawingml/2006/main" xmlns:r="http://schemas.openxmlformats.org/officeDocument/2006/relationships" xmlns:p="http://schemas.openxmlformats.org/presentationml/2006/main">
-  <p:cSld>
-    <p:spTree>
-      <p:nvGrpSpPr>
-        <p:cNvPr id="1" name=""/>
-        <p:cNvGrpSpPr/>
-        <p:nvPr/>
-      </p:nvGrpSpPr>
-      <p:grpSpPr>
-        <a:xfrm>
-          <a:off x="0" y="0"/>
-          <a:ext cx="0" cy="0"/>
-          <a:chOff x="0" y="0"/>
-          <a:chExt cx="0" cy="0"/>
-        </a:xfrm>
-      </p:grpSpPr>
-      <p:sp>
-        <p:nvSpPr>
-          <p:cNvPr id="31" name="Rectangle 30">
-            <a:extLst>
-              <a:ext uri="{FF2B5EF4-FFF2-40B4-BE49-F238E27FC236}">
-                <a16:creationId xmlns:a16="http://schemas.microsoft.com/office/drawing/2014/main" id="{3ABD506A-90E0-44AF-BFD9-CC9653B81BB5}"/>
+            <a:pPr algn="ctr"/>
+            <a:r>
+              <a:rPr lang="en-US" sz="1050" dirty="0"/>
+              <a:t>Create A Model</a:t>
+            </a:r>
+          </a:p>
+          <a:p>
+            <a:pPr algn="ctr"/>
+            <a:r>
+              <a:rPr lang="en-US" sz="1050" dirty="0"/>
+              <a:t>.fit()</a:t>
+            </a:r>
+          </a:p>
+        </p:txBody>
+      </p:sp>
+      <p:sp>
+        <p:nvSpPr>
+          <p:cNvPr id="45" name="Rectangle 44">
+            <a:extLst>
+              <a:ext uri="{FF2B5EF4-FFF2-40B4-BE49-F238E27FC236}">
+                <a16:creationId xmlns:a16="http://schemas.microsoft.com/office/drawing/2014/main" id="{0A6F3E26-5D1C-427F-9090-3E11ED5E86FF}"/>
               </a:ext>
             </a:extLst>
           </p:cNvPr>
@@ -5202,8 +5397,8 @@
         </p:nvSpPr>
         <p:spPr>
           <a:xfrm>
-            <a:off x="6567981" y="511612"/>
-            <a:ext cx="4035703" cy="3314809"/>
+            <a:off x="8495125" y="953882"/>
+            <a:ext cx="707727" cy="1501746"/>
           </a:xfrm>
           <a:prstGeom prst="rect">
             <a:avLst/>
@@ -5245,10 +5440,204 @@
       </p:sp>
       <p:sp>
         <p:nvSpPr>
-          <p:cNvPr id="30" name="Rectangle 29">
-            <a:extLst>
-              <a:ext uri="{FF2B5EF4-FFF2-40B4-BE49-F238E27FC236}">
-                <a16:creationId xmlns:a16="http://schemas.microsoft.com/office/drawing/2014/main" id="{72FC7CB0-0EC5-49FF-8A7F-84A27269B423}"/>
+          <p:cNvPr id="46" name="TextBox 45">
+            <a:extLst>
+              <a:ext uri="{FF2B5EF4-FFF2-40B4-BE49-F238E27FC236}">
+                <a16:creationId xmlns:a16="http://schemas.microsoft.com/office/drawing/2014/main" id="{F29D9B02-151A-4B55-8C9C-5A1657E99641}"/>
+              </a:ext>
+            </a:extLst>
+          </p:cNvPr>
+          <p:cNvSpPr txBox="1"/>
+          <p:nvPr/>
+        </p:nvSpPr>
+        <p:spPr>
+          <a:xfrm>
+            <a:off x="46849" y="501564"/>
+            <a:ext cx="6762449" cy="276999"/>
+          </a:xfrm>
+          <a:prstGeom prst="rect">
+            <a:avLst/>
+          </a:prstGeom>
+          <a:solidFill>
+            <a:schemeClr val="bg2">
+              <a:lumMod val="90000"/>
+            </a:schemeClr>
+          </a:solidFill>
+        </p:spPr>
+        <p:txBody>
+          <a:bodyPr wrap="square" rtlCol="0">
+            <a:spAutoFit/>
+          </a:bodyPr>
+          <a:lstStyle/>
+          <a:p>
+            <a:pPr algn="ctr"/>
+            <a:r>
+              <a:rPr lang="en-US" sz="1200" dirty="0"/>
+              <a:t>Pre Processing</a:t>
+            </a:r>
+          </a:p>
+        </p:txBody>
+      </p:sp>
+      <p:graphicFrame>
+        <p:nvGraphicFramePr>
+          <p:cNvPr id="47" name="Table 46">
+            <a:extLst>
+              <a:ext uri="{FF2B5EF4-FFF2-40B4-BE49-F238E27FC236}">
+                <a16:creationId xmlns:a16="http://schemas.microsoft.com/office/drawing/2014/main" id="{E20C3A2F-2682-405E-A2CA-9ED7CE57B01F}"/>
+              </a:ext>
+            </a:extLst>
+          </p:cNvPr>
+          <p:cNvGraphicFramePr>
+            <a:graphicFrameLocks noGrp="1"/>
+          </p:cNvGraphicFramePr>
+          <p:nvPr>
+            <p:extLst>
+              <p:ext uri="{D42A27DB-BD31-4B8C-83A1-F6EECF244321}">
+                <p14:modId xmlns:p14="http://schemas.microsoft.com/office/powerpoint/2010/main" val="194661374"/>
+              </p:ext>
+            </p:extLst>
+          </p:nvPr>
+        </p:nvGraphicFramePr>
+        <p:xfrm>
+          <a:off x="8710093" y="1291256"/>
+          <a:ext cx="322645" cy="1036320"/>
+        </p:xfrm>
+        <a:graphic>
+          <a:graphicData uri="http://schemas.openxmlformats.org/drawingml/2006/table">
+            <a:tbl>
+              <a:tblPr firstRow="1" bandRow="1">
+                <a:tableStyleId>{284E427A-3D55-4303-BF80-6455036E1DE7}</a:tableStyleId>
+              </a:tblPr>
+              <a:tblGrid>
+                <a:gridCol w="322645">
+                  <a:extLst>
+                    <a:ext uri="{9D8B030D-6E8A-4147-A177-3AD203B41FA5}">
+                      <a16:colId xmlns:a16="http://schemas.microsoft.com/office/drawing/2014/main" val="3388713200"/>
+                    </a:ext>
+                  </a:extLst>
+                </a:gridCol>
+              </a:tblGrid>
+              <a:tr h="0">
+                <a:tc>
+                  <a:txBody>
+                    <a:bodyPr/>
+                    <a:lstStyle/>
+                    <a:p>
+                      <a:pPr algn="ctr"/>
+                      <a:r>
+                        <a:rPr lang="en-US" sz="1100" dirty="0"/>
+                        <a:t>Y</a:t>
+                      </a:r>
+                    </a:p>
+                  </a:txBody>
+                  <a:tcPr/>
+                </a:tc>
+                <a:extLst>
+                  <a:ext uri="{0D108BD9-81ED-4DB2-BD59-A6C34878D82A}">
+                    <a16:rowId xmlns:a16="http://schemas.microsoft.com/office/drawing/2014/main" val="3840290834"/>
+                  </a:ext>
+                </a:extLst>
+              </a:tr>
+              <a:tr h="0">
+                <a:tc>
+                  <a:txBody>
+                    <a:bodyPr/>
+                    <a:lstStyle/>
+                    <a:p>
+                      <a:endParaRPr lang="en-US" sz="1100" dirty="0"/>
+                    </a:p>
+                  </a:txBody>
+                  <a:tcPr/>
+                </a:tc>
+                <a:extLst>
+                  <a:ext uri="{0D108BD9-81ED-4DB2-BD59-A6C34878D82A}">
+                    <a16:rowId xmlns:a16="http://schemas.microsoft.com/office/drawing/2014/main" val="3022081642"/>
+                  </a:ext>
+                </a:extLst>
+              </a:tr>
+              <a:tr h="0">
+                <a:tc>
+                  <a:txBody>
+                    <a:bodyPr/>
+                    <a:lstStyle/>
+                    <a:p>
+                      <a:endParaRPr lang="en-US" sz="1100" dirty="0"/>
+                    </a:p>
+                  </a:txBody>
+                  <a:tcPr/>
+                </a:tc>
+                <a:extLst>
+                  <a:ext uri="{0D108BD9-81ED-4DB2-BD59-A6C34878D82A}">
+                    <a16:rowId xmlns:a16="http://schemas.microsoft.com/office/drawing/2014/main" val="1448300019"/>
+                  </a:ext>
+                </a:extLst>
+              </a:tr>
+              <a:tr h="0">
+                <a:tc>
+                  <a:txBody>
+                    <a:bodyPr/>
+                    <a:lstStyle/>
+                    <a:p>
+                      <a:endParaRPr lang="en-US" sz="1100" dirty="0"/>
+                    </a:p>
+                  </a:txBody>
+                  <a:tcPr/>
+                </a:tc>
+                <a:extLst>
+                  <a:ext uri="{0D108BD9-81ED-4DB2-BD59-A6C34878D82A}">
+                    <a16:rowId xmlns:a16="http://schemas.microsoft.com/office/drawing/2014/main" val="1862071568"/>
+                  </a:ext>
+                </a:extLst>
+              </a:tr>
+            </a:tbl>
+          </a:graphicData>
+        </a:graphic>
+      </p:graphicFrame>
+      <p:sp>
+        <p:nvSpPr>
+          <p:cNvPr id="48" name="TextBox 47">
+            <a:extLst>
+              <a:ext uri="{FF2B5EF4-FFF2-40B4-BE49-F238E27FC236}">
+                <a16:creationId xmlns:a16="http://schemas.microsoft.com/office/drawing/2014/main" id="{D09D9CEA-6EAD-41EA-A80F-F2186B0B7C1F}"/>
+              </a:ext>
+            </a:extLst>
+          </p:cNvPr>
+          <p:cNvSpPr txBox="1"/>
+          <p:nvPr/>
+        </p:nvSpPr>
+        <p:spPr>
+          <a:xfrm>
+            <a:off x="8558812" y="1013507"/>
+            <a:ext cx="667555" cy="276999"/>
+          </a:xfrm>
+          <a:prstGeom prst="rect">
+            <a:avLst/>
+          </a:prstGeom>
+          <a:noFill/>
+        </p:spPr>
+        <p:txBody>
+          <a:bodyPr wrap="none" rtlCol="0">
+            <a:spAutoFit/>
+          </a:bodyPr>
+          <a:lstStyle/>
+          <a:p>
+            <a:r>
+              <a:rPr lang="en-US" sz="1200" dirty="0" err="1"/>
+              <a:t>train_Y</a:t>
+            </a:r>
+            <a:r>
+              <a:rPr lang="en-US" sz="1200" dirty="0"/>
+              <a:t>’</a:t>
+            </a:r>
+          </a:p>
+        </p:txBody>
+      </p:sp>
+      <p:sp>
+        <p:nvSpPr>
+          <p:cNvPr id="27" name="Rectangle 26">
+            <a:extLst>
+              <a:ext uri="{FF2B5EF4-FFF2-40B4-BE49-F238E27FC236}">
+                <a16:creationId xmlns:a16="http://schemas.microsoft.com/office/drawing/2014/main" id="{868486C8-0079-4270-84B2-03F1F9EA902D}"/>
               </a:ext>
             </a:extLst>
           </p:cNvPr>
@@ -5257,8 +5646,1804 @@
         </p:nvSpPr>
         <p:spPr>
           <a:xfrm>
-            <a:off x="3103925" y="626965"/>
-            <a:ext cx="1870745" cy="3161356"/>
+            <a:off x="7320785" y="1612175"/>
+            <a:ext cx="662730" cy="436228"/>
+          </a:xfrm>
+          <a:prstGeom prst="rect">
+            <a:avLst/>
+          </a:prstGeom>
+          <a:solidFill>
+            <a:schemeClr val="tx2">
+              <a:lumMod val="75000"/>
+            </a:schemeClr>
+          </a:solidFill>
+        </p:spPr>
+        <p:style>
+          <a:lnRef idx="2">
+            <a:schemeClr val="accent1">
+              <a:shade val="50000"/>
+            </a:schemeClr>
+          </a:lnRef>
+          <a:fillRef idx="1">
+            <a:schemeClr val="accent1"/>
+          </a:fillRef>
+          <a:effectRef idx="0">
+            <a:schemeClr val="accent1"/>
+          </a:effectRef>
+          <a:fontRef idx="minor">
+            <a:schemeClr val="lt1"/>
+          </a:fontRef>
+        </p:style>
+        <p:txBody>
+          <a:bodyPr rtlCol="0" anchor="ctr"/>
+          <a:lstStyle/>
+          <a:p>
+            <a:pPr algn="ctr"/>
+            <a:r>
+              <a:rPr lang="en-US" sz="1400" dirty="0">
+                <a:solidFill>
+                  <a:schemeClr val="bg1"/>
+                </a:solidFill>
+              </a:rPr>
+              <a:t>Model</a:t>
+            </a:r>
+          </a:p>
+        </p:txBody>
+      </p:sp>
+      <p:cxnSp>
+        <p:nvCxnSpPr>
+          <p:cNvPr id="49" name="Straight Arrow Connector 48">
+            <a:extLst>
+              <a:ext uri="{FF2B5EF4-FFF2-40B4-BE49-F238E27FC236}">
+                <a16:creationId xmlns:a16="http://schemas.microsoft.com/office/drawing/2014/main" id="{517695F4-EC17-47CD-82C2-86B8A9430A17}"/>
+              </a:ext>
+            </a:extLst>
+          </p:cNvPr>
+          <p:cNvCxnSpPr>
+            <a:cxnSpLocks/>
+          </p:cNvCxnSpPr>
+          <p:nvPr/>
+        </p:nvCxnSpPr>
+        <p:spPr>
+          <a:xfrm>
+            <a:off x="8057199" y="1826729"/>
+            <a:ext cx="426386" cy="0"/>
+          </a:xfrm>
+          <a:prstGeom prst="straightConnector1">
+            <a:avLst/>
+          </a:prstGeom>
+          <a:ln w="57150">
+            <a:tailEnd type="triangle"/>
+          </a:ln>
+        </p:spPr>
+        <p:style>
+          <a:lnRef idx="1">
+            <a:schemeClr val="accent1"/>
+          </a:lnRef>
+          <a:fillRef idx="0">
+            <a:schemeClr val="accent1"/>
+          </a:fillRef>
+          <a:effectRef idx="0">
+            <a:schemeClr val="accent1"/>
+          </a:effectRef>
+          <a:fontRef idx="minor">
+            <a:schemeClr val="tx1"/>
+          </a:fontRef>
+        </p:style>
+      </p:cxnSp>
+      <p:sp>
+        <p:nvSpPr>
+          <p:cNvPr id="51" name="TextBox 50">
+            <a:extLst>
+              <a:ext uri="{FF2B5EF4-FFF2-40B4-BE49-F238E27FC236}">
+                <a16:creationId xmlns:a16="http://schemas.microsoft.com/office/drawing/2014/main" id="{6B93B779-54AE-48B5-8CD8-37713F6461A4}"/>
+              </a:ext>
+            </a:extLst>
+          </p:cNvPr>
+          <p:cNvSpPr txBox="1"/>
+          <p:nvPr/>
+        </p:nvSpPr>
+        <p:spPr>
+          <a:xfrm rot="16200000">
+            <a:off x="7840117" y="1114273"/>
+            <a:ext cx="752571" cy="253916"/>
+          </a:xfrm>
+          <a:prstGeom prst="rect">
+            <a:avLst/>
+          </a:prstGeom>
+          <a:solidFill>
+            <a:schemeClr val="accent2">
+              <a:lumMod val="60000"/>
+              <a:lumOff val="40000"/>
+            </a:schemeClr>
+          </a:solidFill>
+        </p:spPr>
+        <p:txBody>
+          <a:bodyPr wrap="square" rtlCol="0">
+            <a:spAutoFit/>
+          </a:bodyPr>
+          <a:lstStyle/>
+          <a:p>
+            <a:pPr algn="ctr"/>
+            <a:r>
+              <a:rPr lang="en-US" sz="1050" dirty="0"/>
+              <a:t>.predict()</a:t>
+            </a:r>
+          </a:p>
+        </p:txBody>
+      </p:sp>
+      <p:sp>
+        <p:nvSpPr>
+          <p:cNvPr id="52" name="Rectangle 51">
+            <a:extLst>
+              <a:ext uri="{FF2B5EF4-FFF2-40B4-BE49-F238E27FC236}">
+                <a16:creationId xmlns:a16="http://schemas.microsoft.com/office/drawing/2014/main" id="{8D45B4D2-42F1-4DF7-8ABA-058A9ED93212}"/>
+              </a:ext>
+            </a:extLst>
+          </p:cNvPr>
+          <p:cNvSpPr/>
+          <p:nvPr/>
+        </p:nvSpPr>
+        <p:spPr>
+          <a:xfrm>
+            <a:off x="9696637" y="953882"/>
+            <a:ext cx="1003166" cy="1411447"/>
+          </a:xfrm>
+          <a:prstGeom prst="rect">
+            <a:avLst/>
+          </a:prstGeom>
+          <a:solidFill>
+            <a:schemeClr val="accent6">
+              <a:lumMod val="50000"/>
+            </a:schemeClr>
+          </a:solidFill>
+        </p:spPr>
+        <p:style>
+          <a:lnRef idx="2">
+            <a:schemeClr val="accent1">
+              <a:shade val="50000"/>
+            </a:schemeClr>
+          </a:lnRef>
+          <a:fillRef idx="1">
+            <a:schemeClr val="accent1"/>
+          </a:fillRef>
+          <a:effectRef idx="0">
+            <a:schemeClr val="accent1"/>
+          </a:effectRef>
+          <a:fontRef idx="minor">
+            <a:schemeClr val="lt1"/>
+          </a:fontRef>
+        </p:style>
+        <p:txBody>
+          <a:bodyPr rtlCol="0" anchor="ctr"/>
+          <a:lstStyle/>
+          <a:p>
+            <a:pPr algn="ctr"/>
+            <a:r>
+              <a:rPr lang="en-US" sz="1100" dirty="0">
+                <a:solidFill>
+                  <a:schemeClr val="bg1"/>
+                </a:solidFill>
+              </a:rPr>
+              <a:t>Model Performance Measurement</a:t>
+            </a:r>
+          </a:p>
+        </p:txBody>
+      </p:sp>
+      <p:cxnSp>
+        <p:nvCxnSpPr>
+          <p:cNvPr id="53" name="Straight Arrow Connector 52">
+            <a:extLst>
+              <a:ext uri="{FF2B5EF4-FFF2-40B4-BE49-F238E27FC236}">
+                <a16:creationId xmlns:a16="http://schemas.microsoft.com/office/drawing/2014/main" id="{B8D0E7A5-31CD-434A-9AE1-D111ACF0BC25}"/>
+              </a:ext>
+            </a:extLst>
+          </p:cNvPr>
+          <p:cNvCxnSpPr>
+            <a:cxnSpLocks/>
+          </p:cNvCxnSpPr>
+          <p:nvPr/>
+        </p:nvCxnSpPr>
+        <p:spPr>
+          <a:xfrm>
+            <a:off x="9310443" y="2242985"/>
+            <a:ext cx="374654" cy="0"/>
+          </a:xfrm>
+          <a:prstGeom prst="straightConnector1">
+            <a:avLst/>
+          </a:prstGeom>
+          <a:ln w="57150">
+            <a:solidFill>
+              <a:srgbClr val="FF0000"/>
+            </a:solidFill>
+            <a:tailEnd type="triangle"/>
+          </a:ln>
+        </p:spPr>
+        <p:style>
+          <a:lnRef idx="1">
+            <a:schemeClr val="accent1"/>
+          </a:lnRef>
+          <a:fillRef idx="0">
+            <a:schemeClr val="accent1"/>
+          </a:fillRef>
+          <a:effectRef idx="0">
+            <a:schemeClr val="accent1"/>
+          </a:effectRef>
+          <a:fontRef idx="minor">
+            <a:schemeClr val="tx1"/>
+          </a:fontRef>
+        </p:style>
+      </p:cxnSp>
+      <p:sp>
+        <p:nvSpPr>
+          <p:cNvPr id="56" name="Rectangle 55">
+            <a:extLst>
+              <a:ext uri="{FF2B5EF4-FFF2-40B4-BE49-F238E27FC236}">
+                <a16:creationId xmlns:a16="http://schemas.microsoft.com/office/drawing/2014/main" id="{38D19805-D2ED-4184-9BD2-F2F6DE2D6BE0}"/>
+              </a:ext>
+            </a:extLst>
+          </p:cNvPr>
+          <p:cNvSpPr/>
+          <p:nvPr/>
+        </p:nvSpPr>
+        <p:spPr>
+          <a:xfrm>
+            <a:off x="8495125" y="2515253"/>
+            <a:ext cx="707727" cy="1070780"/>
+          </a:xfrm>
+          <a:prstGeom prst="rect">
+            <a:avLst/>
+          </a:prstGeom>
+          <a:solidFill>
+            <a:schemeClr val="accent5">
+              <a:lumMod val="20000"/>
+              <a:lumOff val="80000"/>
+            </a:schemeClr>
+          </a:solidFill>
+          <a:ln>
+            <a:noFill/>
+          </a:ln>
+        </p:spPr>
+        <p:style>
+          <a:lnRef idx="2">
+            <a:schemeClr val="accent1">
+              <a:shade val="50000"/>
+            </a:schemeClr>
+          </a:lnRef>
+          <a:fillRef idx="1">
+            <a:schemeClr val="accent1"/>
+          </a:fillRef>
+          <a:effectRef idx="0">
+            <a:schemeClr val="accent1"/>
+          </a:effectRef>
+          <a:fontRef idx="minor">
+            <a:schemeClr val="lt1"/>
+          </a:fontRef>
+        </p:style>
+        <p:txBody>
+          <a:bodyPr rtlCol="0" anchor="ctr"/>
+          <a:lstStyle/>
+          <a:p>
+            <a:pPr algn="ctr"/>
+            <a:endParaRPr lang="en-US" sz="1200"/>
+          </a:p>
+        </p:txBody>
+      </p:sp>
+      <p:graphicFrame>
+        <p:nvGraphicFramePr>
+          <p:cNvPr id="57" name="Table 56">
+            <a:extLst>
+              <a:ext uri="{FF2B5EF4-FFF2-40B4-BE49-F238E27FC236}">
+                <a16:creationId xmlns:a16="http://schemas.microsoft.com/office/drawing/2014/main" id="{3B6A3AB3-286C-4C3E-937A-90473EE57029}"/>
+              </a:ext>
+            </a:extLst>
+          </p:cNvPr>
+          <p:cNvGraphicFramePr>
+            <a:graphicFrameLocks noGrp="1"/>
+          </p:cNvGraphicFramePr>
+          <p:nvPr>
+            <p:extLst>
+              <p:ext uri="{D42A27DB-BD31-4B8C-83A1-F6EECF244321}">
+                <p14:modId xmlns:p14="http://schemas.microsoft.com/office/powerpoint/2010/main" val="2477872828"/>
+              </p:ext>
+            </p:extLst>
+          </p:nvPr>
+        </p:nvGraphicFramePr>
+        <p:xfrm>
+          <a:off x="8710093" y="2874994"/>
+          <a:ext cx="322645" cy="518160"/>
+        </p:xfrm>
+        <a:graphic>
+          <a:graphicData uri="http://schemas.openxmlformats.org/drawingml/2006/table">
+            <a:tbl>
+              <a:tblPr firstRow="1" bandRow="1">
+                <a:tableStyleId>{284E427A-3D55-4303-BF80-6455036E1DE7}</a:tableStyleId>
+              </a:tblPr>
+              <a:tblGrid>
+                <a:gridCol w="322645">
+                  <a:extLst>
+                    <a:ext uri="{9D8B030D-6E8A-4147-A177-3AD203B41FA5}">
+                      <a16:colId xmlns:a16="http://schemas.microsoft.com/office/drawing/2014/main" val="3388713200"/>
+                    </a:ext>
+                  </a:extLst>
+                </a:gridCol>
+              </a:tblGrid>
+              <a:tr h="0">
+                <a:tc>
+                  <a:txBody>
+                    <a:bodyPr/>
+                    <a:lstStyle/>
+                    <a:p>
+                      <a:pPr algn="ctr"/>
+                      <a:r>
+                        <a:rPr lang="en-US" sz="1100" dirty="0"/>
+                        <a:t>Y</a:t>
+                      </a:r>
+                    </a:p>
+                  </a:txBody>
+                  <a:tcPr/>
+                </a:tc>
+                <a:extLst>
+                  <a:ext uri="{0D108BD9-81ED-4DB2-BD59-A6C34878D82A}">
+                    <a16:rowId xmlns:a16="http://schemas.microsoft.com/office/drawing/2014/main" val="3840290834"/>
+                  </a:ext>
+                </a:extLst>
+              </a:tr>
+              <a:tr h="0">
+                <a:tc>
+                  <a:txBody>
+                    <a:bodyPr/>
+                    <a:lstStyle/>
+                    <a:p>
+                      <a:endParaRPr lang="en-US" sz="1100" dirty="0"/>
+                    </a:p>
+                  </a:txBody>
+                  <a:tcPr/>
+                </a:tc>
+                <a:extLst>
+                  <a:ext uri="{0D108BD9-81ED-4DB2-BD59-A6C34878D82A}">
+                    <a16:rowId xmlns:a16="http://schemas.microsoft.com/office/drawing/2014/main" val="3022081642"/>
+                  </a:ext>
+                </a:extLst>
+              </a:tr>
+            </a:tbl>
+          </a:graphicData>
+        </a:graphic>
+      </p:graphicFrame>
+      <p:sp>
+        <p:nvSpPr>
+          <p:cNvPr id="58" name="TextBox 57">
+            <a:extLst>
+              <a:ext uri="{FF2B5EF4-FFF2-40B4-BE49-F238E27FC236}">
+                <a16:creationId xmlns:a16="http://schemas.microsoft.com/office/drawing/2014/main" id="{A89BD32C-64BA-4793-B6B9-E81485186A4C}"/>
+              </a:ext>
+            </a:extLst>
+          </p:cNvPr>
+          <p:cNvSpPr txBox="1"/>
+          <p:nvPr/>
+        </p:nvSpPr>
+        <p:spPr>
+          <a:xfrm>
+            <a:off x="8558812" y="2597245"/>
+            <a:ext cx="614399" cy="276999"/>
+          </a:xfrm>
+          <a:prstGeom prst="rect">
+            <a:avLst/>
+          </a:prstGeom>
+          <a:noFill/>
+        </p:spPr>
+        <p:txBody>
+          <a:bodyPr wrap="none" rtlCol="0">
+            <a:spAutoFit/>
+          </a:bodyPr>
+          <a:lstStyle/>
+          <a:p>
+            <a:r>
+              <a:rPr lang="en-US" sz="1200" dirty="0" err="1"/>
+              <a:t>test_Y</a:t>
+            </a:r>
+            <a:r>
+              <a:rPr lang="en-US" sz="1200" dirty="0"/>
+              <a:t>’</a:t>
+            </a:r>
+          </a:p>
+        </p:txBody>
+      </p:sp>
+      <p:cxnSp>
+        <p:nvCxnSpPr>
+          <p:cNvPr id="59" name="Straight Arrow Connector 58">
+            <a:extLst>
+              <a:ext uri="{FF2B5EF4-FFF2-40B4-BE49-F238E27FC236}">
+                <a16:creationId xmlns:a16="http://schemas.microsoft.com/office/drawing/2014/main" id="{44CA37DD-1929-462A-A0F6-1BDDAA1C2D72}"/>
+              </a:ext>
+            </a:extLst>
+          </p:cNvPr>
+          <p:cNvCxnSpPr>
+            <a:cxnSpLocks/>
+          </p:cNvCxnSpPr>
+          <p:nvPr/>
+        </p:nvCxnSpPr>
+        <p:spPr>
+          <a:xfrm>
+            <a:off x="7983515" y="2142932"/>
+            <a:ext cx="426386" cy="772697"/>
+          </a:xfrm>
+          <a:prstGeom prst="straightConnector1">
+            <a:avLst/>
+          </a:prstGeom>
+          <a:ln w="57150">
+            <a:tailEnd type="triangle"/>
+          </a:ln>
+        </p:spPr>
+        <p:style>
+          <a:lnRef idx="1">
+            <a:schemeClr val="accent1"/>
+          </a:lnRef>
+          <a:fillRef idx="0">
+            <a:schemeClr val="accent1"/>
+          </a:fillRef>
+          <a:effectRef idx="0">
+            <a:schemeClr val="accent1"/>
+          </a:effectRef>
+          <a:fontRef idx="minor">
+            <a:schemeClr val="tx1"/>
+          </a:fontRef>
+        </p:style>
+      </p:cxnSp>
+      <p:sp>
+        <p:nvSpPr>
+          <p:cNvPr id="66" name="Rectangle 65">
+            <a:extLst>
+              <a:ext uri="{FF2B5EF4-FFF2-40B4-BE49-F238E27FC236}">
+                <a16:creationId xmlns:a16="http://schemas.microsoft.com/office/drawing/2014/main" id="{519DD959-FE5C-4E50-A901-DE368DF158D7}"/>
+              </a:ext>
+            </a:extLst>
+          </p:cNvPr>
+          <p:cNvSpPr/>
+          <p:nvPr/>
+        </p:nvSpPr>
+        <p:spPr>
+          <a:xfrm>
+            <a:off x="9696637" y="2467431"/>
+            <a:ext cx="1003166" cy="1118604"/>
+          </a:xfrm>
+          <a:prstGeom prst="rect">
+            <a:avLst/>
+          </a:prstGeom>
+          <a:solidFill>
+            <a:schemeClr val="accent1">
+              <a:lumMod val="75000"/>
+            </a:schemeClr>
+          </a:solidFill>
+        </p:spPr>
+        <p:style>
+          <a:lnRef idx="2">
+            <a:schemeClr val="accent1">
+              <a:shade val="50000"/>
+            </a:schemeClr>
+          </a:lnRef>
+          <a:fillRef idx="1">
+            <a:schemeClr val="accent1"/>
+          </a:fillRef>
+          <a:effectRef idx="0">
+            <a:schemeClr val="accent1"/>
+          </a:effectRef>
+          <a:fontRef idx="minor">
+            <a:schemeClr val="lt1"/>
+          </a:fontRef>
+        </p:style>
+        <p:txBody>
+          <a:bodyPr rtlCol="0" anchor="ctr"/>
+          <a:lstStyle/>
+          <a:p>
+            <a:pPr algn="ctr"/>
+            <a:r>
+              <a:rPr lang="en-US" sz="1100" dirty="0">
+                <a:solidFill>
+                  <a:schemeClr val="bg1"/>
+                </a:solidFill>
+              </a:rPr>
+              <a:t>Model Performance Measurement</a:t>
+            </a:r>
+          </a:p>
+        </p:txBody>
+      </p:sp>
+      <p:cxnSp>
+        <p:nvCxnSpPr>
+          <p:cNvPr id="67" name="Straight Arrow Connector 66">
+            <a:extLst>
+              <a:ext uri="{FF2B5EF4-FFF2-40B4-BE49-F238E27FC236}">
+                <a16:creationId xmlns:a16="http://schemas.microsoft.com/office/drawing/2014/main" id="{0EE0CF74-7AE8-44DF-BDCB-84C18176082A}"/>
+              </a:ext>
+            </a:extLst>
+          </p:cNvPr>
+          <p:cNvCxnSpPr>
+            <a:cxnSpLocks/>
+          </p:cNvCxnSpPr>
+          <p:nvPr/>
+        </p:nvCxnSpPr>
+        <p:spPr>
+          <a:xfrm>
+            <a:off x="9310443" y="3393154"/>
+            <a:ext cx="315931" cy="0"/>
+          </a:xfrm>
+          <a:prstGeom prst="straightConnector1">
+            <a:avLst/>
+          </a:prstGeom>
+          <a:ln w="57150">
+            <a:solidFill>
+              <a:srgbClr val="FF0000"/>
+            </a:solidFill>
+            <a:tailEnd type="triangle"/>
+          </a:ln>
+        </p:spPr>
+        <p:style>
+          <a:lnRef idx="1">
+            <a:schemeClr val="accent1"/>
+          </a:lnRef>
+          <a:fillRef idx="0">
+            <a:schemeClr val="accent1"/>
+          </a:fillRef>
+          <a:effectRef idx="0">
+            <a:schemeClr val="accent1"/>
+          </a:effectRef>
+          <a:fontRef idx="minor">
+            <a:schemeClr val="tx1"/>
+          </a:fontRef>
+        </p:style>
+      </p:cxnSp>
+      <p:sp>
+        <p:nvSpPr>
+          <p:cNvPr id="68" name="TextBox 67">
+            <a:extLst>
+              <a:ext uri="{FF2B5EF4-FFF2-40B4-BE49-F238E27FC236}">
+                <a16:creationId xmlns:a16="http://schemas.microsoft.com/office/drawing/2014/main" id="{69D7B881-8734-49A6-AA64-C0CAD6DC6846}"/>
+              </a:ext>
+            </a:extLst>
+          </p:cNvPr>
+          <p:cNvSpPr txBox="1"/>
+          <p:nvPr/>
+        </p:nvSpPr>
+        <p:spPr>
+          <a:xfrm>
+            <a:off x="6879142" y="503783"/>
+            <a:ext cx="3820661" cy="276999"/>
+          </a:xfrm>
+          <a:prstGeom prst="rect">
+            <a:avLst/>
+          </a:prstGeom>
+          <a:solidFill>
+            <a:schemeClr val="bg2">
+              <a:lumMod val="90000"/>
+            </a:schemeClr>
+          </a:solidFill>
+        </p:spPr>
+        <p:txBody>
+          <a:bodyPr wrap="square" rtlCol="0">
+            <a:spAutoFit/>
+          </a:bodyPr>
+          <a:lstStyle/>
+          <a:p>
+            <a:pPr algn="ctr"/>
+            <a:r>
+              <a:rPr lang="en-US" sz="1200" dirty="0"/>
+              <a:t>Modeling</a:t>
+            </a:r>
+          </a:p>
+        </p:txBody>
+      </p:sp>
+      <p:sp>
+        <p:nvSpPr>
+          <p:cNvPr id="81" name="Rectangle 80">
+            <a:extLst>
+              <a:ext uri="{FF2B5EF4-FFF2-40B4-BE49-F238E27FC236}">
+                <a16:creationId xmlns:a16="http://schemas.microsoft.com/office/drawing/2014/main" id="{730EBA96-90FD-45F0-AEEE-6451925B1E44}"/>
+              </a:ext>
+            </a:extLst>
+          </p:cNvPr>
+          <p:cNvSpPr/>
+          <p:nvPr/>
+        </p:nvSpPr>
+        <p:spPr>
+          <a:xfrm>
+            <a:off x="4728487" y="3672542"/>
+            <a:ext cx="1752118" cy="1501746"/>
+          </a:xfrm>
+          <a:prstGeom prst="rect">
+            <a:avLst/>
+          </a:prstGeom>
+          <a:solidFill>
+            <a:schemeClr val="bg1">
+              <a:lumMod val="75000"/>
+            </a:schemeClr>
+          </a:solidFill>
+          <a:ln>
+            <a:noFill/>
+          </a:ln>
+        </p:spPr>
+        <p:style>
+          <a:lnRef idx="2">
+            <a:schemeClr val="accent1">
+              <a:shade val="50000"/>
+            </a:schemeClr>
+          </a:lnRef>
+          <a:fillRef idx="1">
+            <a:schemeClr val="accent1"/>
+          </a:fillRef>
+          <a:effectRef idx="0">
+            <a:schemeClr val="accent1"/>
+          </a:effectRef>
+          <a:fontRef idx="minor">
+            <a:schemeClr val="lt1"/>
+          </a:fontRef>
+        </p:style>
+        <p:txBody>
+          <a:bodyPr rtlCol="0" anchor="ctr"/>
+          <a:lstStyle/>
+          <a:p>
+            <a:pPr algn="ctr"/>
+            <a:endParaRPr lang="en-US" sz="1200"/>
+          </a:p>
+        </p:txBody>
+      </p:sp>
+      <p:graphicFrame>
+        <p:nvGraphicFramePr>
+          <p:cNvPr id="82" name="Table 81">
+            <a:extLst>
+              <a:ext uri="{FF2B5EF4-FFF2-40B4-BE49-F238E27FC236}">
+                <a16:creationId xmlns:a16="http://schemas.microsoft.com/office/drawing/2014/main" id="{18A12B21-776A-45B3-90DE-2CA63EDEFC50}"/>
+              </a:ext>
+            </a:extLst>
+          </p:cNvPr>
+          <p:cNvGraphicFramePr>
+            <a:graphicFrameLocks noGrp="1"/>
+          </p:cNvGraphicFramePr>
+          <p:nvPr>
+            <p:extLst>
+              <p:ext uri="{D42A27DB-BD31-4B8C-83A1-F6EECF244321}">
+                <p14:modId xmlns:p14="http://schemas.microsoft.com/office/powerpoint/2010/main" val="4025655133"/>
+              </p:ext>
+            </p:extLst>
+          </p:nvPr>
+        </p:nvGraphicFramePr>
+        <p:xfrm>
+          <a:off x="4815667" y="4010666"/>
+          <a:ext cx="967935" cy="1036320"/>
+        </p:xfrm>
+        <a:graphic>
+          <a:graphicData uri="http://schemas.openxmlformats.org/drawingml/2006/table">
+            <a:tbl>
+              <a:tblPr firstRow="1" bandRow="1">
+                <a:tableStyleId>{5C22544A-7EE6-4342-B048-85BDC9FD1C3A}</a:tableStyleId>
+              </a:tblPr>
+              <a:tblGrid>
+                <a:gridCol w="322645">
+                  <a:extLst>
+                    <a:ext uri="{9D8B030D-6E8A-4147-A177-3AD203B41FA5}">
+                      <a16:colId xmlns:a16="http://schemas.microsoft.com/office/drawing/2014/main" val="1821465526"/>
+                    </a:ext>
+                  </a:extLst>
+                </a:gridCol>
+                <a:gridCol w="322645">
+                  <a:extLst>
+                    <a:ext uri="{9D8B030D-6E8A-4147-A177-3AD203B41FA5}">
+                      <a16:colId xmlns:a16="http://schemas.microsoft.com/office/drawing/2014/main" val="3634153550"/>
+                    </a:ext>
+                  </a:extLst>
+                </a:gridCol>
+                <a:gridCol w="322645">
+                  <a:extLst>
+                    <a:ext uri="{9D8B030D-6E8A-4147-A177-3AD203B41FA5}">
+                      <a16:colId xmlns:a16="http://schemas.microsoft.com/office/drawing/2014/main" val="372574935"/>
+                    </a:ext>
+                  </a:extLst>
+                </a:gridCol>
+              </a:tblGrid>
+              <a:tr h="0">
+                <a:tc>
+                  <a:txBody>
+                    <a:bodyPr/>
+                    <a:lstStyle/>
+                    <a:p>
+                      <a:pPr algn="ctr"/>
+                      <a:r>
+                        <a:rPr lang="en-US" sz="1100" dirty="0"/>
+                        <a:t>x1</a:t>
+                      </a:r>
+                    </a:p>
+                  </a:txBody>
+                  <a:tcPr/>
+                </a:tc>
+                <a:tc>
+                  <a:txBody>
+                    <a:bodyPr/>
+                    <a:lstStyle/>
+                    <a:p>
+                      <a:pPr algn="ctr"/>
+                      <a:r>
+                        <a:rPr lang="en-US" sz="1100" dirty="0"/>
+                        <a:t>x2</a:t>
+                      </a:r>
+                    </a:p>
+                  </a:txBody>
+                  <a:tcPr/>
+                </a:tc>
+                <a:tc>
+                  <a:txBody>
+                    <a:bodyPr/>
+                    <a:lstStyle/>
+                    <a:p>
+                      <a:pPr algn="ctr"/>
+                      <a:r>
+                        <a:rPr lang="en-US" sz="1100" dirty="0"/>
+                        <a:t>x3</a:t>
+                      </a:r>
+                    </a:p>
+                  </a:txBody>
+                  <a:tcPr/>
+                </a:tc>
+                <a:extLst>
+                  <a:ext uri="{0D108BD9-81ED-4DB2-BD59-A6C34878D82A}">
+                    <a16:rowId xmlns:a16="http://schemas.microsoft.com/office/drawing/2014/main" val="3840290834"/>
+                  </a:ext>
+                </a:extLst>
+              </a:tr>
+              <a:tr h="0">
+                <a:tc>
+                  <a:txBody>
+                    <a:bodyPr/>
+                    <a:lstStyle/>
+                    <a:p>
+                      <a:pPr algn="ctr"/>
+                      <a:endParaRPr lang="en-US" sz="1100" dirty="0"/>
+                    </a:p>
+                  </a:txBody>
+                  <a:tcPr/>
+                </a:tc>
+                <a:tc>
+                  <a:txBody>
+                    <a:bodyPr/>
+                    <a:lstStyle/>
+                    <a:p>
+                      <a:pPr algn="ctr"/>
+                      <a:endParaRPr lang="en-US" sz="1100" dirty="0"/>
+                    </a:p>
+                  </a:txBody>
+                  <a:tcPr/>
+                </a:tc>
+                <a:tc>
+                  <a:txBody>
+                    <a:bodyPr/>
+                    <a:lstStyle/>
+                    <a:p>
+                      <a:pPr algn="ctr"/>
+                      <a:endParaRPr lang="en-US" sz="1100" dirty="0"/>
+                    </a:p>
+                  </a:txBody>
+                  <a:tcPr/>
+                </a:tc>
+                <a:extLst>
+                  <a:ext uri="{0D108BD9-81ED-4DB2-BD59-A6C34878D82A}">
+                    <a16:rowId xmlns:a16="http://schemas.microsoft.com/office/drawing/2014/main" val="592063086"/>
+                  </a:ext>
+                </a:extLst>
+              </a:tr>
+              <a:tr h="0">
+                <a:tc>
+                  <a:txBody>
+                    <a:bodyPr/>
+                    <a:lstStyle/>
+                    <a:p>
+                      <a:pPr algn="ctr"/>
+                      <a:endParaRPr lang="en-US" sz="1100"/>
+                    </a:p>
+                  </a:txBody>
+                  <a:tcPr/>
+                </a:tc>
+                <a:tc>
+                  <a:txBody>
+                    <a:bodyPr/>
+                    <a:lstStyle/>
+                    <a:p>
+                      <a:pPr algn="ctr"/>
+                      <a:endParaRPr lang="en-US" sz="1100" dirty="0"/>
+                    </a:p>
+                  </a:txBody>
+                  <a:tcPr/>
+                </a:tc>
+                <a:tc>
+                  <a:txBody>
+                    <a:bodyPr/>
+                    <a:lstStyle/>
+                    <a:p>
+                      <a:pPr algn="ctr"/>
+                      <a:endParaRPr lang="en-US" sz="1100" dirty="0"/>
+                    </a:p>
+                  </a:txBody>
+                  <a:tcPr/>
+                </a:tc>
+                <a:extLst>
+                  <a:ext uri="{0D108BD9-81ED-4DB2-BD59-A6C34878D82A}">
+                    <a16:rowId xmlns:a16="http://schemas.microsoft.com/office/drawing/2014/main" val="3022081642"/>
+                  </a:ext>
+                </a:extLst>
+              </a:tr>
+              <a:tr h="0">
+                <a:tc>
+                  <a:txBody>
+                    <a:bodyPr/>
+                    <a:lstStyle/>
+                    <a:p>
+                      <a:pPr algn="ctr"/>
+                      <a:endParaRPr lang="en-US" sz="1100" dirty="0"/>
+                    </a:p>
+                  </a:txBody>
+                  <a:tcPr/>
+                </a:tc>
+                <a:tc>
+                  <a:txBody>
+                    <a:bodyPr/>
+                    <a:lstStyle/>
+                    <a:p>
+                      <a:pPr algn="ctr"/>
+                      <a:endParaRPr lang="en-US" sz="1100"/>
+                    </a:p>
+                  </a:txBody>
+                  <a:tcPr/>
+                </a:tc>
+                <a:tc>
+                  <a:txBody>
+                    <a:bodyPr/>
+                    <a:lstStyle/>
+                    <a:p>
+                      <a:pPr algn="ctr"/>
+                      <a:endParaRPr lang="en-US" sz="1100" dirty="0"/>
+                    </a:p>
+                  </a:txBody>
+                  <a:tcPr/>
+                </a:tc>
+                <a:extLst>
+                  <a:ext uri="{0D108BD9-81ED-4DB2-BD59-A6C34878D82A}">
+                    <a16:rowId xmlns:a16="http://schemas.microsoft.com/office/drawing/2014/main" val="1730093925"/>
+                  </a:ext>
+                </a:extLst>
+              </a:tr>
+            </a:tbl>
+          </a:graphicData>
+        </a:graphic>
+      </p:graphicFrame>
+      <p:sp>
+        <p:nvSpPr>
+          <p:cNvPr id="83" name="TextBox 82">
+            <a:extLst>
+              <a:ext uri="{FF2B5EF4-FFF2-40B4-BE49-F238E27FC236}">
+                <a16:creationId xmlns:a16="http://schemas.microsoft.com/office/drawing/2014/main" id="{7ABF9CBC-1D29-4FF6-909E-3D57C5682781}"/>
+              </a:ext>
+            </a:extLst>
+          </p:cNvPr>
+          <p:cNvSpPr txBox="1"/>
+          <p:nvPr/>
+        </p:nvSpPr>
+        <p:spPr>
+          <a:xfrm>
+            <a:off x="4765894" y="3732917"/>
+            <a:ext cx="924677" cy="276999"/>
+          </a:xfrm>
+          <a:prstGeom prst="rect">
+            <a:avLst/>
+          </a:prstGeom>
+          <a:noFill/>
+        </p:spPr>
+        <p:txBody>
+          <a:bodyPr wrap="none" rtlCol="0">
+            <a:spAutoFit/>
+          </a:bodyPr>
+          <a:lstStyle/>
+          <a:p>
+            <a:r>
+              <a:rPr lang="en-US" sz="1200" dirty="0" err="1"/>
+              <a:t>unknown_X</a:t>
+            </a:r>
+            <a:endParaRPr lang="en-US" sz="1200" dirty="0"/>
+          </a:p>
+        </p:txBody>
+      </p:sp>
+      <p:graphicFrame>
+        <p:nvGraphicFramePr>
+          <p:cNvPr id="84" name="Table 83">
+            <a:extLst>
+              <a:ext uri="{FF2B5EF4-FFF2-40B4-BE49-F238E27FC236}">
+                <a16:creationId xmlns:a16="http://schemas.microsoft.com/office/drawing/2014/main" id="{F58278E7-9A83-454B-B644-EC91BE8E8100}"/>
+              </a:ext>
+            </a:extLst>
+          </p:cNvPr>
+          <p:cNvGraphicFramePr>
+            <a:graphicFrameLocks noGrp="1"/>
+          </p:cNvGraphicFramePr>
+          <p:nvPr>
+            <p:extLst>
+              <p:ext uri="{D42A27DB-BD31-4B8C-83A1-F6EECF244321}">
+                <p14:modId xmlns:p14="http://schemas.microsoft.com/office/powerpoint/2010/main" val="3494115320"/>
+              </p:ext>
+            </p:extLst>
+          </p:nvPr>
+        </p:nvGraphicFramePr>
+        <p:xfrm>
+          <a:off x="5903218" y="4024547"/>
+          <a:ext cx="322645" cy="1036320"/>
+        </p:xfrm>
+        <a:graphic>
+          <a:graphicData uri="http://schemas.openxmlformats.org/drawingml/2006/table">
+            <a:tbl>
+              <a:tblPr firstRow="1" bandRow="1">
+                <a:tableStyleId>{5C22544A-7EE6-4342-B048-85BDC9FD1C3A}</a:tableStyleId>
+              </a:tblPr>
+              <a:tblGrid>
+                <a:gridCol w="322645">
+                  <a:extLst>
+                    <a:ext uri="{9D8B030D-6E8A-4147-A177-3AD203B41FA5}">
+                      <a16:colId xmlns:a16="http://schemas.microsoft.com/office/drawing/2014/main" val="3388713200"/>
+                    </a:ext>
+                  </a:extLst>
+                </a:gridCol>
+              </a:tblGrid>
+              <a:tr h="0">
+                <a:tc>
+                  <a:txBody>
+                    <a:bodyPr/>
+                    <a:lstStyle/>
+                    <a:p>
+                      <a:pPr algn="ctr"/>
+                      <a:r>
+                        <a:rPr lang="en-US" sz="1100" dirty="0"/>
+                        <a:t>Y</a:t>
+                      </a:r>
+                    </a:p>
+                  </a:txBody>
+                  <a:tcPr/>
+                </a:tc>
+                <a:extLst>
+                  <a:ext uri="{0D108BD9-81ED-4DB2-BD59-A6C34878D82A}">
+                    <a16:rowId xmlns:a16="http://schemas.microsoft.com/office/drawing/2014/main" val="3840290834"/>
+                  </a:ext>
+                </a:extLst>
+              </a:tr>
+              <a:tr h="0">
+                <a:tc>
+                  <a:txBody>
+                    <a:bodyPr/>
+                    <a:lstStyle/>
+                    <a:p>
+                      <a:endParaRPr lang="en-US" sz="1100" dirty="0"/>
+                    </a:p>
+                  </a:txBody>
+                  <a:tcPr/>
+                </a:tc>
+                <a:extLst>
+                  <a:ext uri="{0D108BD9-81ED-4DB2-BD59-A6C34878D82A}">
+                    <a16:rowId xmlns:a16="http://schemas.microsoft.com/office/drawing/2014/main" val="3022081642"/>
+                  </a:ext>
+                </a:extLst>
+              </a:tr>
+              <a:tr h="0">
+                <a:tc>
+                  <a:txBody>
+                    <a:bodyPr/>
+                    <a:lstStyle/>
+                    <a:p>
+                      <a:endParaRPr lang="en-US" sz="1100" dirty="0"/>
+                    </a:p>
+                  </a:txBody>
+                  <a:tcPr/>
+                </a:tc>
+                <a:extLst>
+                  <a:ext uri="{0D108BD9-81ED-4DB2-BD59-A6C34878D82A}">
+                    <a16:rowId xmlns:a16="http://schemas.microsoft.com/office/drawing/2014/main" val="1448300019"/>
+                  </a:ext>
+                </a:extLst>
+              </a:tr>
+              <a:tr h="0">
+                <a:tc>
+                  <a:txBody>
+                    <a:bodyPr/>
+                    <a:lstStyle/>
+                    <a:p>
+                      <a:endParaRPr lang="en-US" sz="1100" dirty="0"/>
+                    </a:p>
+                  </a:txBody>
+                  <a:tcPr/>
+                </a:tc>
+                <a:extLst>
+                  <a:ext uri="{0D108BD9-81ED-4DB2-BD59-A6C34878D82A}">
+                    <a16:rowId xmlns:a16="http://schemas.microsoft.com/office/drawing/2014/main" val="1862071568"/>
+                  </a:ext>
+                </a:extLst>
+              </a:tr>
+            </a:tbl>
+          </a:graphicData>
+        </a:graphic>
+      </p:graphicFrame>
+      <p:sp>
+        <p:nvSpPr>
+          <p:cNvPr id="85" name="TextBox 84">
+            <a:extLst>
+              <a:ext uri="{FF2B5EF4-FFF2-40B4-BE49-F238E27FC236}">
+                <a16:creationId xmlns:a16="http://schemas.microsoft.com/office/drawing/2014/main" id="{08536D83-9286-4EE8-B359-1E9CC966D4E2}"/>
+              </a:ext>
+            </a:extLst>
+          </p:cNvPr>
+          <p:cNvSpPr txBox="1"/>
+          <p:nvPr/>
+        </p:nvSpPr>
+        <p:spPr>
+          <a:xfrm>
+            <a:off x="5635331" y="3730020"/>
+            <a:ext cx="919867" cy="276999"/>
+          </a:xfrm>
+          <a:prstGeom prst="rect">
+            <a:avLst/>
+          </a:prstGeom>
+          <a:noFill/>
+        </p:spPr>
+        <p:txBody>
+          <a:bodyPr wrap="none" rtlCol="0">
+            <a:spAutoFit/>
+          </a:bodyPr>
+          <a:lstStyle/>
+          <a:p>
+            <a:r>
+              <a:rPr lang="en-US" sz="1200" dirty="0" err="1"/>
+              <a:t>unknown_Y</a:t>
+            </a:r>
+            <a:endParaRPr lang="en-US" sz="1200" dirty="0"/>
+          </a:p>
+        </p:txBody>
+      </p:sp>
+      <p:sp>
+        <p:nvSpPr>
+          <p:cNvPr id="86" name="Rectangle 85">
+            <a:extLst>
+              <a:ext uri="{FF2B5EF4-FFF2-40B4-BE49-F238E27FC236}">
+                <a16:creationId xmlns:a16="http://schemas.microsoft.com/office/drawing/2014/main" id="{F59F3004-7216-4F3D-A998-8C223A44185E}"/>
+              </a:ext>
+            </a:extLst>
+          </p:cNvPr>
+          <p:cNvSpPr/>
+          <p:nvPr/>
+        </p:nvSpPr>
+        <p:spPr>
+          <a:xfrm>
+            <a:off x="8483585" y="3713054"/>
+            <a:ext cx="707727" cy="1501729"/>
+          </a:xfrm>
+          <a:prstGeom prst="rect">
+            <a:avLst/>
+          </a:prstGeom>
+          <a:solidFill>
+            <a:schemeClr val="accent5">
+              <a:lumMod val="20000"/>
+              <a:lumOff val="80000"/>
+            </a:schemeClr>
+          </a:solidFill>
+          <a:ln>
+            <a:noFill/>
+          </a:ln>
+        </p:spPr>
+        <p:style>
+          <a:lnRef idx="2">
+            <a:schemeClr val="accent1">
+              <a:shade val="50000"/>
+            </a:schemeClr>
+          </a:lnRef>
+          <a:fillRef idx="1">
+            <a:schemeClr val="accent1"/>
+          </a:fillRef>
+          <a:effectRef idx="0">
+            <a:schemeClr val="accent1"/>
+          </a:effectRef>
+          <a:fontRef idx="minor">
+            <a:schemeClr val="lt1"/>
+          </a:fontRef>
+        </p:style>
+        <p:txBody>
+          <a:bodyPr rtlCol="0" anchor="ctr"/>
+          <a:lstStyle/>
+          <a:p>
+            <a:pPr algn="ctr"/>
+            <a:endParaRPr lang="en-US" sz="1200"/>
+          </a:p>
+        </p:txBody>
+      </p:sp>
+      <p:graphicFrame>
+        <p:nvGraphicFramePr>
+          <p:cNvPr id="87" name="Table 86">
+            <a:extLst>
+              <a:ext uri="{FF2B5EF4-FFF2-40B4-BE49-F238E27FC236}">
+                <a16:creationId xmlns:a16="http://schemas.microsoft.com/office/drawing/2014/main" id="{754DB0EB-B3CE-4ECB-B8F1-C5756B51E099}"/>
+              </a:ext>
+            </a:extLst>
+          </p:cNvPr>
+          <p:cNvGraphicFramePr>
+            <a:graphicFrameLocks noGrp="1"/>
+          </p:cNvGraphicFramePr>
+          <p:nvPr>
+            <p:extLst>
+              <p:ext uri="{D42A27DB-BD31-4B8C-83A1-F6EECF244321}">
+                <p14:modId xmlns:p14="http://schemas.microsoft.com/office/powerpoint/2010/main" val="3967106558"/>
+              </p:ext>
+            </p:extLst>
+          </p:nvPr>
+        </p:nvGraphicFramePr>
+        <p:xfrm>
+          <a:off x="8698553" y="4050429"/>
+          <a:ext cx="322645" cy="1036320"/>
+        </p:xfrm>
+        <a:graphic>
+          <a:graphicData uri="http://schemas.openxmlformats.org/drawingml/2006/table">
+            <a:tbl>
+              <a:tblPr firstRow="1" bandRow="1">
+                <a:tableStyleId>{284E427A-3D55-4303-BF80-6455036E1DE7}</a:tableStyleId>
+              </a:tblPr>
+              <a:tblGrid>
+                <a:gridCol w="322645">
+                  <a:extLst>
+                    <a:ext uri="{9D8B030D-6E8A-4147-A177-3AD203B41FA5}">
+                      <a16:colId xmlns:a16="http://schemas.microsoft.com/office/drawing/2014/main" val="3388713200"/>
+                    </a:ext>
+                  </a:extLst>
+                </a:gridCol>
+              </a:tblGrid>
+              <a:tr h="0">
+                <a:tc>
+                  <a:txBody>
+                    <a:bodyPr/>
+                    <a:lstStyle/>
+                    <a:p>
+                      <a:pPr algn="ctr"/>
+                      <a:r>
+                        <a:rPr lang="en-US" sz="1100" dirty="0"/>
+                        <a:t>Y</a:t>
+                      </a:r>
+                    </a:p>
+                  </a:txBody>
+                  <a:tcPr/>
+                </a:tc>
+                <a:extLst>
+                  <a:ext uri="{0D108BD9-81ED-4DB2-BD59-A6C34878D82A}">
+                    <a16:rowId xmlns:a16="http://schemas.microsoft.com/office/drawing/2014/main" val="3840290834"/>
+                  </a:ext>
+                </a:extLst>
+              </a:tr>
+              <a:tr h="0">
+                <a:tc>
+                  <a:txBody>
+                    <a:bodyPr/>
+                    <a:lstStyle/>
+                    <a:p>
+                      <a:endParaRPr lang="en-US" sz="1100" dirty="0"/>
+                    </a:p>
+                  </a:txBody>
+                  <a:tcPr/>
+                </a:tc>
+                <a:extLst>
+                  <a:ext uri="{0D108BD9-81ED-4DB2-BD59-A6C34878D82A}">
+                    <a16:rowId xmlns:a16="http://schemas.microsoft.com/office/drawing/2014/main" val="3022081642"/>
+                  </a:ext>
+                </a:extLst>
+              </a:tr>
+              <a:tr h="0">
+                <a:tc>
+                  <a:txBody>
+                    <a:bodyPr/>
+                    <a:lstStyle/>
+                    <a:p>
+                      <a:endParaRPr lang="en-US" sz="1100" dirty="0"/>
+                    </a:p>
+                  </a:txBody>
+                  <a:tcPr/>
+                </a:tc>
+                <a:extLst>
+                  <a:ext uri="{0D108BD9-81ED-4DB2-BD59-A6C34878D82A}">
+                    <a16:rowId xmlns:a16="http://schemas.microsoft.com/office/drawing/2014/main" val="3258066690"/>
+                  </a:ext>
+                </a:extLst>
+              </a:tr>
+              <a:tr h="0">
+                <a:tc>
+                  <a:txBody>
+                    <a:bodyPr/>
+                    <a:lstStyle/>
+                    <a:p>
+                      <a:endParaRPr lang="en-US" sz="1100" dirty="0"/>
+                    </a:p>
+                  </a:txBody>
+                  <a:tcPr/>
+                </a:tc>
+                <a:extLst>
+                  <a:ext uri="{0D108BD9-81ED-4DB2-BD59-A6C34878D82A}">
+                    <a16:rowId xmlns:a16="http://schemas.microsoft.com/office/drawing/2014/main" val="3595239497"/>
+                  </a:ext>
+                </a:extLst>
+              </a:tr>
+            </a:tbl>
+          </a:graphicData>
+        </a:graphic>
+      </p:graphicFrame>
+      <p:sp>
+        <p:nvSpPr>
+          <p:cNvPr id="88" name="TextBox 87">
+            <a:extLst>
+              <a:ext uri="{FF2B5EF4-FFF2-40B4-BE49-F238E27FC236}">
+                <a16:creationId xmlns:a16="http://schemas.microsoft.com/office/drawing/2014/main" id="{AAD28578-9443-4DDB-A778-756392A545A5}"/>
+              </a:ext>
+            </a:extLst>
+          </p:cNvPr>
+          <p:cNvSpPr txBox="1"/>
+          <p:nvPr/>
+        </p:nvSpPr>
+        <p:spPr>
+          <a:xfrm>
+            <a:off x="8547272" y="3772680"/>
+            <a:ext cx="960263" cy="276999"/>
+          </a:xfrm>
+          <a:prstGeom prst="rect">
+            <a:avLst/>
+          </a:prstGeom>
+          <a:noFill/>
+        </p:spPr>
+        <p:txBody>
+          <a:bodyPr wrap="none" rtlCol="0">
+            <a:spAutoFit/>
+          </a:bodyPr>
+          <a:lstStyle/>
+          <a:p>
+            <a:r>
+              <a:rPr lang="en-US" sz="1200" dirty="0" err="1"/>
+              <a:t>unknown_Y</a:t>
+            </a:r>
+            <a:r>
+              <a:rPr lang="en-US" sz="1200" dirty="0"/>
+              <a:t>’</a:t>
+            </a:r>
+          </a:p>
+        </p:txBody>
+      </p:sp>
+      <p:sp>
+        <p:nvSpPr>
+          <p:cNvPr id="89" name="Rectangle 88">
+            <a:extLst>
+              <a:ext uri="{FF2B5EF4-FFF2-40B4-BE49-F238E27FC236}">
+                <a16:creationId xmlns:a16="http://schemas.microsoft.com/office/drawing/2014/main" id="{05FDE421-BF8E-42ED-A0DA-DCFD98277332}"/>
+              </a:ext>
+            </a:extLst>
+          </p:cNvPr>
+          <p:cNvSpPr/>
+          <p:nvPr/>
+        </p:nvSpPr>
+        <p:spPr>
+          <a:xfrm>
+            <a:off x="9685097" y="3772680"/>
+            <a:ext cx="1003166" cy="1442103"/>
+          </a:xfrm>
+          <a:prstGeom prst="rect">
+            <a:avLst/>
+          </a:prstGeom>
+          <a:solidFill>
+            <a:schemeClr val="bg1">
+              <a:lumMod val="50000"/>
+            </a:schemeClr>
+          </a:solidFill>
+        </p:spPr>
+        <p:style>
+          <a:lnRef idx="2">
+            <a:schemeClr val="accent1">
+              <a:shade val="50000"/>
+            </a:schemeClr>
+          </a:lnRef>
+          <a:fillRef idx="1">
+            <a:schemeClr val="accent1"/>
+          </a:fillRef>
+          <a:effectRef idx="0">
+            <a:schemeClr val="accent1"/>
+          </a:effectRef>
+          <a:fontRef idx="minor">
+            <a:schemeClr val="lt1"/>
+          </a:fontRef>
+        </p:style>
+        <p:txBody>
+          <a:bodyPr rtlCol="0" anchor="ctr"/>
+          <a:lstStyle/>
+          <a:p>
+            <a:pPr algn="ctr"/>
+            <a:r>
+              <a:rPr lang="en-US" sz="1100" dirty="0">
+                <a:solidFill>
+                  <a:schemeClr val="bg1"/>
+                </a:solidFill>
+              </a:rPr>
+              <a:t>Model Performance Measurement</a:t>
+            </a:r>
+          </a:p>
+        </p:txBody>
+      </p:sp>
+      <p:cxnSp>
+        <p:nvCxnSpPr>
+          <p:cNvPr id="90" name="Straight Arrow Connector 89">
+            <a:extLst>
+              <a:ext uri="{FF2B5EF4-FFF2-40B4-BE49-F238E27FC236}">
+                <a16:creationId xmlns:a16="http://schemas.microsoft.com/office/drawing/2014/main" id="{BE977854-D83D-49E6-8244-F6046D390978}"/>
+              </a:ext>
+            </a:extLst>
+          </p:cNvPr>
+          <p:cNvCxnSpPr>
+            <a:cxnSpLocks/>
+          </p:cNvCxnSpPr>
+          <p:nvPr/>
+        </p:nvCxnSpPr>
+        <p:spPr>
+          <a:xfrm>
+            <a:off x="9298903" y="5031612"/>
+            <a:ext cx="315931" cy="0"/>
+          </a:xfrm>
+          <a:prstGeom prst="straightConnector1">
+            <a:avLst/>
+          </a:prstGeom>
+          <a:ln w="57150">
+            <a:solidFill>
+              <a:srgbClr val="FF0000"/>
+            </a:solidFill>
+            <a:tailEnd type="triangle"/>
+          </a:ln>
+        </p:spPr>
+        <p:style>
+          <a:lnRef idx="1">
+            <a:schemeClr val="accent1"/>
+          </a:lnRef>
+          <a:fillRef idx="0">
+            <a:schemeClr val="accent1"/>
+          </a:fillRef>
+          <a:effectRef idx="0">
+            <a:schemeClr val="accent1"/>
+          </a:effectRef>
+          <a:fontRef idx="minor">
+            <a:schemeClr val="tx1"/>
+          </a:fontRef>
+        </p:style>
+      </p:cxnSp>
+      <p:cxnSp>
+        <p:nvCxnSpPr>
+          <p:cNvPr id="91" name="Straight Arrow Connector 90">
+            <a:extLst>
+              <a:ext uri="{FF2B5EF4-FFF2-40B4-BE49-F238E27FC236}">
+                <a16:creationId xmlns:a16="http://schemas.microsoft.com/office/drawing/2014/main" id="{10D18D15-CE4C-4BCD-A89A-77D993740CB2}"/>
+              </a:ext>
+            </a:extLst>
+          </p:cNvPr>
+          <p:cNvCxnSpPr>
+            <a:cxnSpLocks/>
+          </p:cNvCxnSpPr>
+          <p:nvPr/>
+        </p:nvCxnSpPr>
+        <p:spPr>
+          <a:xfrm flipV="1">
+            <a:off x="6541586" y="2128232"/>
+            <a:ext cx="883049" cy="2217599"/>
+          </a:xfrm>
+          <a:prstGeom prst="straightConnector1">
+            <a:avLst/>
+          </a:prstGeom>
+          <a:ln w="57150">
+            <a:tailEnd type="triangle"/>
+          </a:ln>
+        </p:spPr>
+        <p:style>
+          <a:lnRef idx="1">
+            <a:schemeClr val="accent1"/>
+          </a:lnRef>
+          <a:fillRef idx="0">
+            <a:schemeClr val="accent1"/>
+          </a:fillRef>
+          <a:effectRef idx="0">
+            <a:schemeClr val="accent1"/>
+          </a:effectRef>
+          <a:fontRef idx="minor">
+            <a:schemeClr val="tx1"/>
+          </a:fontRef>
+        </p:style>
+      </p:cxnSp>
+      <p:cxnSp>
+        <p:nvCxnSpPr>
+          <p:cNvPr id="93" name="Straight Arrow Connector 92">
+            <a:extLst>
+              <a:ext uri="{FF2B5EF4-FFF2-40B4-BE49-F238E27FC236}">
+                <a16:creationId xmlns:a16="http://schemas.microsoft.com/office/drawing/2014/main" id="{EEEA3381-AE73-4752-B0B0-3E874D1DC01D}"/>
+              </a:ext>
+            </a:extLst>
+          </p:cNvPr>
+          <p:cNvCxnSpPr>
+            <a:cxnSpLocks/>
+          </p:cNvCxnSpPr>
+          <p:nvPr/>
+        </p:nvCxnSpPr>
+        <p:spPr>
+          <a:xfrm>
+            <a:off x="7872704" y="2222937"/>
+            <a:ext cx="515994" cy="1963169"/>
+          </a:xfrm>
+          <a:prstGeom prst="straightConnector1">
+            <a:avLst/>
+          </a:prstGeom>
+          <a:ln w="57150">
+            <a:tailEnd type="triangle"/>
+          </a:ln>
+        </p:spPr>
+        <p:style>
+          <a:lnRef idx="1">
+            <a:schemeClr val="accent1"/>
+          </a:lnRef>
+          <a:fillRef idx="0">
+            <a:schemeClr val="accent1"/>
+          </a:fillRef>
+          <a:effectRef idx="0">
+            <a:schemeClr val="accent1"/>
+          </a:effectRef>
+          <a:fontRef idx="minor">
+            <a:schemeClr val="tx1"/>
+          </a:fontRef>
+        </p:style>
+      </p:cxnSp>
+      <p:cxnSp>
+        <p:nvCxnSpPr>
+          <p:cNvPr id="96" name="Connector: Elbow 95">
+            <a:extLst>
+              <a:ext uri="{FF2B5EF4-FFF2-40B4-BE49-F238E27FC236}">
+                <a16:creationId xmlns:a16="http://schemas.microsoft.com/office/drawing/2014/main" id="{1C8BC852-A4EB-4CA7-BEE4-885665CB5DDA}"/>
+              </a:ext>
+            </a:extLst>
+          </p:cNvPr>
+          <p:cNvCxnSpPr>
+            <a:cxnSpLocks/>
+            <a:stCxn id="20" idx="2"/>
+            <a:endCxn id="57" idx="2"/>
+          </p:cNvCxnSpPr>
+          <p:nvPr/>
+        </p:nvCxnSpPr>
+        <p:spPr>
+          <a:xfrm rot="5400000" flipH="1" flipV="1">
+            <a:off x="7468206" y="2032563"/>
+            <a:ext cx="42618" cy="2763800"/>
+          </a:xfrm>
+          <a:prstGeom prst="bentConnector3">
+            <a:avLst>
+              <a:gd name="adj1" fmla="val -221446"/>
+            </a:avLst>
+          </a:prstGeom>
+          <a:ln w="19050">
+            <a:solidFill>
+              <a:srgbClr val="FF0000"/>
+            </a:solidFill>
+          </a:ln>
+        </p:spPr>
+        <p:style>
+          <a:lnRef idx="1">
+            <a:schemeClr val="accent1"/>
+          </a:lnRef>
+          <a:fillRef idx="0">
+            <a:schemeClr val="accent1"/>
+          </a:fillRef>
+          <a:effectRef idx="0">
+            <a:schemeClr val="accent1"/>
+          </a:effectRef>
+          <a:fontRef idx="minor">
+            <a:schemeClr val="tx1"/>
+          </a:fontRef>
+        </p:style>
+      </p:cxnSp>
+      <p:cxnSp>
+        <p:nvCxnSpPr>
+          <p:cNvPr id="99" name="Connector: Elbow 98">
+            <a:extLst>
+              <a:ext uri="{FF2B5EF4-FFF2-40B4-BE49-F238E27FC236}">
+                <a16:creationId xmlns:a16="http://schemas.microsoft.com/office/drawing/2014/main" id="{DC67DD8C-1D61-47DD-880F-D20DB598762A}"/>
+              </a:ext>
+            </a:extLst>
+          </p:cNvPr>
+          <p:cNvCxnSpPr>
+            <a:cxnSpLocks/>
+            <a:stCxn id="16" idx="2"/>
+            <a:endCxn id="47" idx="2"/>
+          </p:cNvCxnSpPr>
+          <p:nvPr/>
+        </p:nvCxnSpPr>
+        <p:spPr>
+          <a:xfrm rot="16200000" flipH="1">
+            <a:off x="7450126" y="906286"/>
+            <a:ext cx="35703" cy="2806875"/>
+          </a:xfrm>
+          <a:prstGeom prst="bentConnector3">
+            <a:avLst>
+              <a:gd name="adj1" fmla="val 246853"/>
+            </a:avLst>
+          </a:prstGeom>
+          <a:ln w="19050">
+            <a:solidFill>
+              <a:srgbClr val="FF0000"/>
+            </a:solidFill>
+          </a:ln>
+        </p:spPr>
+        <p:style>
+          <a:lnRef idx="1">
+            <a:schemeClr val="accent1"/>
+          </a:lnRef>
+          <a:fillRef idx="0">
+            <a:schemeClr val="accent1"/>
+          </a:fillRef>
+          <a:effectRef idx="0">
+            <a:schemeClr val="accent1"/>
+          </a:effectRef>
+          <a:fontRef idx="minor">
+            <a:schemeClr val="tx1"/>
+          </a:fontRef>
+        </p:style>
+      </p:cxnSp>
+      <p:cxnSp>
+        <p:nvCxnSpPr>
+          <p:cNvPr id="105" name="Connector: Elbow 104">
+            <a:extLst>
+              <a:ext uri="{FF2B5EF4-FFF2-40B4-BE49-F238E27FC236}">
+                <a16:creationId xmlns:a16="http://schemas.microsoft.com/office/drawing/2014/main" id="{2770F090-87B8-4907-88F8-2A1FCAB3E40B}"/>
+              </a:ext>
+            </a:extLst>
+          </p:cNvPr>
+          <p:cNvCxnSpPr>
+            <a:cxnSpLocks/>
+            <a:stCxn id="84" idx="2"/>
+            <a:endCxn id="87" idx="2"/>
+          </p:cNvCxnSpPr>
+          <p:nvPr/>
+        </p:nvCxnSpPr>
+        <p:spPr>
+          <a:xfrm rot="16200000" flipH="1">
+            <a:off x="7449266" y="3676140"/>
+            <a:ext cx="25882" cy="2795335"/>
+          </a:xfrm>
+          <a:prstGeom prst="bentConnector3">
+            <a:avLst>
+              <a:gd name="adj1" fmla="val 594289"/>
+            </a:avLst>
+          </a:prstGeom>
+          <a:ln w="19050">
+            <a:solidFill>
+              <a:srgbClr val="FF0000"/>
+            </a:solidFill>
+          </a:ln>
+        </p:spPr>
+        <p:style>
+          <a:lnRef idx="1">
+            <a:schemeClr val="accent1"/>
+          </a:lnRef>
+          <a:fillRef idx="0">
+            <a:schemeClr val="accent1"/>
+          </a:fillRef>
+          <a:effectRef idx="0">
+            <a:schemeClr val="accent1"/>
+          </a:effectRef>
+          <a:fontRef idx="minor">
+            <a:schemeClr val="tx1"/>
+          </a:fontRef>
+        </p:style>
+      </p:cxnSp>
+    </p:spTree>
+    <p:extLst>
+      <p:ext uri="{BB962C8B-B14F-4D97-AF65-F5344CB8AC3E}">
+        <p14:creationId xmlns:p14="http://schemas.microsoft.com/office/powerpoint/2010/main" val="2208090695"/>
+      </p:ext>
+    </p:extLst>
+  </p:cSld>
+  <p:clrMapOvr>
+    <a:masterClrMapping/>
+  </p:clrMapOvr>
+</p:sld>
+</file>
+
+<file path=ppt/slides/slide2.xml><?xml version="1.0" encoding="utf-8"?>
+<p:sld xmlns:a="http://schemas.openxmlformats.org/drawingml/2006/main" xmlns:r="http://schemas.openxmlformats.org/officeDocument/2006/relationships" xmlns:p="http://schemas.openxmlformats.org/presentationml/2006/main">
+  <p:cSld>
+    <p:spTree>
+      <p:nvGrpSpPr>
+        <p:cNvPr id="1" name=""/>
+        <p:cNvGrpSpPr/>
+        <p:nvPr/>
+      </p:nvGrpSpPr>
+      <p:grpSpPr>
+        <a:xfrm>
+          <a:off x="0" y="0"/>
+          <a:ext cx="0" cy="0"/>
+          <a:chOff x="0" y="0"/>
+          <a:chExt cx="0" cy="0"/>
+        </a:xfrm>
+      </p:grpSpPr>
+      <p:sp>
+        <p:nvSpPr>
+          <p:cNvPr id="39" name="Rectangle 38">
+            <a:extLst>
+              <a:ext uri="{FF2B5EF4-FFF2-40B4-BE49-F238E27FC236}">
+                <a16:creationId xmlns:a16="http://schemas.microsoft.com/office/drawing/2014/main" id="{B919150F-051F-4828-A5AD-5321C84B31A4}"/>
+              </a:ext>
+            </a:extLst>
+          </p:cNvPr>
+          <p:cNvSpPr/>
+          <p:nvPr/>
+        </p:nvSpPr>
+        <p:spPr>
+          <a:xfrm>
+            <a:off x="5297150" y="5924050"/>
+            <a:ext cx="1496849" cy="915972"/>
+          </a:xfrm>
+          <a:prstGeom prst="rect">
+            <a:avLst/>
+          </a:prstGeom>
+          <a:solidFill>
+            <a:schemeClr val="accent5">
+              <a:lumMod val="20000"/>
+              <a:lumOff val="80000"/>
+            </a:schemeClr>
+          </a:solidFill>
+          <a:ln>
+            <a:noFill/>
+          </a:ln>
+        </p:spPr>
+        <p:style>
+          <a:lnRef idx="2">
+            <a:schemeClr val="accent1">
+              <a:shade val="50000"/>
+            </a:schemeClr>
+          </a:lnRef>
+          <a:fillRef idx="1">
+            <a:schemeClr val="accent1"/>
+          </a:fillRef>
+          <a:effectRef idx="0">
+            <a:schemeClr val="accent1"/>
+          </a:effectRef>
+          <a:fontRef idx="minor">
+            <a:schemeClr val="lt1"/>
+          </a:fontRef>
+        </p:style>
+        <p:txBody>
+          <a:bodyPr rtlCol="0" anchor="ctr"/>
+          <a:lstStyle/>
+          <a:p>
+            <a:pPr algn="ctr"/>
+            <a:endParaRPr lang="en-US" sz="1200"/>
+          </a:p>
+        </p:txBody>
+      </p:sp>
+      <p:sp>
+        <p:nvSpPr>
+          <p:cNvPr id="38" name="Rectangle 37">
+            <a:extLst>
+              <a:ext uri="{FF2B5EF4-FFF2-40B4-BE49-F238E27FC236}">
+                <a16:creationId xmlns:a16="http://schemas.microsoft.com/office/drawing/2014/main" id="{587F5C90-7FAF-48A6-9F4E-77477CBF855A}"/>
+              </a:ext>
+            </a:extLst>
+          </p:cNvPr>
+          <p:cNvSpPr/>
+          <p:nvPr/>
+        </p:nvSpPr>
+        <p:spPr>
+          <a:xfrm>
+            <a:off x="5296623" y="2454323"/>
+            <a:ext cx="1752118" cy="1131711"/>
+          </a:xfrm>
+          <a:prstGeom prst="rect">
+            <a:avLst/>
+          </a:prstGeom>
+          <a:solidFill>
+            <a:schemeClr val="accent5">
+              <a:lumMod val="20000"/>
+              <a:lumOff val="80000"/>
+            </a:schemeClr>
+          </a:solidFill>
+          <a:ln>
+            <a:noFill/>
+          </a:ln>
+        </p:spPr>
+        <p:style>
+          <a:lnRef idx="2">
+            <a:schemeClr val="accent1">
+              <a:shade val="50000"/>
+            </a:schemeClr>
+          </a:lnRef>
+          <a:fillRef idx="1">
+            <a:schemeClr val="accent1"/>
+          </a:fillRef>
+          <a:effectRef idx="0">
+            <a:schemeClr val="accent1"/>
+          </a:effectRef>
+          <a:fontRef idx="minor">
+            <a:schemeClr val="lt1"/>
+          </a:fontRef>
+        </p:style>
+        <p:txBody>
+          <a:bodyPr rtlCol="0" anchor="ctr"/>
+          <a:lstStyle/>
+          <a:p>
+            <a:pPr algn="ctr"/>
+            <a:endParaRPr lang="en-US" sz="1200"/>
+          </a:p>
+        </p:txBody>
+      </p:sp>
+      <p:sp>
+        <p:nvSpPr>
+          <p:cNvPr id="31" name="Rectangle 30">
+            <a:extLst>
+              <a:ext uri="{FF2B5EF4-FFF2-40B4-BE49-F238E27FC236}">
+                <a16:creationId xmlns:a16="http://schemas.microsoft.com/office/drawing/2014/main" id="{3ABD506A-90E0-44AF-BFD9-CC9653B81BB5}"/>
+              </a:ext>
+            </a:extLst>
+          </p:cNvPr>
+          <p:cNvSpPr/>
+          <p:nvPr/>
+        </p:nvSpPr>
+        <p:spPr>
+          <a:xfrm>
+            <a:off x="5296623" y="903548"/>
+            <a:ext cx="1752118" cy="1501746"/>
+          </a:xfrm>
+          <a:prstGeom prst="rect">
+            <a:avLst/>
+          </a:prstGeom>
+          <a:solidFill>
+            <a:schemeClr val="accent6">
+              <a:lumMod val="20000"/>
+              <a:lumOff val="80000"/>
+            </a:schemeClr>
+          </a:solidFill>
+          <a:ln>
+            <a:noFill/>
+          </a:ln>
+        </p:spPr>
+        <p:style>
+          <a:lnRef idx="2">
+            <a:schemeClr val="accent1">
+              <a:shade val="50000"/>
+            </a:schemeClr>
+          </a:lnRef>
+          <a:fillRef idx="1">
+            <a:schemeClr val="accent1"/>
+          </a:fillRef>
+          <a:effectRef idx="0">
+            <a:schemeClr val="accent1"/>
+          </a:effectRef>
+          <a:fontRef idx="minor">
+            <a:schemeClr val="lt1"/>
+          </a:fontRef>
+        </p:style>
+        <p:txBody>
+          <a:bodyPr rtlCol="0" anchor="ctr"/>
+          <a:lstStyle/>
+          <a:p>
+            <a:pPr algn="ctr"/>
+            <a:endParaRPr lang="en-US" sz="1200"/>
+          </a:p>
+        </p:txBody>
+      </p:sp>
+      <p:sp>
+        <p:nvSpPr>
+          <p:cNvPr id="30" name="Rectangle 29">
+            <a:extLst>
+              <a:ext uri="{FF2B5EF4-FFF2-40B4-BE49-F238E27FC236}">
+                <a16:creationId xmlns:a16="http://schemas.microsoft.com/office/drawing/2014/main" id="{72FC7CB0-0EC5-49FF-8A7F-84A27269B423}"/>
+              </a:ext>
+            </a:extLst>
+          </p:cNvPr>
+          <p:cNvSpPr/>
+          <p:nvPr/>
+        </p:nvSpPr>
+        <p:spPr>
+          <a:xfrm>
+            <a:off x="2588124" y="1368693"/>
+            <a:ext cx="1677497" cy="1652138"/>
           </a:xfrm>
           <a:prstGeom prst="rect">
             <a:avLst/>
@@ -5311,16 +7496,12 @@
             <a:graphicFrameLocks noGrp="1"/>
           </p:cNvGraphicFramePr>
           <p:nvPr>
-            <p:extLst>
-              <p:ext uri="{D42A27DB-BD31-4B8C-83A1-F6EECF244321}">
-                <p14:modId xmlns:p14="http://schemas.microsoft.com/office/powerpoint/2010/main" val="2352147875"/>
-              </p:ext>
-            </p:extLst>
+            <p:extLst/>
           </p:nvPr>
         </p:nvGraphicFramePr>
         <p:xfrm>
-          <a:off x="62295" y="1534930"/>
-          <a:ext cx="2116668" cy="1295400"/>
+          <a:off x="102713" y="1612175"/>
+          <a:ext cx="1617684" cy="1295400"/>
         </p:xfrm>
         <a:graphic>
           <a:graphicData uri="http://schemas.openxmlformats.org/drawingml/2006/table">
@@ -5329,28 +7510,28 @@
                 <a:tableStyleId>{5C22544A-7EE6-4342-B048-85BDC9FD1C3A}</a:tableStyleId>
               </a:tblPr>
               <a:tblGrid>
-                <a:gridCol w="529167">
+                <a:gridCol w="404421">
                   <a:extLst>
                     <a:ext uri="{9D8B030D-6E8A-4147-A177-3AD203B41FA5}">
                       <a16:colId xmlns:a16="http://schemas.microsoft.com/office/drawing/2014/main" val="1821465526"/>
                     </a:ext>
                   </a:extLst>
                 </a:gridCol>
-                <a:gridCol w="529167">
+                <a:gridCol w="404421">
                   <a:extLst>
                     <a:ext uri="{9D8B030D-6E8A-4147-A177-3AD203B41FA5}">
                       <a16:colId xmlns:a16="http://schemas.microsoft.com/office/drawing/2014/main" val="3634153550"/>
                     </a:ext>
                   </a:extLst>
                 </a:gridCol>
-                <a:gridCol w="529167">
+                <a:gridCol w="404421">
                   <a:extLst>
                     <a:ext uri="{9D8B030D-6E8A-4147-A177-3AD203B41FA5}">
                       <a16:colId xmlns:a16="http://schemas.microsoft.com/office/drawing/2014/main" val="372574935"/>
                     </a:ext>
                   </a:extLst>
                 </a:gridCol>
-                <a:gridCol w="529167">
+                <a:gridCol w="404421">
                   <a:extLst>
                     <a:ext uri="{9D8B030D-6E8A-4147-A177-3AD203B41FA5}">
                       <a16:colId xmlns:a16="http://schemas.microsoft.com/office/drawing/2014/main" val="3388713200"/>
@@ -5428,7 +7609,7 @@
                     <a:lstStyle/>
                     <a:p>
                       <a:pPr algn="ctr"/>
-                      <a:endParaRPr lang="en-US" sz="1100"/>
+                      <a:endParaRPr lang="en-US" sz="1100" dirty="0"/>
                     </a:p>
                   </a:txBody>
                   <a:tcPr/>
@@ -5643,7 +7824,7 @@
         </p:nvSpPr>
         <p:spPr>
           <a:xfrm>
-            <a:off x="62295" y="1225611"/>
+            <a:off x="0" y="1302856"/>
             <a:ext cx="498983" cy="276999"/>
           </a:xfrm>
           <a:prstGeom prst="rect">
@@ -5678,16 +7859,12 @@
             <a:graphicFrameLocks noGrp="1"/>
           </p:cNvGraphicFramePr>
           <p:nvPr>
-            <p:extLst>
-              <p:ext uri="{D42A27DB-BD31-4B8C-83A1-F6EECF244321}">
-                <p14:modId xmlns:p14="http://schemas.microsoft.com/office/powerpoint/2010/main" val="2973291689"/>
-              </p:ext>
-            </p:extLst>
+            <p:extLst/>
           </p:nvPr>
         </p:nvGraphicFramePr>
         <p:xfrm>
-          <a:off x="3236596" y="908376"/>
-          <a:ext cx="1587501" cy="1295400"/>
+          <a:off x="2670609" y="1650104"/>
+          <a:ext cx="1055991" cy="1295400"/>
         </p:xfrm>
         <a:graphic>
           <a:graphicData uri="http://schemas.openxmlformats.org/drawingml/2006/table">
@@ -5696,21 +7873,21 @@
                 <a:tableStyleId>{5C22544A-7EE6-4342-B048-85BDC9FD1C3A}</a:tableStyleId>
               </a:tblPr>
               <a:tblGrid>
-                <a:gridCol w="529167">
+                <a:gridCol w="351997">
                   <a:extLst>
                     <a:ext uri="{9D8B030D-6E8A-4147-A177-3AD203B41FA5}">
                       <a16:colId xmlns:a16="http://schemas.microsoft.com/office/drawing/2014/main" val="1821465526"/>
                     </a:ext>
                   </a:extLst>
                 </a:gridCol>
-                <a:gridCol w="529167">
+                <a:gridCol w="351997">
                   <a:extLst>
                     <a:ext uri="{9D8B030D-6E8A-4147-A177-3AD203B41FA5}">
                       <a16:colId xmlns:a16="http://schemas.microsoft.com/office/drawing/2014/main" val="3634153550"/>
                     </a:ext>
                   </a:extLst>
                 </a:gridCol>
-                <a:gridCol w="529167">
+                <a:gridCol w="351997">
                   <a:extLst>
                     <a:ext uri="{9D8B030D-6E8A-4147-A177-3AD203B41FA5}">
                       <a16:colId xmlns:a16="http://schemas.microsoft.com/office/drawing/2014/main" val="372574935"/>
@@ -5945,7 +8122,7 @@
         </p:nvSpPr>
         <p:spPr>
           <a:xfrm>
-            <a:off x="3236596" y="626965"/>
+            <a:off x="2670609" y="1368693"/>
             <a:ext cx="264816" cy="276999"/>
           </a:xfrm>
           <a:prstGeom prst="rect">
@@ -5979,16 +8156,12 @@
             <a:graphicFrameLocks noGrp="1"/>
           </p:cNvGraphicFramePr>
           <p:nvPr>
-            <p:extLst>
-              <p:ext uri="{D42A27DB-BD31-4B8C-83A1-F6EECF244321}">
-                <p14:modId xmlns:p14="http://schemas.microsoft.com/office/powerpoint/2010/main" val="152982462"/>
-              </p:ext>
-            </p:extLst>
+            <p:extLst/>
           </p:nvPr>
         </p:nvGraphicFramePr>
         <p:xfrm>
-          <a:off x="3236596" y="2454076"/>
-          <a:ext cx="529167" cy="1257300"/>
+          <a:off x="3813781" y="1648008"/>
+          <a:ext cx="351997" cy="1257300"/>
         </p:xfrm>
         <a:graphic>
           <a:graphicData uri="http://schemas.openxmlformats.org/drawingml/2006/table">
@@ -5997,7 +8170,7 @@
                 <a:tableStyleId>{5C22544A-7EE6-4342-B048-85BDC9FD1C3A}</a:tableStyleId>
               </a:tblPr>
               <a:tblGrid>
-                <a:gridCol w="529167">
+                <a:gridCol w="351997">
                   <a:extLst>
                     <a:ext uri="{9D8B030D-6E8A-4147-A177-3AD203B41FA5}">
                       <a16:colId xmlns:a16="http://schemas.microsoft.com/office/drawing/2014/main" val="3388713200"/>
@@ -6005,7 +8178,7 @@
                   </a:extLst>
                 </a:gridCol>
               </a:tblGrid>
-              <a:tr h="162176">
+              <a:tr h="177565">
                 <a:tc>
                   <a:txBody>
                     <a:bodyPr/>
@@ -6025,7 +8198,7 @@
                   </a:ext>
                 </a:extLst>
               </a:tr>
-              <a:tr h="162176">
+              <a:tr h="177565">
                 <a:tc>
                   <a:txBody>
                     <a:bodyPr/>
@@ -6042,7 +8215,7 @@
                   </a:ext>
                 </a:extLst>
               </a:tr>
-              <a:tr h="162176">
+              <a:tr h="177565">
                 <a:tc>
                   <a:txBody>
                     <a:bodyPr/>
@@ -6059,7 +8232,7 @@
                   </a:ext>
                 </a:extLst>
               </a:tr>
-              <a:tr h="162176">
+              <a:tr h="177565">
                 <a:tc>
                   <a:txBody>
                     <a:bodyPr/>
@@ -6076,7 +8249,7 @@
                   </a:ext>
                 </a:extLst>
               </a:tr>
-              <a:tr h="162176">
+              <a:tr h="177565">
                 <a:tc>
                   <a:txBody>
                     <a:bodyPr/>
@@ -6111,7 +8284,7 @@
         </p:nvSpPr>
         <p:spPr>
           <a:xfrm>
-            <a:off x="3236596" y="2202244"/>
+            <a:off x="3813781" y="1396176"/>
             <a:ext cx="260008" cy="276999"/>
           </a:xfrm>
           <a:prstGeom prst="rect">
@@ -6147,50 +8320,9 @@
           <p:nvPr/>
         </p:nvCxnSpPr>
         <p:spPr>
-          <a:xfrm flipV="1">
-            <a:off x="2274579" y="1364111"/>
-            <a:ext cx="749497" cy="433782"/>
-          </a:xfrm>
-          <a:prstGeom prst="straightConnector1">
-            <a:avLst/>
-          </a:prstGeom>
-          <a:ln w="57150">
-            <a:tailEnd type="triangle"/>
-          </a:ln>
-        </p:spPr>
-        <p:style>
-          <a:lnRef idx="1">
-            <a:schemeClr val="accent1"/>
-          </a:lnRef>
-          <a:fillRef idx="0">
-            <a:schemeClr val="accent1"/>
-          </a:fillRef>
-          <a:effectRef idx="0">
-            <a:schemeClr val="accent1"/>
-          </a:effectRef>
-          <a:fontRef idx="minor">
-            <a:schemeClr val="tx1"/>
-          </a:fontRef>
-        </p:style>
-      </p:cxnSp>
-      <p:cxnSp>
-        <p:nvCxnSpPr>
-          <p:cNvPr id="12" name="Straight Arrow Connector 11">
-            <a:extLst>
-              <a:ext uri="{FF2B5EF4-FFF2-40B4-BE49-F238E27FC236}">
-                <a16:creationId xmlns:a16="http://schemas.microsoft.com/office/drawing/2014/main" id="{6793396D-06BC-44A8-902E-23F0C5614AEE}"/>
-              </a:ext>
-            </a:extLst>
-          </p:cNvPr>
-          <p:cNvCxnSpPr>
-            <a:cxnSpLocks/>
-          </p:cNvCxnSpPr>
-          <p:nvPr/>
-        </p:nvCxnSpPr>
-        <p:spPr>
           <a:xfrm>
-            <a:off x="2281674" y="2577910"/>
-            <a:ext cx="671346" cy="390900"/>
+            <a:off x="1816015" y="1875138"/>
+            <a:ext cx="703087" cy="0"/>
           </a:xfrm>
           <a:prstGeom prst="straightConnector1">
             <a:avLst/>
@@ -6227,16 +8359,12 @@
             <a:graphicFrameLocks noGrp="1"/>
           </p:cNvGraphicFramePr>
           <p:nvPr>
-            <p:extLst>
-              <p:ext uri="{D42A27DB-BD31-4B8C-83A1-F6EECF244321}">
-                <p14:modId xmlns:p14="http://schemas.microsoft.com/office/powerpoint/2010/main" val="2329754822"/>
-              </p:ext>
-            </p:extLst>
+            <p:extLst/>
           </p:nvPr>
         </p:nvGraphicFramePr>
         <p:xfrm>
-          <a:off x="6832332" y="885303"/>
-          <a:ext cx="1587501" cy="1036320"/>
+          <a:off x="5383803" y="1241672"/>
+          <a:ext cx="967935" cy="1036320"/>
         </p:xfrm>
         <a:graphic>
           <a:graphicData uri="http://schemas.openxmlformats.org/drawingml/2006/table">
@@ -6245,21 +8373,21 @@
                 <a:tableStyleId>{5C22544A-7EE6-4342-B048-85BDC9FD1C3A}</a:tableStyleId>
               </a:tblPr>
               <a:tblGrid>
-                <a:gridCol w="529167">
+                <a:gridCol w="322645">
                   <a:extLst>
                     <a:ext uri="{9D8B030D-6E8A-4147-A177-3AD203B41FA5}">
                       <a16:colId xmlns:a16="http://schemas.microsoft.com/office/drawing/2014/main" val="1821465526"/>
                     </a:ext>
                   </a:extLst>
                 </a:gridCol>
-                <a:gridCol w="529167">
+                <a:gridCol w="322645">
                   <a:extLst>
                     <a:ext uri="{9D8B030D-6E8A-4147-A177-3AD203B41FA5}">
                       <a16:colId xmlns:a16="http://schemas.microsoft.com/office/drawing/2014/main" val="3634153550"/>
                     </a:ext>
                   </a:extLst>
                 </a:gridCol>
-                <a:gridCol w="529167">
+                <a:gridCol w="322645">
                   <a:extLst>
                     <a:ext uri="{9D8B030D-6E8A-4147-A177-3AD203B41FA5}">
                       <a16:colId xmlns:a16="http://schemas.microsoft.com/office/drawing/2014/main" val="372574935"/>
@@ -6454,7 +8582,7 @@
         </p:nvSpPr>
         <p:spPr>
           <a:xfrm>
-            <a:off x="6782559" y="607554"/>
+            <a:off x="5334030" y="963923"/>
             <a:ext cx="631968" cy="276999"/>
           </a:xfrm>
           <a:prstGeom prst="rect">
@@ -6489,16 +8617,12 @@
             <a:graphicFrameLocks noGrp="1"/>
           </p:cNvGraphicFramePr>
           <p:nvPr>
-            <p:extLst>
-              <p:ext uri="{D42A27DB-BD31-4B8C-83A1-F6EECF244321}">
-                <p14:modId xmlns:p14="http://schemas.microsoft.com/office/powerpoint/2010/main" val="4230591214"/>
-              </p:ext>
-            </p:extLst>
+            <p:extLst/>
           </p:nvPr>
         </p:nvGraphicFramePr>
         <p:xfrm>
-          <a:off x="6832332" y="2618147"/>
-          <a:ext cx="529167" cy="1036320"/>
+          <a:off x="6471354" y="1255553"/>
+          <a:ext cx="322645" cy="1036320"/>
         </p:xfrm>
         <a:graphic>
           <a:graphicData uri="http://schemas.openxmlformats.org/drawingml/2006/table">
@@ -6507,7 +8631,7 @@
                 <a:tableStyleId>{5C22544A-7EE6-4342-B048-85BDC9FD1C3A}</a:tableStyleId>
               </a:tblPr>
               <a:tblGrid>
-                <a:gridCol w="529167">
+                <a:gridCol w="322645">
                   <a:extLst>
                     <a:ext uri="{9D8B030D-6E8A-4147-A177-3AD203B41FA5}">
                       <a16:colId xmlns:a16="http://schemas.microsoft.com/office/drawing/2014/main" val="3388713200"/>
@@ -6605,7 +8729,7 @@
         </p:nvSpPr>
         <p:spPr>
           <a:xfrm>
-            <a:off x="6782559" y="2340398"/>
+            <a:off x="6421581" y="977804"/>
             <a:ext cx="627159" cy="276999"/>
           </a:xfrm>
           <a:prstGeom prst="rect">
@@ -6640,16 +8764,12 @@
             <a:graphicFrameLocks noGrp="1"/>
           </p:cNvGraphicFramePr>
           <p:nvPr>
-            <p:extLst>
-              <p:ext uri="{D42A27DB-BD31-4B8C-83A1-F6EECF244321}">
-                <p14:modId xmlns:p14="http://schemas.microsoft.com/office/powerpoint/2010/main" val="2184977414"/>
-              </p:ext>
-            </p:extLst>
+            <p:extLst/>
           </p:nvPr>
         </p:nvGraphicFramePr>
         <p:xfrm>
-          <a:off x="8737827" y="885303"/>
-          <a:ext cx="1587501" cy="518160"/>
+          <a:off x="5415784" y="2783388"/>
+          <a:ext cx="967935" cy="518160"/>
         </p:xfrm>
         <a:graphic>
           <a:graphicData uri="http://schemas.openxmlformats.org/drawingml/2006/table">
@@ -6658,21 +8778,21 @@
                 <a:tableStyleId>{5C22544A-7EE6-4342-B048-85BDC9FD1C3A}</a:tableStyleId>
               </a:tblPr>
               <a:tblGrid>
-                <a:gridCol w="529167">
+                <a:gridCol w="322645">
                   <a:extLst>
                     <a:ext uri="{9D8B030D-6E8A-4147-A177-3AD203B41FA5}">
                       <a16:colId xmlns:a16="http://schemas.microsoft.com/office/drawing/2014/main" val="1821465526"/>
                     </a:ext>
                   </a:extLst>
                 </a:gridCol>
-                <a:gridCol w="529167">
+                <a:gridCol w="322645">
                   <a:extLst>
                     <a:ext uri="{9D8B030D-6E8A-4147-A177-3AD203B41FA5}">
                       <a16:colId xmlns:a16="http://schemas.microsoft.com/office/drawing/2014/main" val="3634153550"/>
                     </a:ext>
                   </a:extLst>
                 </a:gridCol>
-                <a:gridCol w="529167">
+                <a:gridCol w="322645">
                   <a:extLst>
                     <a:ext uri="{9D8B030D-6E8A-4147-A177-3AD203B41FA5}">
                       <a16:colId xmlns:a16="http://schemas.microsoft.com/office/drawing/2014/main" val="372574935"/>
@@ -6787,7 +8907,7 @@
         </p:nvSpPr>
         <p:spPr>
           <a:xfrm>
-            <a:off x="8737827" y="607554"/>
+            <a:off x="5415784" y="2505639"/>
             <a:ext cx="578813" cy="276999"/>
           </a:xfrm>
           <a:prstGeom prst="rect">
@@ -6822,16 +8942,12 @@
             <a:graphicFrameLocks noGrp="1"/>
           </p:cNvGraphicFramePr>
           <p:nvPr>
-            <p:extLst>
-              <p:ext uri="{D42A27DB-BD31-4B8C-83A1-F6EECF244321}">
-                <p14:modId xmlns:p14="http://schemas.microsoft.com/office/powerpoint/2010/main" val="412116623"/>
-              </p:ext>
-            </p:extLst>
+            <p:extLst/>
           </p:nvPr>
         </p:nvGraphicFramePr>
         <p:xfrm>
-          <a:off x="8737827" y="2618147"/>
-          <a:ext cx="529167" cy="518160"/>
+          <a:off x="6514429" y="2783388"/>
+          <a:ext cx="322645" cy="518160"/>
         </p:xfrm>
         <a:graphic>
           <a:graphicData uri="http://schemas.openxmlformats.org/drawingml/2006/table">
@@ -6840,7 +8956,7 @@
                 <a:tableStyleId>{5C22544A-7EE6-4342-B048-85BDC9FD1C3A}</a:tableStyleId>
               </a:tblPr>
               <a:tblGrid>
-                <a:gridCol w="529167">
+                <a:gridCol w="322645">
                   <a:extLst>
                     <a:ext uri="{9D8B030D-6E8A-4147-A177-3AD203B41FA5}">
                       <a16:colId xmlns:a16="http://schemas.microsoft.com/office/drawing/2014/main" val="3388713200"/>
@@ -6904,7 +9020,7 @@
         </p:nvSpPr>
         <p:spPr>
           <a:xfrm>
-            <a:off x="8737827" y="2340398"/>
+            <a:off x="6514429" y="2505639"/>
             <a:ext cx="574003" cy="276999"/>
           </a:xfrm>
           <a:prstGeom prst="rect">
@@ -6942,8 +9058,8 @@
         </p:nvCxnSpPr>
         <p:spPr>
           <a:xfrm flipV="1">
-            <a:off x="5088448" y="2309754"/>
-            <a:ext cx="1399684" cy="30644"/>
+            <a:off x="4334643" y="2365329"/>
+            <a:ext cx="899037" cy="19683"/>
           </a:xfrm>
           <a:prstGeom prst="straightConnector1">
             <a:avLst/>
@@ -6981,8 +9097,8 @@
         </p:nvSpPr>
         <p:spPr>
           <a:xfrm>
-            <a:off x="5088448" y="1848138"/>
-            <a:ext cx="1221681" cy="276999"/>
+            <a:off x="4339727" y="1789475"/>
+            <a:ext cx="893953" cy="461665"/>
           </a:xfrm>
           <a:prstGeom prst="rect">
             <a:avLst/>
@@ -6995,11 +9111,12 @@
           </a:solidFill>
         </p:spPr>
         <p:txBody>
-          <a:bodyPr wrap="none" rtlCol="0">
+          <a:bodyPr wrap="square" rtlCol="0">
             <a:spAutoFit/>
           </a:bodyPr>
           <a:lstStyle/>
           <a:p>
+            <a:pPr algn="ctr"/>
             <a:r>
               <a:rPr lang="en-US" sz="1200" dirty="0" err="1"/>
               <a:t>train_test_split</a:t>
@@ -7025,7 +9142,7 @@
         </p:nvSpPr>
         <p:spPr>
           <a:xfrm>
-            <a:off x="2329868" y="1909694"/>
+            <a:off x="1789194" y="1941106"/>
             <a:ext cx="1046284" cy="430887"/>
           </a:xfrm>
           <a:prstGeom prst="rect">
@@ -7059,16 +9176,12 @@
             <a:graphicFrameLocks noGrp="1"/>
           </p:cNvGraphicFramePr>
           <p:nvPr>
-            <p:extLst>
-              <p:ext uri="{D42A27DB-BD31-4B8C-83A1-F6EECF244321}">
-                <p14:modId xmlns:p14="http://schemas.microsoft.com/office/powerpoint/2010/main" val="746170634"/>
-              </p:ext>
-            </p:extLst>
+            <p:extLst/>
           </p:nvPr>
         </p:nvGraphicFramePr>
         <p:xfrm>
-          <a:off x="62295" y="4746974"/>
-          <a:ext cx="2116668" cy="1295400"/>
+          <a:off x="165008" y="4994493"/>
+          <a:ext cx="1617684" cy="1295400"/>
         </p:xfrm>
         <a:graphic>
           <a:graphicData uri="http://schemas.openxmlformats.org/drawingml/2006/table">
@@ -7077,28 +9190,28 @@
                 <a:tableStyleId>{5C22544A-7EE6-4342-B048-85BDC9FD1C3A}</a:tableStyleId>
               </a:tblPr>
               <a:tblGrid>
-                <a:gridCol w="529167">
+                <a:gridCol w="404421">
                   <a:extLst>
                     <a:ext uri="{9D8B030D-6E8A-4147-A177-3AD203B41FA5}">
                       <a16:colId xmlns:a16="http://schemas.microsoft.com/office/drawing/2014/main" val="1821465526"/>
                     </a:ext>
                   </a:extLst>
                 </a:gridCol>
-                <a:gridCol w="529167">
+                <a:gridCol w="404421">
                   <a:extLst>
                     <a:ext uri="{9D8B030D-6E8A-4147-A177-3AD203B41FA5}">
                       <a16:colId xmlns:a16="http://schemas.microsoft.com/office/drawing/2014/main" val="3634153550"/>
                     </a:ext>
                   </a:extLst>
                 </a:gridCol>
-                <a:gridCol w="529167">
+                <a:gridCol w="404421">
                   <a:extLst>
                     <a:ext uri="{9D8B030D-6E8A-4147-A177-3AD203B41FA5}">
                       <a16:colId xmlns:a16="http://schemas.microsoft.com/office/drawing/2014/main" val="372574935"/>
                     </a:ext>
                   </a:extLst>
                 </a:gridCol>
-                <a:gridCol w="529167">
+                <a:gridCol w="404421">
                   <a:extLst>
                     <a:ext uri="{9D8B030D-6E8A-4147-A177-3AD203B41FA5}">
                       <a16:colId xmlns:a16="http://schemas.microsoft.com/office/drawing/2014/main" val="3388713200"/>
@@ -7391,7 +9504,7 @@
         </p:nvSpPr>
         <p:spPr>
           <a:xfrm>
-            <a:off x="62295" y="4437655"/>
+            <a:off x="62295" y="4685174"/>
             <a:ext cx="498983" cy="276999"/>
           </a:xfrm>
           <a:prstGeom prst="rect">
@@ -7429,8 +9542,8 @@
         </p:nvCxnSpPr>
         <p:spPr>
           <a:xfrm>
-            <a:off x="2527882" y="5445320"/>
-            <a:ext cx="3960250" cy="0"/>
+            <a:off x="2131613" y="5692839"/>
+            <a:ext cx="2717224" cy="0"/>
           </a:xfrm>
           <a:prstGeom prst="straightConnector1">
             <a:avLst/>
@@ -7468,7 +9581,7 @@
         </p:nvSpPr>
         <p:spPr>
           <a:xfrm>
-            <a:off x="4294122" y="4995799"/>
+            <a:off x="2667059" y="5326466"/>
             <a:ext cx="1221681" cy="276999"/>
           </a:xfrm>
           <a:prstGeom prst="rect">
@@ -7512,8 +9625,8 @@
         </p:nvSpPr>
         <p:spPr>
           <a:xfrm>
-            <a:off x="6567981" y="4286175"/>
-            <a:ext cx="4035703" cy="2020781"/>
+            <a:off x="5296623" y="4477169"/>
+            <a:ext cx="1497376" cy="1399748"/>
           </a:xfrm>
           <a:prstGeom prst="rect">
             <a:avLst/>
@@ -7566,16 +9679,12 @@
             <a:graphicFrameLocks noGrp="1"/>
           </p:cNvGraphicFramePr>
           <p:nvPr>
-            <p:extLst>
-              <p:ext uri="{D42A27DB-BD31-4B8C-83A1-F6EECF244321}">
-                <p14:modId xmlns:p14="http://schemas.microsoft.com/office/powerpoint/2010/main" val="67684021"/>
-              </p:ext>
-            </p:extLst>
+            <p:extLst/>
           </p:nvPr>
         </p:nvGraphicFramePr>
         <p:xfrm>
-          <a:off x="6832332" y="4806049"/>
-          <a:ext cx="1757396" cy="1036320"/>
+          <a:off x="5393645" y="4730456"/>
+          <a:ext cx="1282312" cy="1036320"/>
         </p:xfrm>
         <a:graphic>
           <a:graphicData uri="http://schemas.openxmlformats.org/drawingml/2006/table">
@@ -7584,28 +9693,28 @@
                 <a:tableStyleId>{5C22544A-7EE6-4342-B048-85BDC9FD1C3A}</a:tableStyleId>
               </a:tblPr>
               <a:tblGrid>
-                <a:gridCol w="439349">
+                <a:gridCol w="320578">
                   <a:extLst>
                     <a:ext uri="{9D8B030D-6E8A-4147-A177-3AD203B41FA5}">
                       <a16:colId xmlns:a16="http://schemas.microsoft.com/office/drawing/2014/main" val="1821465526"/>
                     </a:ext>
                   </a:extLst>
                 </a:gridCol>
-                <a:gridCol w="439349">
+                <a:gridCol w="320578">
                   <a:extLst>
                     <a:ext uri="{9D8B030D-6E8A-4147-A177-3AD203B41FA5}">
                       <a16:colId xmlns:a16="http://schemas.microsoft.com/office/drawing/2014/main" val="3634153550"/>
                     </a:ext>
                   </a:extLst>
                 </a:gridCol>
-                <a:gridCol w="439349">
+                <a:gridCol w="320578">
                   <a:extLst>
                     <a:ext uri="{9D8B030D-6E8A-4147-A177-3AD203B41FA5}">
                       <a16:colId xmlns:a16="http://schemas.microsoft.com/office/drawing/2014/main" val="372574935"/>
                     </a:ext>
                   </a:extLst>
                 </a:gridCol>
-                <a:gridCol w="439349">
+                <a:gridCol w="320578">
                   <a:extLst>
                     <a:ext uri="{9D8B030D-6E8A-4147-A177-3AD203B41FA5}">
                       <a16:colId xmlns:a16="http://schemas.microsoft.com/office/drawing/2014/main" val="397390982"/>
@@ -7613,7 +9722,7 @@
                   </a:extLst>
                 </a:gridCol>
               </a:tblGrid>
-              <a:tr h="0">
+              <a:tr h="138500">
                 <a:tc>
                   <a:txBody>
                     <a:bodyPr/>
@@ -7676,7 +9785,7 @@
                   </a:ext>
                 </a:extLst>
               </a:tr>
-              <a:tr h="0">
+              <a:tr h="138500">
                 <a:tc>
                   <a:txBody>
                     <a:bodyPr/>
@@ -7727,7 +9836,7 @@
                   </a:ext>
                 </a:extLst>
               </a:tr>
-              <a:tr h="0">
+              <a:tr h="138500">
                 <a:tc>
                   <a:txBody>
                     <a:bodyPr/>
@@ -7745,7 +9854,7 @@
                     <a:lstStyle/>
                     <a:p>
                       <a:pPr algn="ctr"/>
-                      <a:endParaRPr lang="en-US" sz="1100"/>
+                      <a:endParaRPr lang="en-US" sz="1100" dirty="0"/>
                     </a:p>
                   </a:txBody>
                   <a:tcPr/>
@@ -7778,7 +9887,7 @@
                   </a:ext>
                 </a:extLst>
               </a:tr>
-              <a:tr h="0">
+              <a:tr h="138500">
                 <a:tc>
                   <a:txBody>
                     <a:bodyPr/>
@@ -7847,7 +9956,7 @@
         </p:nvSpPr>
         <p:spPr>
           <a:xfrm>
-            <a:off x="6782559" y="4528300"/>
+            <a:off x="5343874" y="4452707"/>
             <a:ext cx="678455" cy="276999"/>
           </a:xfrm>
           <a:prstGeom prst="rect">
@@ -7883,7 +9992,7 @@
         </p:nvSpPr>
         <p:spPr>
           <a:xfrm>
-            <a:off x="8737827" y="4528300"/>
+            <a:off x="5397030" y="5924049"/>
             <a:ext cx="625299" cy="276999"/>
           </a:xfrm>
           <a:prstGeom prst="rect">
@@ -7918,16 +10027,12 @@
             <a:graphicFrameLocks noGrp="1"/>
           </p:cNvGraphicFramePr>
           <p:nvPr>
-            <p:extLst>
-              <p:ext uri="{D42A27DB-BD31-4B8C-83A1-F6EECF244321}">
-                <p14:modId xmlns:p14="http://schemas.microsoft.com/office/powerpoint/2010/main" val="2617492200"/>
-              </p:ext>
-            </p:extLst>
+            <p:extLst/>
           </p:nvPr>
         </p:nvGraphicFramePr>
         <p:xfrm>
-          <a:off x="8737827" y="4811590"/>
-          <a:ext cx="1757396" cy="518160"/>
+          <a:off x="5397028" y="6207339"/>
+          <a:ext cx="1282312" cy="518160"/>
         </p:xfrm>
         <a:graphic>
           <a:graphicData uri="http://schemas.openxmlformats.org/drawingml/2006/table">
@@ -7936,28 +10041,28 @@
                 <a:tableStyleId>{5C22544A-7EE6-4342-B048-85BDC9FD1C3A}</a:tableStyleId>
               </a:tblPr>
               <a:tblGrid>
-                <a:gridCol w="439349">
+                <a:gridCol w="320578">
                   <a:extLst>
                     <a:ext uri="{9D8B030D-6E8A-4147-A177-3AD203B41FA5}">
                       <a16:colId xmlns:a16="http://schemas.microsoft.com/office/drawing/2014/main" val="1821465526"/>
                     </a:ext>
                   </a:extLst>
                 </a:gridCol>
-                <a:gridCol w="439349">
+                <a:gridCol w="320578">
                   <a:extLst>
                     <a:ext uri="{9D8B030D-6E8A-4147-A177-3AD203B41FA5}">
                       <a16:colId xmlns:a16="http://schemas.microsoft.com/office/drawing/2014/main" val="3634153550"/>
                     </a:ext>
                   </a:extLst>
                 </a:gridCol>
-                <a:gridCol w="439349">
+                <a:gridCol w="320578">
                   <a:extLst>
                     <a:ext uri="{9D8B030D-6E8A-4147-A177-3AD203B41FA5}">
                       <a16:colId xmlns:a16="http://schemas.microsoft.com/office/drawing/2014/main" val="372574935"/>
                     </a:ext>
                   </a:extLst>
                 </a:gridCol>
-                <a:gridCol w="439349">
+                <a:gridCol w="320578">
                   <a:extLst>
                     <a:ext uri="{9D8B030D-6E8A-4147-A177-3AD203B41FA5}">
                       <a16:colId xmlns:a16="http://schemas.microsoft.com/office/drawing/2014/main" val="397390982"/>
@@ -7965,7 +10070,7 @@
                   </a:extLst>
                 </a:gridCol>
               </a:tblGrid>
-              <a:tr h="0">
+              <a:tr h="138500">
                 <a:tc>
                   <a:txBody>
                     <a:bodyPr/>
@@ -8028,7 +10133,7 @@
                   </a:ext>
                 </a:extLst>
               </a:tr>
-              <a:tr h="0">
+              <a:tr h="138500">
                 <a:tc>
                   <a:txBody>
                     <a:bodyPr/>
@@ -8097,8 +10202,8 @@
         </p:nvSpPr>
         <p:spPr>
           <a:xfrm>
-            <a:off x="62295" y="64131"/>
-            <a:ext cx="10541389" cy="369332"/>
+            <a:off x="102713" y="64131"/>
+            <a:ext cx="11373812" cy="369332"/>
           </a:xfrm>
           <a:prstGeom prst="rect">
             <a:avLst/>
@@ -8123,7 +10228,7 @@
                   <a:schemeClr val="bg1"/>
                 </a:solidFill>
               </a:rPr>
-              <a:t>scikit</a:t>
+              <a:t>sklearn</a:t>
             </a:r>
             <a:r>
               <a:rPr lang="en-US" dirty="0">
@@ -8131,15 +10236,1025 @@
                   <a:schemeClr val="bg1"/>
                 </a:solidFill>
               </a:rPr>
-              <a:t>-learn, splitting data for machine learning</a:t>
-            </a:r>
-          </a:p>
-        </p:txBody>
-      </p:sp>
+              <a:t>: splitting data for machine learning</a:t>
+            </a:r>
+          </a:p>
+        </p:txBody>
+      </p:sp>
+      <p:cxnSp>
+        <p:nvCxnSpPr>
+          <p:cNvPr id="42" name="Straight Arrow Connector 41">
+            <a:extLst>
+              <a:ext uri="{FF2B5EF4-FFF2-40B4-BE49-F238E27FC236}">
+                <a16:creationId xmlns:a16="http://schemas.microsoft.com/office/drawing/2014/main" id="{0463485C-0917-4B31-9035-C14879105A33}"/>
+              </a:ext>
+            </a:extLst>
+          </p:cNvPr>
+          <p:cNvCxnSpPr>
+            <a:cxnSpLocks/>
+          </p:cNvCxnSpPr>
+          <p:nvPr/>
+        </p:nvCxnSpPr>
+        <p:spPr>
+          <a:xfrm>
+            <a:off x="7118583" y="1852232"/>
+            <a:ext cx="679506" cy="0"/>
+          </a:xfrm>
+          <a:prstGeom prst="straightConnector1">
+            <a:avLst/>
+          </a:prstGeom>
+          <a:ln w="57150">
+            <a:tailEnd type="triangle"/>
+          </a:ln>
+        </p:spPr>
+        <p:style>
+          <a:lnRef idx="1">
+            <a:schemeClr val="accent1"/>
+          </a:lnRef>
+          <a:fillRef idx="0">
+            <a:schemeClr val="accent1"/>
+          </a:fillRef>
+          <a:effectRef idx="0">
+            <a:schemeClr val="accent1"/>
+          </a:effectRef>
+          <a:fontRef idx="minor">
+            <a:schemeClr val="tx1"/>
+          </a:fontRef>
+        </p:style>
+      </p:cxnSp>
+      <p:cxnSp>
+        <p:nvCxnSpPr>
+          <p:cNvPr id="43" name="Straight Arrow Connector 42">
+            <a:extLst>
+              <a:ext uri="{FF2B5EF4-FFF2-40B4-BE49-F238E27FC236}">
+                <a16:creationId xmlns:a16="http://schemas.microsoft.com/office/drawing/2014/main" id="{D950F59C-8FFC-4737-8D16-9B33CC7D3F38}"/>
+              </a:ext>
+            </a:extLst>
+          </p:cNvPr>
+          <p:cNvCxnSpPr>
+            <a:cxnSpLocks/>
+          </p:cNvCxnSpPr>
+          <p:nvPr/>
+        </p:nvCxnSpPr>
+        <p:spPr>
+          <a:xfrm flipV="1">
+            <a:off x="7162915" y="2094358"/>
+            <a:ext cx="679506" cy="854807"/>
+          </a:xfrm>
+          <a:prstGeom prst="straightConnector1">
+            <a:avLst/>
+          </a:prstGeom>
+          <a:ln w="57150">
+            <a:tailEnd type="triangle"/>
+          </a:ln>
+        </p:spPr>
+        <p:style>
+          <a:lnRef idx="1">
+            <a:schemeClr val="accent1"/>
+          </a:lnRef>
+          <a:fillRef idx="0">
+            <a:schemeClr val="accent1"/>
+          </a:fillRef>
+          <a:effectRef idx="0">
+            <a:schemeClr val="accent1"/>
+          </a:effectRef>
+          <a:fontRef idx="minor">
+            <a:schemeClr val="tx1"/>
+          </a:fontRef>
+        </p:style>
+      </p:cxnSp>
+      <p:sp>
+        <p:nvSpPr>
+          <p:cNvPr id="44" name="TextBox 43">
+            <a:extLst>
+              <a:ext uri="{FF2B5EF4-FFF2-40B4-BE49-F238E27FC236}">
+                <a16:creationId xmlns:a16="http://schemas.microsoft.com/office/drawing/2014/main" id="{9F5D221A-F7DE-43B2-94DA-CA89BB2EE02C}"/>
+              </a:ext>
+            </a:extLst>
+          </p:cNvPr>
+          <p:cNvSpPr txBox="1"/>
+          <p:nvPr/>
+        </p:nvSpPr>
+        <p:spPr>
+          <a:xfrm>
+            <a:off x="7118583" y="977791"/>
+            <a:ext cx="679506" cy="577081"/>
+          </a:xfrm>
+          <a:prstGeom prst="rect">
+            <a:avLst/>
+          </a:prstGeom>
+          <a:solidFill>
+            <a:schemeClr val="accent2">
+              <a:lumMod val="60000"/>
+              <a:lumOff val="40000"/>
+            </a:schemeClr>
+          </a:solidFill>
+        </p:spPr>
+        <p:txBody>
+          <a:bodyPr wrap="square" rtlCol="0">
+            <a:spAutoFit/>
+          </a:bodyPr>
+          <a:lstStyle/>
+          <a:p>
+            <a:pPr algn="ctr"/>
+            <a:r>
+              <a:rPr lang="en-US" sz="1050" dirty="0"/>
+              <a:t>Create A Model</a:t>
+            </a:r>
+          </a:p>
+          <a:p>
+            <a:pPr algn="ctr"/>
+            <a:r>
+              <a:rPr lang="en-US" sz="1050" dirty="0"/>
+              <a:t>.fit()</a:t>
+            </a:r>
+          </a:p>
+        </p:txBody>
+      </p:sp>
+      <p:sp>
+        <p:nvSpPr>
+          <p:cNvPr id="45" name="Rectangle 44">
+            <a:extLst>
+              <a:ext uri="{FF2B5EF4-FFF2-40B4-BE49-F238E27FC236}">
+                <a16:creationId xmlns:a16="http://schemas.microsoft.com/office/drawing/2014/main" id="{0A6F3E26-5D1C-427F-9090-3E11ED5E86FF}"/>
+              </a:ext>
+            </a:extLst>
+          </p:cNvPr>
+          <p:cNvSpPr/>
+          <p:nvPr/>
+        </p:nvSpPr>
+        <p:spPr>
+          <a:xfrm>
+            <a:off x="9063261" y="953882"/>
+            <a:ext cx="707727" cy="1501746"/>
+          </a:xfrm>
+          <a:prstGeom prst="rect">
+            <a:avLst/>
+          </a:prstGeom>
+          <a:solidFill>
+            <a:schemeClr val="accent6">
+              <a:lumMod val="20000"/>
+              <a:lumOff val="80000"/>
+            </a:schemeClr>
+          </a:solidFill>
+          <a:ln>
+            <a:noFill/>
+          </a:ln>
+        </p:spPr>
+        <p:style>
+          <a:lnRef idx="2">
+            <a:schemeClr val="accent1">
+              <a:shade val="50000"/>
+            </a:schemeClr>
+          </a:lnRef>
+          <a:fillRef idx="1">
+            <a:schemeClr val="accent1"/>
+          </a:fillRef>
+          <a:effectRef idx="0">
+            <a:schemeClr val="accent1"/>
+          </a:effectRef>
+          <a:fontRef idx="minor">
+            <a:schemeClr val="lt1"/>
+          </a:fontRef>
+        </p:style>
+        <p:txBody>
+          <a:bodyPr rtlCol="0" anchor="ctr"/>
+          <a:lstStyle/>
+          <a:p>
+            <a:pPr algn="ctr"/>
+            <a:endParaRPr lang="en-US" sz="1200"/>
+          </a:p>
+        </p:txBody>
+      </p:sp>
+      <p:sp>
+        <p:nvSpPr>
+          <p:cNvPr id="46" name="TextBox 45">
+            <a:extLst>
+              <a:ext uri="{FF2B5EF4-FFF2-40B4-BE49-F238E27FC236}">
+                <a16:creationId xmlns:a16="http://schemas.microsoft.com/office/drawing/2014/main" id="{F29D9B02-151A-4B55-8C9C-5A1657E99641}"/>
+              </a:ext>
+            </a:extLst>
+          </p:cNvPr>
+          <p:cNvSpPr txBox="1"/>
+          <p:nvPr/>
+        </p:nvSpPr>
+        <p:spPr>
+          <a:xfrm>
+            <a:off x="102713" y="501564"/>
+            <a:ext cx="6946027" cy="276999"/>
+          </a:xfrm>
+          <a:prstGeom prst="rect">
+            <a:avLst/>
+          </a:prstGeom>
+          <a:solidFill>
+            <a:schemeClr val="bg2">
+              <a:lumMod val="90000"/>
+            </a:schemeClr>
+          </a:solidFill>
+        </p:spPr>
+        <p:txBody>
+          <a:bodyPr wrap="square" rtlCol="0">
+            <a:spAutoFit/>
+          </a:bodyPr>
+          <a:lstStyle/>
+          <a:p>
+            <a:pPr algn="ctr"/>
+            <a:r>
+              <a:rPr lang="en-US" sz="1200" dirty="0"/>
+              <a:t>Pre Processing</a:t>
+            </a:r>
+          </a:p>
+        </p:txBody>
+      </p:sp>
+      <p:graphicFrame>
+        <p:nvGraphicFramePr>
+          <p:cNvPr id="47" name="Table 46">
+            <a:extLst>
+              <a:ext uri="{FF2B5EF4-FFF2-40B4-BE49-F238E27FC236}">
+                <a16:creationId xmlns:a16="http://schemas.microsoft.com/office/drawing/2014/main" id="{E20C3A2F-2682-405E-A2CA-9ED7CE57B01F}"/>
+              </a:ext>
+            </a:extLst>
+          </p:cNvPr>
+          <p:cNvGraphicFramePr>
+            <a:graphicFrameLocks noGrp="1"/>
+          </p:cNvGraphicFramePr>
+          <p:nvPr>
+            <p:extLst/>
+          </p:nvPr>
+        </p:nvGraphicFramePr>
+        <p:xfrm>
+          <a:off x="9278229" y="1291256"/>
+          <a:ext cx="322645" cy="1036320"/>
+        </p:xfrm>
+        <a:graphic>
+          <a:graphicData uri="http://schemas.openxmlformats.org/drawingml/2006/table">
+            <a:tbl>
+              <a:tblPr firstRow="1" bandRow="1">
+                <a:tableStyleId>{284E427A-3D55-4303-BF80-6455036E1DE7}</a:tableStyleId>
+              </a:tblPr>
+              <a:tblGrid>
+                <a:gridCol w="322645">
+                  <a:extLst>
+                    <a:ext uri="{9D8B030D-6E8A-4147-A177-3AD203B41FA5}">
+                      <a16:colId xmlns:a16="http://schemas.microsoft.com/office/drawing/2014/main" val="3388713200"/>
+                    </a:ext>
+                  </a:extLst>
+                </a:gridCol>
+              </a:tblGrid>
+              <a:tr h="0">
+                <a:tc>
+                  <a:txBody>
+                    <a:bodyPr/>
+                    <a:lstStyle/>
+                    <a:p>
+                      <a:pPr algn="ctr"/>
+                      <a:r>
+                        <a:rPr lang="en-US" sz="1100" dirty="0"/>
+                        <a:t>Y</a:t>
+                      </a:r>
+                    </a:p>
+                  </a:txBody>
+                  <a:tcPr/>
+                </a:tc>
+                <a:extLst>
+                  <a:ext uri="{0D108BD9-81ED-4DB2-BD59-A6C34878D82A}">
+                    <a16:rowId xmlns:a16="http://schemas.microsoft.com/office/drawing/2014/main" val="3840290834"/>
+                  </a:ext>
+                </a:extLst>
+              </a:tr>
+              <a:tr h="0">
+                <a:tc>
+                  <a:txBody>
+                    <a:bodyPr/>
+                    <a:lstStyle/>
+                    <a:p>
+                      <a:endParaRPr lang="en-US" sz="1100" dirty="0"/>
+                    </a:p>
+                  </a:txBody>
+                  <a:tcPr/>
+                </a:tc>
+                <a:extLst>
+                  <a:ext uri="{0D108BD9-81ED-4DB2-BD59-A6C34878D82A}">
+                    <a16:rowId xmlns:a16="http://schemas.microsoft.com/office/drawing/2014/main" val="3022081642"/>
+                  </a:ext>
+                </a:extLst>
+              </a:tr>
+              <a:tr h="0">
+                <a:tc>
+                  <a:txBody>
+                    <a:bodyPr/>
+                    <a:lstStyle/>
+                    <a:p>
+                      <a:endParaRPr lang="en-US" sz="1100" dirty="0"/>
+                    </a:p>
+                  </a:txBody>
+                  <a:tcPr/>
+                </a:tc>
+                <a:extLst>
+                  <a:ext uri="{0D108BD9-81ED-4DB2-BD59-A6C34878D82A}">
+                    <a16:rowId xmlns:a16="http://schemas.microsoft.com/office/drawing/2014/main" val="1448300019"/>
+                  </a:ext>
+                </a:extLst>
+              </a:tr>
+              <a:tr h="0">
+                <a:tc>
+                  <a:txBody>
+                    <a:bodyPr/>
+                    <a:lstStyle/>
+                    <a:p>
+                      <a:endParaRPr lang="en-US" sz="1100" dirty="0"/>
+                    </a:p>
+                  </a:txBody>
+                  <a:tcPr/>
+                </a:tc>
+                <a:extLst>
+                  <a:ext uri="{0D108BD9-81ED-4DB2-BD59-A6C34878D82A}">
+                    <a16:rowId xmlns:a16="http://schemas.microsoft.com/office/drawing/2014/main" val="1862071568"/>
+                  </a:ext>
+                </a:extLst>
+              </a:tr>
+            </a:tbl>
+          </a:graphicData>
+        </a:graphic>
+      </p:graphicFrame>
+      <p:sp>
+        <p:nvSpPr>
+          <p:cNvPr id="48" name="TextBox 47">
+            <a:extLst>
+              <a:ext uri="{FF2B5EF4-FFF2-40B4-BE49-F238E27FC236}">
+                <a16:creationId xmlns:a16="http://schemas.microsoft.com/office/drawing/2014/main" id="{D09D9CEA-6EAD-41EA-A80F-F2186B0B7C1F}"/>
+              </a:ext>
+            </a:extLst>
+          </p:cNvPr>
+          <p:cNvSpPr txBox="1"/>
+          <p:nvPr/>
+        </p:nvSpPr>
+        <p:spPr>
+          <a:xfrm>
+            <a:off x="9126948" y="1013507"/>
+            <a:ext cx="667555" cy="276999"/>
+          </a:xfrm>
+          <a:prstGeom prst="rect">
+            <a:avLst/>
+          </a:prstGeom>
+          <a:noFill/>
+        </p:spPr>
+        <p:txBody>
+          <a:bodyPr wrap="none" rtlCol="0">
+            <a:spAutoFit/>
+          </a:bodyPr>
+          <a:lstStyle/>
+          <a:p>
+            <a:r>
+              <a:rPr lang="en-US" sz="1200" dirty="0" err="1"/>
+              <a:t>train_Y</a:t>
+            </a:r>
+            <a:r>
+              <a:rPr lang="en-US" sz="1200" dirty="0"/>
+              <a:t>’</a:t>
+            </a:r>
+          </a:p>
+        </p:txBody>
+      </p:sp>
+      <p:sp>
+        <p:nvSpPr>
+          <p:cNvPr id="27" name="Rectangle 26">
+            <a:extLst>
+              <a:ext uri="{FF2B5EF4-FFF2-40B4-BE49-F238E27FC236}">
+                <a16:creationId xmlns:a16="http://schemas.microsoft.com/office/drawing/2014/main" id="{868486C8-0079-4270-84B2-03F1F9EA902D}"/>
+              </a:ext>
+            </a:extLst>
+          </p:cNvPr>
+          <p:cNvSpPr/>
+          <p:nvPr/>
+        </p:nvSpPr>
+        <p:spPr>
+          <a:xfrm>
+            <a:off x="7888921" y="1612175"/>
+            <a:ext cx="662730" cy="436228"/>
+          </a:xfrm>
+          <a:prstGeom prst="rect">
+            <a:avLst/>
+          </a:prstGeom>
+          <a:solidFill>
+            <a:schemeClr val="tx2">
+              <a:lumMod val="75000"/>
+            </a:schemeClr>
+          </a:solidFill>
+        </p:spPr>
+        <p:style>
+          <a:lnRef idx="2">
+            <a:schemeClr val="accent1">
+              <a:shade val="50000"/>
+            </a:schemeClr>
+          </a:lnRef>
+          <a:fillRef idx="1">
+            <a:schemeClr val="accent1"/>
+          </a:fillRef>
+          <a:effectRef idx="0">
+            <a:schemeClr val="accent1"/>
+          </a:effectRef>
+          <a:fontRef idx="minor">
+            <a:schemeClr val="lt1"/>
+          </a:fontRef>
+        </p:style>
+        <p:txBody>
+          <a:bodyPr rtlCol="0" anchor="ctr"/>
+          <a:lstStyle/>
+          <a:p>
+            <a:pPr algn="ctr"/>
+            <a:r>
+              <a:rPr lang="en-US" sz="1400" dirty="0">
+                <a:solidFill>
+                  <a:schemeClr val="bg1"/>
+                </a:solidFill>
+              </a:rPr>
+              <a:t>Model</a:t>
+            </a:r>
+          </a:p>
+        </p:txBody>
+      </p:sp>
+      <p:cxnSp>
+        <p:nvCxnSpPr>
+          <p:cNvPr id="49" name="Straight Arrow Connector 48">
+            <a:extLst>
+              <a:ext uri="{FF2B5EF4-FFF2-40B4-BE49-F238E27FC236}">
+                <a16:creationId xmlns:a16="http://schemas.microsoft.com/office/drawing/2014/main" id="{517695F4-EC17-47CD-82C2-86B8A9430A17}"/>
+              </a:ext>
+            </a:extLst>
+          </p:cNvPr>
+          <p:cNvCxnSpPr>
+            <a:cxnSpLocks/>
+          </p:cNvCxnSpPr>
+          <p:nvPr/>
+        </p:nvCxnSpPr>
+        <p:spPr>
+          <a:xfrm>
+            <a:off x="8625335" y="1826729"/>
+            <a:ext cx="426386" cy="0"/>
+          </a:xfrm>
+          <a:prstGeom prst="straightConnector1">
+            <a:avLst/>
+          </a:prstGeom>
+          <a:ln w="57150">
+            <a:tailEnd type="triangle"/>
+          </a:ln>
+        </p:spPr>
+        <p:style>
+          <a:lnRef idx="1">
+            <a:schemeClr val="accent1"/>
+          </a:lnRef>
+          <a:fillRef idx="0">
+            <a:schemeClr val="accent1"/>
+          </a:fillRef>
+          <a:effectRef idx="0">
+            <a:schemeClr val="accent1"/>
+          </a:effectRef>
+          <a:fontRef idx="minor">
+            <a:schemeClr val="tx1"/>
+          </a:fontRef>
+        </p:style>
+      </p:cxnSp>
+      <p:sp>
+        <p:nvSpPr>
+          <p:cNvPr id="51" name="TextBox 50">
+            <a:extLst>
+              <a:ext uri="{FF2B5EF4-FFF2-40B4-BE49-F238E27FC236}">
+                <a16:creationId xmlns:a16="http://schemas.microsoft.com/office/drawing/2014/main" id="{6B93B779-54AE-48B5-8CD8-37713F6461A4}"/>
+              </a:ext>
+            </a:extLst>
+          </p:cNvPr>
+          <p:cNvSpPr txBox="1"/>
+          <p:nvPr/>
+        </p:nvSpPr>
+        <p:spPr>
+          <a:xfrm rot="16200000">
+            <a:off x="8408253" y="1114273"/>
+            <a:ext cx="752571" cy="253916"/>
+          </a:xfrm>
+          <a:prstGeom prst="rect">
+            <a:avLst/>
+          </a:prstGeom>
+          <a:solidFill>
+            <a:schemeClr val="accent2">
+              <a:lumMod val="60000"/>
+              <a:lumOff val="40000"/>
+            </a:schemeClr>
+          </a:solidFill>
+        </p:spPr>
+        <p:txBody>
+          <a:bodyPr wrap="square" rtlCol="0">
+            <a:spAutoFit/>
+          </a:bodyPr>
+          <a:lstStyle/>
+          <a:p>
+            <a:pPr algn="ctr"/>
+            <a:r>
+              <a:rPr lang="en-US" sz="1050" dirty="0"/>
+              <a:t>.predict()</a:t>
+            </a:r>
+          </a:p>
+        </p:txBody>
+      </p:sp>
+      <p:sp>
+        <p:nvSpPr>
+          <p:cNvPr id="52" name="Rectangle 51">
+            <a:extLst>
+              <a:ext uri="{FF2B5EF4-FFF2-40B4-BE49-F238E27FC236}">
+                <a16:creationId xmlns:a16="http://schemas.microsoft.com/office/drawing/2014/main" id="{8D45B4D2-42F1-4DF7-8ABA-058A9ED93212}"/>
+              </a:ext>
+            </a:extLst>
+          </p:cNvPr>
+          <p:cNvSpPr/>
+          <p:nvPr/>
+        </p:nvSpPr>
+        <p:spPr>
+          <a:xfrm>
+            <a:off x="10264773" y="953882"/>
+            <a:ext cx="1211752" cy="1411447"/>
+          </a:xfrm>
+          <a:prstGeom prst="rect">
+            <a:avLst/>
+          </a:prstGeom>
+          <a:solidFill>
+            <a:schemeClr val="accent6">
+              <a:lumMod val="50000"/>
+            </a:schemeClr>
+          </a:solidFill>
+        </p:spPr>
+        <p:style>
+          <a:lnRef idx="2">
+            <a:schemeClr val="accent1">
+              <a:shade val="50000"/>
+            </a:schemeClr>
+          </a:lnRef>
+          <a:fillRef idx="1">
+            <a:schemeClr val="accent1"/>
+          </a:fillRef>
+          <a:effectRef idx="0">
+            <a:schemeClr val="accent1"/>
+          </a:effectRef>
+          <a:fontRef idx="minor">
+            <a:schemeClr val="lt1"/>
+          </a:fontRef>
+        </p:style>
+        <p:txBody>
+          <a:bodyPr rtlCol="0" anchor="ctr"/>
+          <a:lstStyle/>
+          <a:p>
+            <a:pPr algn="ctr"/>
+            <a:r>
+              <a:rPr lang="en-US" sz="1400" dirty="0">
+                <a:solidFill>
+                  <a:schemeClr val="bg1"/>
+                </a:solidFill>
+              </a:rPr>
+              <a:t>Model Performance Measurement</a:t>
+            </a:r>
+          </a:p>
+        </p:txBody>
+      </p:sp>
+      <p:cxnSp>
+        <p:nvCxnSpPr>
+          <p:cNvPr id="53" name="Straight Arrow Connector 52">
+            <a:extLst>
+              <a:ext uri="{FF2B5EF4-FFF2-40B4-BE49-F238E27FC236}">
+                <a16:creationId xmlns:a16="http://schemas.microsoft.com/office/drawing/2014/main" id="{B8D0E7A5-31CD-434A-9AE1-D111ACF0BC25}"/>
+              </a:ext>
+            </a:extLst>
+          </p:cNvPr>
+          <p:cNvCxnSpPr>
+            <a:cxnSpLocks/>
+          </p:cNvCxnSpPr>
+          <p:nvPr/>
+        </p:nvCxnSpPr>
+        <p:spPr>
+          <a:xfrm>
+            <a:off x="9859915" y="1824047"/>
+            <a:ext cx="374654" cy="0"/>
+          </a:xfrm>
+          <a:prstGeom prst="straightConnector1">
+            <a:avLst/>
+          </a:prstGeom>
+          <a:ln w="57150">
+            <a:tailEnd type="triangle"/>
+          </a:ln>
+        </p:spPr>
+        <p:style>
+          <a:lnRef idx="1">
+            <a:schemeClr val="accent1"/>
+          </a:lnRef>
+          <a:fillRef idx="0">
+            <a:schemeClr val="accent1"/>
+          </a:fillRef>
+          <a:effectRef idx="0">
+            <a:schemeClr val="accent1"/>
+          </a:effectRef>
+          <a:fontRef idx="minor">
+            <a:schemeClr val="tx1"/>
+          </a:fontRef>
+        </p:style>
+      </p:cxnSp>
+      <p:sp>
+        <p:nvSpPr>
+          <p:cNvPr id="56" name="Rectangle 55">
+            <a:extLst>
+              <a:ext uri="{FF2B5EF4-FFF2-40B4-BE49-F238E27FC236}">
+                <a16:creationId xmlns:a16="http://schemas.microsoft.com/office/drawing/2014/main" id="{38D19805-D2ED-4184-9BD2-F2F6DE2D6BE0}"/>
+              </a:ext>
+            </a:extLst>
+          </p:cNvPr>
+          <p:cNvSpPr/>
+          <p:nvPr/>
+        </p:nvSpPr>
+        <p:spPr>
+          <a:xfrm>
+            <a:off x="9063261" y="2403396"/>
+            <a:ext cx="707727" cy="1182638"/>
+          </a:xfrm>
+          <a:prstGeom prst="rect">
+            <a:avLst/>
+          </a:prstGeom>
+          <a:solidFill>
+            <a:schemeClr val="accent5">
+              <a:lumMod val="20000"/>
+              <a:lumOff val="80000"/>
+            </a:schemeClr>
+          </a:solidFill>
+          <a:ln>
+            <a:noFill/>
+          </a:ln>
+        </p:spPr>
+        <p:style>
+          <a:lnRef idx="2">
+            <a:schemeClr val="accent1">
+              <a:shade val="50000"/>
+            </a:schemeClr>
+          </a:lnRef>
+          <a:fillRef idx="1">
+            <a:schemeClr val="accent1"/>
+          </a:fillRef>
+          <a:effectRef idx="0">
+            <a:schemeClr val="accent1"/>
+          </a:effectRef>
+          <a:fontRef idx="minor">
+            <a:schemeClr val="lt1"/>
+          </a:fontRef>
+        </p:style>
+        <p:txBody>
+          <a:bodyPr rtlCol="0" anchor="ctr"/>
+          <a:lstStyle/>
+          <a:p>
+            <a:pPr algn="ctr"/>
+            <a:endParaRPr lang="en-US" sz="1200"/>
+          </a:p>
+        </p:txBody>
+      </p:sp>
+      <p:graphicFrame>
+        <p:nvGraphicFramePr>
+          <p:cNvPr id="57" name="Table 56">
+            <a:extLst>
+              <a:ext uri="{FF2B5EF4-FFF2-40B4-BE49-F238E27FC236}">
+                <a16:creationId xmlns:a16="http://schemas.microsoft.com/office/drawing/2014/main" id="{3B6A3AB3-286C-4C3E-937A-90473EE57029}"/>
+              </a:ext>
+            </a:extLst>
+          </p:cNvPr>
+          <p:cNvGraphicFramePr>
+            <a:graphicFrameLocks noGrp="1"/>
+          </p:cNvGraphicFramePr>
+          <p:nvPr>
+            <p:extLst/>
+          </p:nvPr>
+        </p:nvGraphicFramePr>
+        <p:xfrm>
+          <a:off x="9278229" y="2740770"/>
+          <a:ext cx="322645" cy="518160"/>
+        </p:xfrm>
+        <a:graphic>
+          <a:graphicData uri="http://schemas.openxmlformats.org/drawingml/2006/table">
+            <a:tbl>
+              <a:tblPr firstRow="1" bandRow="1">
+                <a:tableStyleId>{284E427A-3D55-4303-BF80-6455036E1DE7}</a:tableStyleId>
+              </a:tblPr>
+              <a:tblGrid>
+                <a:gridCol w="322645">
+                  <a:extLst>
+                    <a:ext uri="{9D8B030D-6E8A-4147-A177-3AD203B41FA5}">
+                      <a16:colId xmlns:a16="http://schemas.microsoft.com/office/drawing/2014/main" val="3388713200"/>
+                    </a:ext>
+                  </a:extLst>
+                </a:gridCol>
+              </a:tblGrid>
+              <a:tr h="0">
+                <a:tc>
+                  <a:txBody>
+                    <a:bodyPr/>
+                    <a:lstStyle/>
+                    <a:p>
+                      <a:pPr algn="ctr"/>
+                      <a:r>
+                        <a:rPr lang="en-US" sz="1100" dirty="0"/>
+                        <a:t>Y</a:t>
+                      </a:r>
+                    </a:p>
+                  </a:txBody>
+                  <a:tcPr/>
+                </a:tc>
+                <a:extLst>
+                  <a:ext uri="{0D108BD9-81ED-4DB2-BD59-A6C34878D82A}">
+                    <a16:rowId xmlns:a16="http://schemas.microsoft.com/office/drawing/2014/main" val="3840290834"/>
+                  </a:ext>
+                </a:extLst>
+              </a:tr>
+              <a:tr h="0">
+                <a:tc>
+                  <a:txBody>
+                    <a:bodyPr/>
+                    <a:lstStyle/>
+                    <a:p>
+                      <a:endParaRPr lang="en-US" sz="1100" dirty="0"/>
+                    </a:p>
+                  </a:txBody>
+                  <a:tcPr/>
+                </a:tc>
+                <a:extLst>
+                  <a:ext uri="{0D108BD9-81ED-4DB2-BD59-A6C34878D82A}">
+                    <a16:rowId xmlns:a16="http://schemas.microsoft.com/office/drawing/2014/main" val="3022081642"/>
+                  </a:ext>
+                </a:extLst>
+              </a:tr>
+            </a:tbl>
+          </a:graphicData>
+        </a:graphic>
+      </p:graphicFrame>
+      <p:sp>
+        <p:nvSpPr>
+          <p:cNvPr id="58" name="TextBox 57">
+            <a:extLst>
+              <a:ext uri="{FF2B5EF4-FFF2-40B4-BE49-F238E27FC236}">
+                <a16:creationId xmlns:a16="http://schemas.microsoft.com/office/drawing/2014/main" id="{A89BD32C-64BA-4793-B6B9-E81485186A4C}"/>
+              </a:ext>
+            </a:extLst>
+          </p:cNvPr>
+          <p:cNvSpPr txBox="1"/>
+          <p:nvPr/>
+        </p:nvSpPr>
+        <p:spPr>
+          <a:xfrm>
+            <a:off x="9126948" y="2463021"/>
+            <a:ext cx="614399" cy="276999"/>
+          </a:xfrm>
+          <a:prstGeom prst="rect">
+            <a:avLst/>
+          </a:prstGeom>
+          <a:noFill/>
+        </p:spPr>
+        <p:txBody>
+          <a:bodyPr wrap="none" rtlCol="0">
+            <a:spAutoFit/>
+          </a:bodyPr>
+          <a:lstStyle/>
+          <a:p>
+            <a:r>
+              <a:rPr lang="en-US" sz="1200" dirty="0" err="1"/>
+              <a:t>test_Y</a:t>
+            </a:r>
+            <a:r>
+              <a:rPr lang="en-US" sz="1200" dirty="0"/>
+              <a:t>’</a:t>
+            </a:r>
+          </a:p>
+        </p:txBody>
+      </p:sp>
+      <p:cxnSp>
+        <p:nvCxnSpPr>
+          <p:cNvPr id="59" name="Straight Arrow Connector 58">
+            <a:extLst>
+              <a:ext uri="{FF2B5EF4-FFF2-40B4-BE49-F238E27FC236}">
+                <a16:creationId xmlns:a16="http://schemas.microsoft.com/office/drawing/2014/main" id="{44CA37DD-1929-462A-A0F6-1BDDAA1C2D72}"/>
+              </a:ext>
+            </a:extLst>
+          </p:cNvPr>
+          <p:cNvCxnSpPr>
+            <a:cxnSpLocks/>
+          </p:cNvCxnSpPr>
+          <p:nvPr/>
+        </p:nvCxnSpPr>
+        <p:spPr>
+          <a:xfrm>
+            <a:off x="8551651" y="2142932"/>
+            <a:ext cx="426386" cy="772697"/>
+          </a:xfrm>
+          <a:prstGeom prst="straightConnector1">
+            <a:avLst/>
+          </a:prstGeom>
+          <a:ln w="57150">
+            <a:tailEnd type="triangle"/>
+          </a:ln>
+        </p:spPr>
+        <p:style>
+          <a:lnRef idx="1">
+            <a:schemeClr val="accent1"/>
+          </a:lnRef>
+          <a:fillRef idx="0">
+            <a:schemeClr val="accent1"/>
+          </a:fillRef>
+          <a:effectRef idx="0">
+            <a:schemeClr val="accent1"/>
+          </a:effectRef>
+          <a:fontRef idx="minor">
+            <a:schemeClr val="tx1"/>
+          </a:fontRef>
+        </p:style>
+      </p:cxnSp>
+      <p:sp>
+        <p:nvSpPr>
+          <p:cNvPr id="66" name="Rectangle 65">
+            <a:extLst>
+              <a:ext uri="{FF2B5EF4-FFF2-40B4-BE49-F238E27FC236}">
+                <a16:creationId xmlns:a16="http://schemas.microsoft.com/office/drawing/2014/main" id="{519DD959-FE5C-4E50-A901-DE368DF158D7}"/>
+              </a:ext>
+            </a:extLst>
+          </p:cNvPr>
+          <p:cNvSpPr/>
+          <p:nvPr/>
+        </p:nvSpPr>
+        <p:spPr>
+          <a:xfrm>
+            <a:off x="10264773" y="2467431"/>
+            <a:ext cx="1211752" cy="1118604"/>
+          </a:xfrm>
+          <a:prstGeom prst="rect">
+            <a:avLst/>
+          </a:prstGeom>
+          <a:solidFill>
+            <a:schemeClr val="accent1">
+              <a:lumMod val="75000"/>
+            </a:schemeClr>
+          </a:solidFill>
+        </p:spPr>
+        <p:style>
+          <a:lnRef idx="2">
+            <a:schemeClr val="accent1">
+              <a:shade val="50000"/>
+            </a:schemeClr>
+          </a:lnRef>
+          <a:fillRef idx="1">
+            <a:schemeClr val="accent1"/>
+          </a:fillRef>
+          <a:effectRef idx="0">
+            <a:schemeClr val="accent1"/>
+          </a:effectRef>
+          <a:fontRef idx="minor">
+            <a:schemeClr val="lt1"/>
+          </a:fontRef>
+        </p:style>
+        <p:txBody>
+          <a:bodyPr rtlCol="0" anchor="ctr"/>
+          <a:lstStyle/>
+          <a:p>
+            <a:pPr algn="ctr"/>
+            <a:r>
+              <a:rPr lang="en-US" sz="1400" dirty="0">
+                <a:solidFill>
+                  <a:schemeClr val="bg1"/>
+                </a:solidFill>
+              </a:rPr>
+              <a:t>Model Performance Measurement</a:t>
+            </a:r>
+          </a:p>
+        </p:txBody>
+      </p:sp>
+      <p:cxnSp>
+        <p:nvCxnSpPr>
+          <p:cNvPr id="67" name="Straight Arrow Connector 66">
+            <a:extLst>
+              <a:ext uri="{FF2B5EF4-FFF2-40B4-BE49-F238E27FC236}">
+                <a16:creationId xmlns:a16="http://schemas.microsoft.com/office/drawing/2014/main" id="{0EE0CF74-7AE8-44DF-BDCB-84C18176082A}"/>
+              </a:ext>
+            </a:extLst>
+          </p:cNvPr>
+          <p:cNvCxnSpPr>
+            <a:cxnSpLocks/>
+          </p:cNvCxnSpPr>
+          <p:nvPr/>
+        </p:nvCxnSpPr>
+        <p:spPr>
+          <a:xfrm>
+            <a:off x="9859915" y="3020831"/>
+            <a:ext cx="315931" cy="0"/>
+          </a:xfrm>
+          <a:prstGeom prst="straightConnector1">
+            <a:avLst/>
+          </a:prstGeom>
+          <a:ln w="57150">
+            <a:tailEnd type="triangle"/>
+          </a:ln>
+        </p:spPr>
+        <p:style>
+          <a:lnRef idx="1">
+            <a:schemeClr val="accent1"/>
+          </a:lnRef>
+          <a:fillRef idx="0">
+            <a:schemeClr val="accent1"/>
+          </a:fillRef>
+          <a:effectRef idx="0">
+            <a:schemeClr val="accent1"/>
+          </a:effectRef>
+          <a:fontRef idx="minor">
+            <a:schemeClr val="tx1"/>
+          </a:fontRef>
+        </p:style>
+      </p:cxnSp>
+      <p:sp>
+        <p:nvSpPr>
+          <p:cNvPr id="68" name="TextBox 67">
+            <a:extLst>
+              <a:ext uri="{FF2B5EF4-FFF2-40B4-BE49-F238E27FC236}">
+                <a16:creationId xmlns:a16="http://schemas.microsoft.com/office/drawing/2014/main" id="{69D7B881-8734-49A6-AA64-C0CAD6DC6846}"/>
+              </a:ext>
+            </a:extLst>
+          </p:cNvPr>
+          <p:cNvSpPr txBox="1"/>
+          <p:nvPr/>
+        </p:nvSpPr>
+        <p:spPr>
+          <a:xfrm>
+            <a:off x="7118583" y="503783"/>
+            <a:ext cx="4357942" cy="276999"/>
+          </a:xfrm>
+          <a:prstGeom prst="rect">
+            <a:avLst/>
+          </a:prstGeom>
+          <a:solidFill>
+            <a:schemeClr val="bg2">
+              <a:lumMod val="90000"/>
+            </a:schemeClr>
+          </a:solidFill>
+        </p:spPr>
+        <p:txBody>
+          <a:bodyPr wrap="square" rtlCol="0">
+            <a:spAutoFit/>
+          </a:bodyPr>
+          <a:lstStyle/>
+          <a:p>
+            <a:pPr algn="ctr"/>
+            <a:r>
+              <a:rPr lang="en-US" sz="1200" dirty="0"/>
+              <a:t>Modeling</a:t>
+            </a:r>
+          </a:p>
+        </p:txBody>
+      </p:sp>
+      <p:cxnSp>
+        <p:nvCxnSpPr>
+          <p:cNvPr id="71" name="Straight Connector 70">
+            <a:extLst>
+              <a:ext uri="{FF2B5EF4-FFF2-40B4-BE49-F238E27FC236}">
+                <a16:creationId xmlns:a16="http://schemas.microsoft.com/office/drawing/2014/main" id="{9DA4DEA7-253A-4CC9-9179-4F92476EFE2B}"/>
+              </a:ext>
+            </a:extLst>
+          </p:cNvPr>
+          <p:cNvCxnSpPr>
+            <a:cxnSpLocks/>
+          </p:cNvCxnSpPr>
+          <p:nvPr/>
+        </p:nvCxnSpPr>
+        <p:spPr>
+          <a:xfrm>
+            <a:off x="165008" y="4308413"/>
+            <a:ext cx="11311517" cy="0"/>
+          </a:xfrm>
+          <a:prstGeom prst="line">
+            <a:avLst/>
+          </a:prstGeom>
+          <a:ln>
+            <a:solidFill>
+              <a:schemeClr val="bg1">
+                <a:lumMod val="50000"/>
+              </a:schemeClr>
+            </a:solidFill>
+          </a:ln>
+        </p:spPr>
+        <p:style>
+          <a:lnRef idx="1">
+            <a:schemeClr val="accent1"/>
+          </a:lnRef>
+          <a:fillRef idx="0">
+            <a:schemeClr val="accent1"/>
+          </a:fillRef>
+          <a:effectRef idx="0">
+            <a:schemeClr val="accent1"/>
+          </a:effectRef>
+          <a:fontRef idx="minor">
+            <a:schemeClr val="tx1"/>
+          </a:fontRef>
+        </p:style>
+      </p:cxnSp>
     </p:spTree>
     <p:extLst>
       <p:ext uri="{BB962C8B-B14F-4D97-AF65-F5344CB8AC3E}">
-        <p14:creationId xmlns:p14="http://schemas.microsoft.com/office/powerpoint/2010/main" val="2208090695"/>
+        <p14:creationId xmlns:p14="http://schemas.microsoft.com/office/powerpoint/2010/main" val="3284810541"/>
       </p:ext>
     </p:extLst>
   </p:cSld>

--- a/data/Presentation1.pptx
+++ b/data/Presentation1.pptx
@@ -7,6 +7,8 @@
   <p:sldIdLst>
     <p:sldId id="257" r:id="rId2"/>
     <p:sldId id="258" r:id="rId3"/>
+    <p:sldId id="259" r:id="rId4"/>
+    <p:sldId id="260" r:id="rId5"/>
   </p:sldIdLst>
   <p:sldSz cx="12192000" cy="6858000"/>
   <p:notesSz cx="6858000" cy="9144000"/>
@@ -260,7 +262,7 @@
           <a:p>
             <a:fld id="{AFCC1A98-D711-4E89-A222-B1C5DF80FA80}" type="datetimeFigureOut">
               <a:rPr lang="en-US" smtClean="0"/>
-              <a:t>6/10/2018</a:t>
+              <a:t>6/16/2018</a:t>
             </a:fld>
             <a:endParaRPr lang="en-US"/>
           </a:p>
@@ -458,7 +460,7 @@
           <a:p>
             <a:fld id="{AFCC1A98-D711-4E89-A222-B1C5DF80FA80}" type="datetimeFigureOut">
               <a:rPr lang="en-US" smtClean="0"/>
-              <a:t>6/10/2018</a:t>
+              <a:t>6/16/2018</a:t>
             </a:fld>
             <a:endParaRPr lang="en-US"/>
           </a:p>
@@ -666,7 +668,7 @@
           <a:p>
             <a:fld id="{AFCC1A98-D711-4E89-A222-B1C5DF80FA80}" type="datetimeFigureOut">
               <a:rPr lang="en-US" smtClean="0"/>
-              <a:t>6/10/2018</a:t>
+              <a:t>6/16/2018</a:t>
             </a:fld>
             <a:endParaRPr lang="en-US"/>
           </a:p>
@@ -864,7 +866,7 @@
           <a:p>
             <a:fld id="{AFCC1A98-D711-4E89-A222-B1C5DF80FA80}" type="datetimeFigureOut">
               <a:rPr lang="en-US" smtClean="0"/>
-              <a:t>6/10/2018</a:t>
+              <a:t>6/16/2018</a:t>
             </a:fld>
             <a:endParaRPr lang="en-US"/>
           </a:p>
@@ -1139,7 +1141,7 @@
           <a:p>
             <a:fld id="{AFCC1A98-D711-4E89-A222-B1C5DF80FA80}" type="datetimeFigureOut">
               <a:rPr lang="en-US" smtClean="0"/>
-              <a:t>6/10/2018</a:t>
+              <a:t>6/16/2018</a:t>
             </a:fld>
             <a:endParaRPr lang="en-US"/>
           </a:p>
@@ -1404,7 +1406,7 @@
           <a:p>
             <a:fld id="{AFCC1A98-D711-4E89-A222-B1C5DF80FA80}" type="datetimeFigureOut">
               <a:rPr lang="en-US" smtClean="0"/>
-              <a:t>6/10/2018</a:t>
+              <a:t>6/16/2018</a:t>
             </a:fld>
             <a:endParaRPr lang="en-US"/>
           </a:p>
@@ -1816,7 +1818,7 @@
           <a:p>
             <a:fld id="{AFCC1A98-D711-4E89-A222-B1C5DF80FA80}" type="datetimeFigureOut">
               <a:rPr lang="en-US" smtClean="0"/>
-              <a:t>6/10/2018</a:t>
+              <a:t>6/16/2018</a:t>
             </a:fld>
             <a:endParaRPr lang="en-US"/>
           </a:p>
@@ -1957,7 +1959,7 @@
           <a:p>
             <a:fld id="{AFCC1A98-D711-4E89-A222-B1C5DF80FA80}" type="datetimeFigureOut">
               <a:rPr lang="en-US" smtClean="0"/>
-              <a:t>6/10/2018</a:t>
+              <a:t>6/16/2018</a:t>
             </a:fld>
             <a:endParaRPr lang="en-US"/>
           </a:p>
@@ -2070,7 +2072,7 @@
           <a:p>
             <a:fld id="{AFCC1A98-D711-4E89-A222-B1C5DF80FA80}" type="datetimeFigureOut">
               <a:rPr lang="en-US" smtClean="0"/>
-              <a:t>6/10/2018</a:t>
+              <a:t>6/16/2018</a:t>
             </a:fld>
             <a:endParaRPr lang="en-US"/>
           </a:p>
@@ -2381,7 +2383,7 @@
           <a:p>
             <a:fld id="{AFCC1A98-D711-4E89-A222-B1C5DF80FA80}" type="datetimeFigureOut">
               <a:rPr lang="en-US" smtClean="0"/>
-              <a:t>6/10/2018</a:t>
+              <a:t>6/16/2018</a:t>
             </a:fld>
             <a:endParaRPr lang="en-US"/>
           </a:p>
@@ -2669,7 +2671,7 @@
           <a:p>
             <a:fld id="{AFCC1A98-D711-4E89-A222-B1C5DF80FA80}" type="datetimeFigureOut">
               <a:rPr lang="en-US" smtClean="0"/>
-              <a:t>6/10/2018</a:t>
+              <a:t>6/16/2018</a:t>
             </a:fld>
             <a:endParaRPr lang="en-US"/>
           </a:p>
@@ -2910,7 +2912,7 @@
           <a:p>
             <a:fld id="{AFCC1A98-D711-4E89-A222-B1C5DF80FA80}" type="datetimeFigureOut">
               <a:rPr lang="en-US" smtClean="0"/>
-              <a:t>6/10/2018</a:t>
+              <a:t>6/16/2018</a:t>
             </a:fld>
             <a:endParaRPr lang="en-US"/>
           </a:p>
@@ -3797,7 +3799,7 @@
                     <a:lstStyle/>
                     <a:p>
                       <a:pPr algn="ctr"/>
-                      <a:endParaRPr lang="en-US" sz="1100"/>
+                      <a:endParaRPr lang="en-US" sz="1100" dirty="0"/>
                     </a:p>
                   </a:txBody>
                   <a:tcPr/>
@@ -5235,20 +5237,12 @@
           <a:p>
             <a:pPr algn="ctr"/>
             <a:r>
-              <a:rPr lang="en-US" dirty="0" err="1">
-                <a:solidFill>
-                  <a:schemeClr val="bg1"/>
-                </a:solidFill>
-              </a:rPr>
-              <a:t>sklearn</a:t>
-            </a:r>
-            <a:r>
               <a:rPr lang="en-US" dirty="0">
                 <a:solidFill>
                   <a:schemeClr val="bg1"/>
                 </a:solidFill>
               </a:rPr>
-              <a:t>: splitting data for machine learning</a:t>
+              <a:t>sklearn: splitting data for machine learning</a:t>
             </a:r>
           </a:p>
         </p:txBody>
@@ -10223,20 +10217,12 @@
           <a:p>
             <a:pPr algn="ctr"/>
             <a:r>
-              <a:rPr lang="en-US" dirty="0" err="1">
-                <a:solidFill>
-                  <a:schemeClr val="bg1"/>
-                </a:solidFill>
-              </a:rPr>
-              <a:t>sklearn</a:t>
-            </a:r>
-            <a:r>
               <a:rPr lang="en-US" dirty="0">
                 <a:solidFill>
                   <a:schemeClr val="bg1"/>
                 </a:solidFill>
               </a:rPr>
-              <a:t>: splitting data for machine learning</a:t>
+              <a:t>sklearn: splitting data for machine learning</a:t>
             </a:r>
           </a:p>
         </p:txBody>
@@ -11255,6 +11241,3268 @@
     <p:extLst>
       <p:ext uri="{BB962C8B-B14F-4D97-AF65-F5344CB8AC3E}">
         <p14:creationId xmlns:p14="http://schemas.microsoft.com/office/powerpoint/2010/main" val="3284810541"/>
+      </p:ext>
+    </p:extLst>
+  </p:cSld>
+  <p:clrMapOvr>
+    <a:masterClrMapping/>
+  </p:clrMapOvr>
+</p:sld>
+</file>
+
+<file path=ppt/slides/slide3.xml><?xml version="1.0" encoding="utf-8"?>
+<p:sld xmlns:a="http://schemas.openxmlformats.org/drawingml/2006/main" xmlns:r="http://schemas.openxmlformats.org/officeDocument/2006/relationships" xmlns:p="http://schemas.openxmlformats.org/presentationml/2006/main">
+  <p:cSld>
+    <p:spTree>
+      <p:nvGrpSpPr>
+        <p:cNvPr id="1" name=""/>
+        <p:cNvGrpSpPr/>
+        <p:nvPr/>
+      </p:nvGrpSpPr>
+      <p:grpSpPr>
+        <a:xfrm>
+          <a:off x="0" y="0"/>
+          <a:ext cx="0" cy="0"/>
+          <a:chOff x="0" y="0"/>
+          <a:chExt cx="0" cy="0"/>
+        </a:xfrm>
+      </p:grpSpPr>
+      <p:pic>
+        <p:nvPicPr>
+          <p:cNvPr id="3" name="Picture 2">
+            <a:extLst>
+              <a:ext uri="{FF2B5EF4-FFF2-40B4-BE49-F238E27FC236}">
+                <a16:creationId xmlns:a16="http://schemas.microsoft.com/office/drawing/2014/main" id="{0B128F1D-7C40-4577-A11B-9E96AA7FB983}"/>
+              </a:ext>
+            </a:extLst>
+          </p:cNvPr>
+          <p:cNvPicPr>
+            <a:picLocks noChangeAspect="1"/>
+          </p:cNvPicPr>
+          <p:nvPr/>
+        </p:nvPicPr>
+        <p:blipFill>
+          <a:blip r:embed="rId2">
+            <a:extLst>
+              <a:ext uri="{28A0092B-C50C-407E-A947-70E740481C1C}">
+                <a14:useLocalDpi xmlns:a14="http://schemas.microsoft.com/office/drawing/2010/main" val="0"/>
+              </a:ext>
+            </a:extLst>
+          </a:blip>
+          <a:stretch>
+            <a:fillRect/>
+          </a:stretch>
+        </p:blipFill>
+        <p:spPr>
+          <a:xfrm>
+            <a:off x="346395" y="520941"/>
+            <a:ext cx="9091220" cy="6129686"/>
+          </a:xfrm>
+          <a:prstGeom prst="rect">
+            <a:avLst/>
+          </a:prstGeom>
+        </p:spPr>
+      </p:pic>
+      <p:sp>
+        <p:nvSpPr>
+          <p:cNvPr id="10" name="TextBox 9">
+            <a:extLst>
+              <a:ext uri="{FF2B5EF4-FFF2-40B4-BE49-F238E27FC236}">
+                <a16:creationId xmlns:a16="http://schemas.microsoft.com/office/drawing/2014/main" id="{96566291-A529-4599-9526-A7AEA61878C6}"/>
+              </a:ext>
+            </a:extLst>
+          </p:cNvPr>
+          <p:cNvSpPr txBox="1"/>
+          <p:nvPr/>
+        </p:nvSpPr>
+        <p:spPr>
+          <a:xfrm>
+            <a:off x="2271825" y="1426129"/>
+            <a:ext cx="1578722" cy="400110"/>
+          </a:xfrm>
+          <a:prstGeom prst="rect">
+            <a:avLst/>
+          </a:prstGeom>
+          <a:solidFill>
+            <a:srgbClr val="FF0000"/>
+          </a:solidFill>
+        </p:spPr>
+        <p:txBody>
+          <a:bodyPr wrap="square" rtlCol="0">
+            <a:spAutoFit/>
+          </a:bodyPr>
+          <a:lstStyle/>
+          <a:p>
+            <a:pPr algn="ctr"/>
+            <a:r>
+              <a:rPr lang="en-US" sz="2000" dirty="0">
+                <a:solidFill>
+                  <a:schemeClr val="bg1"/>
+                </a:solidFill>
+              </a:rPr>
+              <a:t>Underfitting</a:t>
+            </a:r>
+          </a:p>
+        </p:txBody>
+      </p:sp>
+      <p:sp>
+        <p:nvSpPr>
+          <p:cNvPr id="60" name="TextBox 59">
+            <a:extLst>
+              <a:ext uri="{FF2B5EF4-FFF2-40B4-BE49-F238E27FC236}">
+                <a16:creationId xmlns:a16="http://schemas.microsoft.com/office/drawing/2014/main" id="{FCBFFE06-E5F3-48EF-BBB6-68037A11F09C}"/>
+              </a:ext>
+            </a:extLst>
+          </p:cNvPr>
+          <p:cNvSpPr txBox="1"/>
+          <p:nvPr/>
+        </p:nvSpPr>
+        <p:spPr>
+          <a:xfrm>
+            <a:off x="7273061" y="5202573"/>
+            <a:ext cx="1392767" cy="400110"/>
+          </a:xfrm>
+          <a:prstGeom prst="rect">
+            <a:avLst/>
+          </a:prstGeom>
+          <a:solidFill>
+            <a:srgbClr val="FF0000"/>
+          </a:solidFill>
+        </p:spPr>
+        <p:txBody>
+          <a:bodyPr wrap="square" rtlCol="0">
+            <a:spAutoFit/>
+          </a:bodyPr>
+          <a:lstStyle/>
+          <a:p>
+            <a:pPr algn="ctr"/>
+            <a:r>
+              <a:rPr lang="en-US" sz="2000" dirty="0">
+                <a:solidFill>
+                  <a:schemeClr val="bg1"/>
+                </a:solidFill>
+              </a:rPr>
+              <a:t>Overfitting</a:t>
+            </a:r>
+          </a:p>
+        </p:txBody>
+      </p:sp>
+      <p:sp>
+        <p:nvSpPr>
+          <p:cNvPr id="62" name="TextBox 61">
+            <a:extLst>
+              <a:ext uri="{FF2B5EF4-FFF2-40B4-BE49-F238E27FC236}">
+                <a16:creationId xmlns:a16="http://schemas.microsoft.com/office/drawing/2014/main" id="{F8778AA4-F702-4EF0-91CC-A7E229D324EC}"/>
+              </a:ext>
+            </a:extLst>
+          </p:cNvPr>
+          <p:cNvSpPr txBox="1"/>
+          <p:nvPr/>
+        </p:nvSpPr>
+        <p:spPr>
+          <a:xfrm>
+            <a:off x="3465682" y="3677175"/>
+            <a:ext cx="1392767" cy="707886"/>
+          </a:xfrm>
+          <a:prstGeom prst="rect">
+            <a:avLst/>
+          </a:prstGeom>
+          <a:solidFill>
+            <a:schemeClr val="accent6">
+              <a:lumMod val="50000"/>
+            </a:schemeClr>
+          </a:solidFill>
+        </p:spPr>
+        <p:txBody>
+          <a:bodyPr wrap="square" rtlCol="0">
+            <a:spAutoFit/>
+          </a:bodyPr>
+          <a:lstStyle/>
+          <a:p>
+            <a:pPr algn="ctr"/>
+            <a:r>
+              <a:rPr lang="en-US" sz="2000" dirty="0">
+                <a:solidFill>
+                  <a:schemeClr val="bg1"/>
+                </a:solidFill>
+              </a:rPr>
+              <a:t>Goldilocks Zone</a:t>
+            </a:r>
+          </a:p>
+        </p:txBody>
+      </p:sp>
+      <p:sp>
+        <p:nvSpPr>
+          <p:cNvPr id="12" name="Rectangle 11">
+            <a:extLst>
+              <a:ext uri="{FF2B5EF4-FFF2-40B4-BE49-F238E27FC236}">
+                <a16:creationId xmlns:a16="http://schemas.microsoft.com/office/drawing/2014/main" id="{25B53686-BCFF-456A-9F03-E58A7B456882}"/>
+              </a:ext>
+            </a:extLst>
+          </p:cNvPr>
+          <p:cNvSpPr/>
+          <p:nvPr/>
+        </p:nvSpPr>
+        <p:spPr>
+          <a:xfrm>
+            <a:off x="4238886" y="4496499"/>
+            <a:ext cx="1021011" cy="1224793"/>
+          </a:xfrm>
+          <a:prstGeom prst="rect">
+            <a:avLst/>
+          </a:prstGeom>
+          <a:noFill/>
+          <a:ln w="38100">
+            <a:solidFill>
+              <a:schemeClr val="accent4">
+                <a:lumMod val="75000"/>
+              </a:schemeClr>
+            </a:solidFill>
+            <a:prstDash val="solid"/>
+          </a:ln>
+        </p:spPr>
+        <p:style>
+          <a:lnRef idx="2">
+            <a:schemeClr val="accent1">
+              <a:shade val="50000"/>
+            </a:schemeClr>
+          </a:lnRef>
+          <a:fillRef idx="1">
+            <a:schemeClr val="accent1"/>
+          </a:fillRef>
+          <a:effectRef idx="0">
+            <a:schemeClr val="accent1"/>
+          </a:effectRef>
+          <a:fontRef idx="minor">
+            <a:schemeClr val="lt1"/>
+          </a:fontRef>
+        </p:style>
+        <p:txBody>
+          <a:bodyPr rtlCol="0" anchor="ctr"/>
+          <a:lstStyle/>
+          <a:p>
+            <a:pPr algn="ctr"/>
+            <a:endParaRPr lang="en-US"/>
+          </a:p>
+        </p:txBody>
+      </p:sp>
+      <p:sp>
+        <p:nvSpPr>
+          <p:cNvPr id="63" name="Rectangle 62">
+            <a:extLst>
+              <a:ext uri="{FF2B5EF4-FFF2-40B4-BE49-F238E27FC236}">
+                <a16:creationId xmlns:a16="http://schemas.microsoft.com/office/drawing/2014/main" id="{E6917448-4E40-41EF-8A88-38525D2F314D}"/>
+              </a:ext>
+            </a:extLst>
+          </p:cNvPr>
+          <p:cNvSpPr/>
+          <p:nvPr/>
+        </p:nvSpPr>
+        <p:spPr>
+          <a:xfrm>
+            <a:off x="2957861" y="4496498"/>
+            <a:ext cx="1168504" cy="1224793"/>
+          </a:xfrm>
+          <a:prstGeom prst="rect">
+            <a:avLst/>
+          </a:prstGeom>
+          <a:noFill/>
+          <a:ln w="38100">
+            <a:solidFill>
+              <a:schemeClr val="accent4">
+                <a:lumMod val="75000"/>
+              </a:schemeClr>
+            </a:solidFill>
+            <a:prstDash val="solid"/>
+          </a:ln>
+        </p:spPr>
+        <p:style>
+          <a:lnRef idx="2">
+            <a:schemeClr val="accent1">
+              <a:shade val="50000"/>
+            </a:schemeClr>
+          </a:lnRef>
+          <a:fillRef idx="1">
+            <a:schemeClr val="accent1"/>
+          </a:fillRef>
+          <a:effectRef idx="0">
+            <a:schemeClr val="accent1"/>
+          </a:effectRef>
+          <a:fontRef idx="minor">
+            <a:schemeClr val="lt1"/>
+          </a:fontRef>
+        </p:style>
+        <p:txBody>
+          <a:bodyPr rtlCol="0" anchor="ctr"/>
+          <a:lstStyle/>
+          <a:p>
+            <a:pPr algn="ctr"/>
+            <a:endParaRPr lang="en-US"/>
+          </a:p>
+        </p:txBody>
+      </p:sp>
+      <p:sp>
+        <p:nvSpPr>
+          <p:cNvPr id="64" name="TextBox 63">
+            <a:extLst>
+              <a:ext uri="{FF2B5EF4-FFF2-40B4-BE49-F238E27FC236}">
+                <a16:creationId xmlns:a16="http://schemas.microsoft.com/office/drawing/2014/main" id="{318933D7-7671-44F1-8B5E-0AD5770DABD8}"/>
+              </a:ext>
+            </a:extLst>
+          </p:cNvPr>
+          <p:cNvSpPr txBox="1"/>
+          <p:nvPr/>
+        </p:nvSpPr>
+        <p:spPr>
+          <a:xfrm>
+            <a:off x="3304116" y="5279526"/>
+            <a:ext cx="1757019" cy="646331"/>
+          </a:xfrm>
+          <a:prstGeom prst="rect">
+            <a:avLst/>
+          </a:prstGeom>
+          <a:solidFill>
+            <a:schemeClr val="bg1">
+              <a:alpha val="54000"/>
+            </a:schemeClr>
+          </a:solidFill>
+        </p:spPr>
+        <p:txBody>
+          <a:bodyPr wrap="none" rtlCol="0">
+            <a:spAutoFit/>
+          </a:bodyPr>
+          <a:lstStyle/>
+          <a:p>
+            <a:r>
+              <a:rPr lang="en-US" sz="1200" b="1" dirty="0">
+                <a:solidFill>
+                  <a:srgbClr val="FF0000"/>
+                </a:solidFill>
+                <a:sym typeface="Wingdings" panose="05000000000000000000" pitchFamily="2" charset="2"/>
+              </a:rPr>
+              <a:t>Good!</a:t>
+            </a:r>
+          </a:p>
+          <a:p>
+            <a:r>
+              <a:rPr lang="en-US" sz="1200" dirty="0">
+                <a:solidFill>
+                  <a:srgbClr val="FF0000"/>
+                </a:solidFill>
+                <a:sym typeface="Wingdings" panose="05000000000000000000" pitchFamily="2" charset="2"/>
+              </a:rPr>
+              <a:t>Decrease validation Error</a:t>
+            </a:r>
+          </a:p>
+          <a:p>
+            <a:r>
+              <a:rPr lang="en-US" sz="1200" dirty="0">
+                <a:solidFill>
+                  <a:srgbClr val="FF0000"/>
+                </a:solidFill>
+                <a:sym typeface="Wingdings" panose="05000000000000000000" pitchFamily="2" charset="2"/>
+              </a:rPr>
+              <a:t>Decrease training Error</a:t>
+            </a:r>
+          </a:p>
+        </p:txBody>
+      </p:sp>
+      <p:cxnSp>
+        <p:nvCxnSpPr>
+          <p:cNvPr id="69" name="Straight Arrow Connector 68">
+            <a:extLst>
+              <a:ext uri="{FF2B5EF4-FFF2-40B4-BE49-F238E27FC236}">
+                <a16:creationId xmlns:a16="http://schemas.microsoft.com/office/drawing/2014/main" id="{CB681E57-814C-400E-A943-084D9FDB2101}"/>
+              </a:ext>
+            </a:extLst>
+          </p:cNvPr>
+          <p:cNvCxnSpPr>
+            <a:cxnSpLocks/>
+          </p:cNvCxnSpPr>
+          <p:nvPr/>
+        </p:nvCxnSpPr>
+        <p:spPr>
+          <a:xfrm>
+            <a:off x="3260511" y="5192047"/>
+            <a:ext cx="738665" cy="1"/>
+          </a:xfrm>
+          <a:prstGeom prst="straightConnector1">
+            <a:avLst/>
+          </a:prstGeom>
+          <a:ln w="76200">
+            <a:solidFill>
+              <a:srgbClr val="FF0000"/>
+            </a:solidFill>
+            <a:tailEnd type="triangle"/>
+          </a:ln>
+        </p:spPr>
+        <p:style>
+          <a:lnRef idx="1">
+            <a:schemeClr val="accent1"/>
+          </a:lnRef>
+          <a:fillRef idx="0">
+            <a:schemeClr val="accent1"/>
+          </a:fillRef>
+          <a:effectRef idx="0">
+            <a:schemeClr val="accent1"/>
+          </a:effectRef>
+          <a:fontRef idx="minor">
+            <a:schemeClr val="tx1"/>
+          </a:fontRef>
+        </p:style>
+      </p:cxnSp>
+      <p:cxnSp>
+        <p:nvCxnSpPr>
+          <p:cNvPr id="70" name="Straight Arrow Connector 69">
+            <a:extLst>
+              <a:ext uri="{FF2B5EF4-FFF2-40B4-BE49-F238E27FC236}">
+                <a16:creationId xmlns:a16="http://schemas.microsoft.com/office/drawing/2014/main" id="{0D01A2B3-E459-45AB-8E5A-2B4E3AD9BEFA}"/>
+              </a:ext>
+            </a:extLst>
+          </p:cNvPr>
+          <p:cNvCxnSpPr>
+            <a:cxnSpLocks/>
+          </p:cNvCxnSpPr>
+          <p:nvPr/>
+        </p:nvCxnSpPr>
+        <p:spPr>
+          <a:xfrm flipH="1">
+            <a:off x="4328719" y="5192047"/>
+            <a:ext cx="841512" cy="0"/>
+          </a:xfrm>
+          <a:prstGeom prst="straightConnector1">
+            <a:avLst/>
+          </a:prstGeom>
+          <a:ln w="76200">
+            <a:solidFill>
+              <a:srgbClr val="FF0000"/>
+            </a:solidFill>
+            <a:tailEnd type="triangle"/>
+          </a:ln>
+        </p:spPr>
+        <p:style>
+          <a:lnRef idx="1">
+            <a:schemeClr val="accent1"/>
+          </a:lnRef>
+          <a:fillRef idx="0">
+            <a:schemeClr val="accent1"/>
+          </a:fillRef>
+          <a:effectRef idx="0">
+            <a:schemeClr val="accent1"/>
+          </a:effectRef>
+          <a:fontRef idx="minor">
+            <a:schemeClr val="tx1"/>
+          </a:fontRef>
+        </p:style>
+      </p:cxnSp>
+    </p:spTree>
+    <p:extLst>
+      <p:ext uri="{BB962C8B-B14F-4D97-AF65-F5344CB8AC3E}">
+        <p14:creationId xmlns:p14="http://schemas.microsoft.com/office/powerpoint/2010/main" val="2049625578"/>
+      </p:ext>
+    </p:extLst>
+  </p:cSld>
+  <p:clrMapOvr>
+    <a:masterClrMapping/>
+  </p:clrMapOvr>
+</p:sld>
+</file>
+
+<file path=ppt/slides/slide4.xml><?xml version="1.0" encoding="utf-8"?>
+<p:sld xmlns:a="http://schemas.openxmlformats.org/drawingml/2006/main" xmlns:r="http://schemas.openxmlformats.org/officeDocument/2006/relationships" xmlns:p="http://schemas.openxmlformats.org/presentationml/2006/main">
+  <p:cSld>
+    <p:spTree>
+      <p:nvGrpSpPr>
+        <p:cNvPr id="1" name=""/>
+        <p:cNvGrpSpPr/>
+        <p:nvPr/>
+      </p:nvGrpSpPr>
+      <p:grpSpPr>
+        <a:xfrm>
+          <a:off x="0" y="0"/>
+          <a:ext cx="0" cy="0"/>
+          <a:chOff x="0" y="0"/>
+          <a:chExt cx="0" cy="0"/>
+        </a:xfrm>
+      </p:grpSpPr>
+      <p:sp>
+        <p:nvSpPr>
+          <p:cNvPr id="4" name="Rectangle 3">
+            <a:extLst>
+              <a:ext uri="{FF2B5EF4-FFF2-40B4-BE49-F238E27FC236}">
+                <a16:creationId xmlns:a16="http://schemas.microsoft.com/office/drawing/2014/main" id="{1624CEE1-19D3-474C-A8F8-A2D6BD106920}"/>
+              </a:ext>
+            </a:extLst>
+          </p:cNvPr>
+          <p:cNvSpPr/>
+          <p:nvPr/>
+        </p:nvSpPr>
+        <p:spPr>
+          <a:xfrm>
+            <a:off x="5410244" y="1849134"/>
+            <a:ext cx="1434508" cy="748740"/>
+          </a:xfrm>
+          <a:prstGeom prst="rect">
+            <a:avLst/>
+          </a:prstGeom>
+          <a:solidFill>
+            <a:schemeClr val="accent5">
+              <a:lumMod val="20000"/>
+              <a:lumOff val="80000"/>
+            </a:schemeClr>
+          </a:solidFill>
+          <a:ln>
+            <a:noFill/>
+          </a:ln>
+        </p:spPr>
+        <p:style>
+          <a:lnRef idx="2">
+            <a:schemeClr val="accent1">
+              <a:shade val="50000"/>
+            </a:schemeClr>
+          </a:lnRef>
+          <a:fillRef idx="1">
+            <a:schemeClr val="accent1"/>
+          </a:fillRef>
+          <a:effectRef idx="0">
+            <a:schemeClr val="accent1"/>
+          </a:effectRef>
+          <a:fontRef idx="minor">
+            <a:schemeClr val="lt1"/>
+          </a:fontRef>
+        </p:style>
+        <p:txBody>
+          <a:bodyPr rtlCol="0" anchor="t"/>
+          <a:lstStyle/>
+          <a:p>
+            <a:pPr algn="ctr"/>
+            <a:r>
+              <a:rPr lang="en-US" sz="1200" dirty="0">
+                <a:solidFill>
+                  <a:schemeClr val="tx1"/>
+                </a:solidFill>
+              </a:rPr>
+              <a:t>Validation Set</a:t>
+            </a:r>
+          </a:p>
+        </p:txBody>
+      </p:sp>
+      <p:sp>
+        <p:nvSpPr>
+          <p:cNvPr id="5" name="Rectangle 4">
+            <a:extLst>
+              <a:ext uri="{FF2B5EF4-FFF2-40B4-BE49-F238E27FC236}">
+                <a16:creationId xmlns:a16="http://schemas.microsoft.com/office/drawing/2014/main" id="{6CADFF8F-B5ED-4165-940F-CBB5018FDFA5}"/>
+              </a:ext>
+            </a:extLst>
+          </p:cNvPr>
+          <p:cNvSpPr/>
+          <p:nvPr/>
+        </p:nvSpPr>
+        <p:spPr>
+          <a:xfrm>
+            <a:off x="5410244" y="711263"/>
+            <a:ext cx="1434508" cy="1075225"/>
+          </a:xfrm>
+          <a:prstGeom prst="rect">
+            <a:avLst/>
+          </a:prstGeom>
+          <a:solidFill>
+            <a:schemeClr val="accent6">
+              <a:lumMod val="20000"/>
+              <a:lumOff val="80000"/>
+            </a:schemeClr>
+          </a:solidFill>
+          <a:ln>
+            <a:noFill/>
+          </a:ln>
+        </p:spPr>
+        <p:style>
+          <a:lnRef idx="2">
+            <a:schemeClr val="accent1">
+              <a:shade val="50000"/>
+            </a:schemeClr>
+          </a:lnRef>
+          <a:fillRef idx="1">
+            <a:schemeClr val="accent1"/>
+          </a:fillRef>
+          <a:effectRef idx="0">
+            <a:schemeClr val="accent1"/>
+          </a:effectRef>
+          <a:fontRef idx="minor">
+            <a:schemeClr val="lt1"/>
+          </a:fontRef>
+        </p:style>
+        <p:txBody>
+          <a:bodyPr rtlCol="0" anchor="t"/>
+          <a:lstStyle/>
+          <a:p>
+            <a:pPr algn="ctr"/>
+            <a:r>
+              <a:rPr lang="en-US" sz="1200" dirty="0">
+                <a:solidFill>
+                  <a:schemeClr val="tx1"/>
+                </a:solidFill>
+              </a:rPr>
+              <a:t>Training Set</a:t>
+            </a:r>
+          </a:p>
+        </p:txBody>
+      </p:sp>
+      <p:sp>
+        <p:nvSpPr>
+          <p:cNvPr id="6" name="Rectangle 5">
+            <a:extLst>
+              <a:ext uri="{FF2B5EF4-FFF2-40B4-BE49-F238E27FC236}">
+                <a16:creationId xmlns:a16="http://schemas.microsoft.com/office/drawing/2014/main" id="{C02667FD-53C2-43B9-923E-291CDDF542AF}"/>
+              </a:ext>
+            </a:extLst>
+          </p:cNvPr>
+          <p:cNvSpPr/>
+          <p:nvPr/>
+        </p:nvSpPr>
+        <p:spPr>
+          <a:xfrm>
+            <a:off x="3361129" y="698828"/>
+            <a:ext cx="1422177" cy="1896962"/>
+          </a:xfrm>
+          <a:prstGeom prst="rect">
+            <a:avLst/>
+          </a:prstGeom>
+          <a:solidFill>
+            <a:schemeClr val="accent4">
+              <a:lumMod val="20000"/>
+              <a:lumOff val="80000"/>
+            </a:schemeClr>
+          </a:solidFill>
+          <a:ln>
+            <a:noFill/>
+          </a:ln>
+        </p:spPr>
+        <p:style>
+          <a:lnRef idx="2">
+            <a:schemeClr val="accent1">
+              <a:shade val="50000"/>
+            </a:schemeClr>
+          </a:lnRef>
+          <a:fillRef idx="1">
+            <a:schemeClr val="accent1"/>
+          </a:fillRef>
+          <a:effectRef idx="0">
+            <a:schemeClr val="accent1"/>
+          </a:effectRef>
+          <a:fontRef idx="minor">
+            <a:schemeClr val="lt1"/>
+          </a:fontRef>
+        </p:style>
+        <p:txBody>
+          <a:bodyPr rtlCol="0" anchor="t"/>
+          <a:lstStyle/>
+          <a:p>
+            <a:pPr algn="ctr"/>
+            <a:r>
+              <a:rPr lang="en-US" sz="1050" dirty="0">
+                <a:solidFill>
+                  <a:schemeClr val="tx1"/>
+                </a:solidFill>
+              </a:rPr>
+              <a:t>Intermediate Set</a:t>
+            </a:r>
+          </a:p>
+        </p:txBody>
+      </p:sp>
+      <p:graphicFrame>
+        <p:nvGraphicFramePr>
+          <p:cNvPr id="7" name="Table 6">
+            <a:extLst>
+              <a:ext uri="{FF2B5EF4-FFF2-40B4-BE49-F238E27FC236}">
+                <a16:creationId xmlns:a16="http://schemas.microsoft.com/office/drawing/2014/main" id="{C34C3E20-2559-49C1-BD14-AAD685E0A3B6}"/>
+              </a:ext>
+            </a:extLst>
+          </p:cNvPr>
+          <p:cNvGraphicFramePr>
+            <a:graphicFrameLocks noGrp="1"/>
+          </p:cNvGraphicFramePr>
+          <p:nvPr>
+            <p:extLst>
+              <p:ext uri="{D42A27DB-BD31-4B8C-83A1-F6EECF244321}">
+                <p14:modId xmlns:p14="http://schemas.microsoft.com/office/powerpoint/2010/main" val="2589322425"/>
+              </p:ext>
+            </p:extLst>
+          </p:nvPr>
+        </p:nvGraphicFramePr>
+        <p:xfrm>
+          <a:off x="87520" y="758800"/>
+          <a:ext cx="1349432" cy="1295400"/>
+        </p:xfrm>
+        <a:graphic>
+          <a:graphicData uri="http://schemas.openxmlformats.org/drawingml/2006/table">
+            <a:tbl>
+              <a:tblPr firstRow="1" bandRow="1">
+                <a:tableStyleId>{5C22544A-7EE6-4342-B048-85BDC9FD1C3A}</a:tableStyleId>
+              </a:tblPr>
+              <a:tblGrid>
+                <a:gridCol w="337358">
+                  <a:extLst>
+                    <a:ext uri="{9D8B030D-6E8A-4147-A177-3AD203B41FA5}">
+                      <a16:colId xmlns:a16="http://schemas.microsoft.com/office/drawing/2014/main" val="1821465526"/>
+                    </a:ext>
+                  </a:extLst>
+                </a:gridCol>
+                <a:gridCol w="337358">
+                  <a:extLst>
+                    <a:ext uri="{9D8B030D-6E8A-4147-A177-3AD203B41FA5}">
+                      <a16:colId xmlns:a16="http://schemas.microsoft.com/office/drawing/2014/main" val="3634153550"/>
+                    </a:ext>
+                  </a:extLst>
+                </a:gridCol>
+                <a:gridCol w="337358">
+                  <a:extLst>
+                    <a:ext uri="{9D8B030D-6E8A-4147-A177-3AD203B41FA5}">
+                      <a16:colId xmlns:a16="http://schemas.microsoft.com/office/drawing/2014/main" val="372574935"/>
+                    </a:ext>
+                  </a:extLst>
+                </a:gridCol>
+                <a:gridCol w="337358">
+                  <a:extLst>
+                    <a:ext uri="{9D8B030D-6E8A-4147-A177-3AD203B41FA5}">
+                      <a16:colId xmlns:a16="http://schemas.microsoft.com/office/drawing/2014/main" val="3388713200"/>
+                    </a:ext>
+                  </a:extLst>
+                </a:gridCol>
+              </a:tblGrid>
+              <a:tr h="237607">
+                <a:tc>
+                  <a:txBody>
+                    <a:bodyPr/>
+                    <a:lstStyle/>
+                    <a:p>
+                      <a:pPr algn="ctr"/>
+                      <a:r>
+                        <a:rPr lang="en-US" sz="1100" dirty="0"/>
+                        <a:t>x1</a:t>
+                      </a:r>
+                    </a:p>
+                  </a:txBody>
+                  <a:tcPr/>
+                </a:tc>
+                <a:tc>
+                  <a:txBody>
+                    <a:bodyPr/>
+                    <a:lstStyle/>
+                    <a:p>
+                      <a:pPr algn="ctr"/>
+                      <a:r>
+                        <a:rPr lang="en-US" sz="1100" dirty="0"/>
+                        <a:t>x2</a:t>
+                      </a:r>
+                    </a:p>
+                  </a:txBody>
+                  <a:tcPr/>
+                </a:tc>
+                <a:tc>
+                  <a:txBody>
+                    <a:bodyPr/>
+                    <a:lstStyle/>
+                    <a:p>
+                      <a:pPr algn="ctr"/>
+                      <a:r>
+                        <a:rPr lang="en-US" sz="1100" dirty="0"/>
+                        <a:t>x3</a:t>
+                      </a:r>
+                    </a:p>
+                  </a:txBody>
+                  <a:tcPr/>
+                </a:tc>
+                <a:tc>
+                  <a:txBody>
+                    <a:bodyPr/>
+                    <a:lstStyle/>
+                    <a:p>
+                      <a:pPr algn="ctr"/>
+                      <a:r>
+                        <a:rPr lang="en-US" sz="1100" dirty="0"/>
+                        <a:t>Y</a:t>
+                      </a:r>
+                    </a:p>
+                  </a:txBody>
+                  <a:tcPr/>
+                </a:tc>
+                <a:extLst>
+                  <a:ext uri="{0D108BD9-81ED-4DB2-BD59-A6C34878D82A}">
+                    <a16:rowId xmlns:a16="http://schemas.microsoft.com/office/drawing/2014/main" val="3840290834"/>
+                  </a:ext>
+                </a:extLst>
+              </a:tr>
+              <a:tr h="237607">
+                <a:tc>
+                  <a:txBody>
+                    <a:bodyPr/>
+                    <a:lstStyle/>
+                    <a:p>
+                      <a:pPr algn="ctr"/>
+                      <a:endParaRPr lang="en-US" sz="1100" dirty="0"/>
+                    </a:p>
+                  </a:txBody>
+                  <a:tcPr/>
+                </a:tc>
+                <a:tc>
+                  <a:txBody>
+                    <a:bodyPr/>
+                    <a:lstStyle/>
+                    <a:p>
+                      <a:pPr algn="ctr"/>
+                      <a:endParaRPr lang="en-US" sz="1100" dirty="0"/>
+                    </a:p>
+                  </a:txBody>
+                  <a:tcPr/>
+                </a:tc>
+                <a:tc>
+                  <a:txBody>
+                    <a:bodyPr/>
+                    <a:lstStyle/>
+                    <a:p>
+                      <a:pPr algn="ctr"/>
+                      <a:endParaRPr lang="en-US" sz="1100"/>
+                    </a:p>
+                  </a:txBody>
+                  <a:tcPr/>
+                </a:tc>
+                <a:tc>
+                  <a:txBody>
+                    <a:bodyPr/>
+                    <a:lstStyle/>
+                    <a:p>
+                      <a:pPr algn="ctr"/>
+                      <a:endParaRPr lang="en-US" sz="1100"/>
+                    </a:p>
+                  </a:txBody>
+                  <a:tcPr/>
+                </a:tc>
+                <a:extLst>
+                  <a:ext uri="{0D108BD9-81ED-4DB2-BD59-A6C34878D82A}">
+                    <a16:rowId xmlns:a16="http://schemas.microsoft.com/office/drawing/2014/main" val="1371163265"/>
+                  </a:ext>
+                </a:extLst>
+              </a:tr>
+              <a:tr h="237607">
+                <a:tc>
+                  <a:txBody>
+                    <a:bodyPr/>
+                    <a:lstStyle/>
+                    <a:p>
+                      <a:pPr algn="ctr"/>
+                      <a:endParaRPr lang="en-US" sz="1100"/>
+                    </a:p>
+                  </a:txBody>
+                  <a:tcPr/>
+                </a:tc>
+                <a:tc>
+                  <a:txBody>
+                    <a:bodyPr/>
+                    <a:lstStyle/>
+                    <a:p>
+                      <a:pPr algn="ctr"/>
+                      <a:endParaRPr lang="en-US" sz="1100" dirty="0"/>
+                    </a:p>
+                  </a:txBody>
+                  <a:tcPr/>
+                </a:tc>
+                <a:tc>
+                  <a:txBody>
+                    <a:bodyPr/>
+                    <a:lstStyle/>
+                    <a:p>
+                      <a:pPr algn="ctr"/>
+                      <a:endParaRPr lang="en-US" sz="1100" dirty="0"/>
+                    </a:p>
+                  </a:txBody>
+                  <a:tcPr/>
+                </a:tc>
+                <a:tc>
+                  <a:txBody>
+                    <a:bodyPr/>
+                    <a:lstStyle/>
+                    <a:p>
+                      <a:pPr algn="ctr"/>
+                      <a:endParaRPr lang="en-US" sz="1100"/>
+                    </a:p>
+                  </a:txBody>
+                  <a:tcPr/>
+                </a:tc>
+                <a:extLst>
+                  <a:ext uri="{0D108BD9-81ED-4DB2-BD59-A6C34878D82A}">
+                    <a16:rowId xmlns:a16="http://schemas.microsoft.com/office/drawing/2014/main" val="592063086"/>
+                  </a:ext>
+                </a:extLst>
+              </a:tr>
+              <a:tr h="237607">
+                <a:tc>
+                  <a:txBody>
+                    <a:bodyPr/>
+                    <a:lstStyle/>
+                    <a:p>
+                      <a:pPr algn="ctr"/>
+                      <a:endParaRPr lang="en-US" sz="1100"/>
+                    </a:p>
+                  </a:txBody>
+                  <a:tcPr/>
+                </a:tc>
+                <a:tc>
+                  <a:txBody>
+                    <a:bodyPr/>
+                    <a:lstStyle/>
+                    <a:p>
+                      <a:pPr algn="ctr"/>
+                      <a:endParaRPr lang="en-US" sz="1100"/>
+                    </a:p>
+                  </a:txBody>
+                  <a:tcPr/>
+                </a:tc>
+                <a:tc>
+                  <a:txBody>
+                    <a:bodyPr/>
+                    <a:lstStyle/>
+                    <a:p>
+                      <a:pPr algn="ctr"/>
+                      <a:endParaRPr lang="en-US" sz="1100" dirty="0"/>
+                    </a:p>
+                  </a:txBody>
+                  <a:tcPr/>
+                </a:tc>
+                <a:tc>
+                  <a:txBody>
+                    <a:bodyPr/>
+                    <a:lstStyle/>
+                    <a:p>
+                      <a:pPr algn="ctr"/>
+                      <a:endParaRPr lang="en-US" sz="1100" dirty="0"/>
+                    </a:p>
+                  </a:txBody>
+                  <a:tcPr/>
+                </a:tc>
+                <a:extLst>
+                  <a:ext uri="{0D108BD9-81ED-4DB2-BD59-A6C34878D82A}">
+                    <a16:rowId xmlns:a16="http://schemas.microsoft.com/office/drawing/2014/main" val="3022081642"/>
+                  </a:ext>
+                </a:extLst>
+              </a:tr>
+              <a:tr h="237607">
+                <a:tc>
+                  <a:txBody>
+                    <a:bodyPr/>
+                    <a:lstStyle/>
+                    <a:p>
+                      <a:pPr algn="ctr"/>
+                      <a:endParaRPr lang="en-US" sz="1100" dirty="0"/>
+                    </a:p>
+                  </a:txBody>
+                  <a:tcPr/>
+                </a:tc>
+                <a:tc>
+                  <a:txBody>
+                    <a:bodyPr/>
+                    <a:lstStyle/>
+                    <a:p>
+                      <a:pPr algn="ctr"/>
+                      <a:endParaRPr lang="en-US" sz="1100"/>
+                    </a:p>
+                  </a:txBody>
+                  <a:tcPr/>
+                </a:tc>
+                <a:tc>
+                  <a:txBody>
+                    <a:bodyPr/>
+                    <a:lstStyle/>
+                    <a:p>
+                      <a:pPr algn="ctr"/>
+                      <a:endParaRPr lang="en-US" sz="1100" dirty="0"/>
+                    </a:p>
+                  </a:txBody>
+                  <a:tcPr/>
+                </a:tc>
+                <a:tc>
+                  <a:txBody>
+                    <a:bodyPr/>
+                    <a:lstStyle/>
+                    <a:p>
+                      <a:pPr algn="ctr"/>
+                      <a:endParaRPr lang="en-US" sz="1100" dirty="0"/>
+                    </a:p>
+                  </a:txBody>
+                  <a:tcPr/>
+                </a:tc>
+                <a:extLst>
+                  <a:ext uri="{0D108BD9-81ED-4DB2-BD59-A6C34878D82A}">
+                    <a16:rowId xmlns:a16="http://schemas.microsoft.com/office/drawing/2014/main" val="1991704269"/>
+                  </a:ext>
+                </a:extLst>
+              </a:tr>
+            </a:tbl>
+          </a:graphicData>
+        </a:graphic>
+      </p:graphicFrame>
+      <p:sp>
+        <p:nvSpPr>
+          <p:cNvPr id="8" name="TextBox 7">
+            <a:extLst>
+              <a:ext uri="{FF2B5EF4-FFF2-40B4-BE49-F238E27FC236}">
+                <a16:creationId xmlns:a16="http://schemas.microsoft.com/office/drawing/2014/main" id="{0DD13065-C7FE-455B-BB71-8E39C5219D98}"/>
+              </a:ext>
+            </a:extLst>
+          </p:cNvPr>
+          <p:cNvSpPr txBox="1"/>
+          <p:nvPr/>
+        </p:nvSpPr>
+        <p:spPr>
+          <a:xfrm>
+            <a:off x="40669" y="449588"/>
+            <a:ext cx="1101584" cy="261610"/>
+          </a:xfrm>
+          <a:prstGeom prst="rect">
+            <a:avLst/>
+          </a:prstGeom>
+          <a:noFill/>
+        </p:spPr>
+        <p:txBody>
+          <a:bodyPr wrap="none" rtlCol="0">
+            <a:spAutoFit/>
+          </a:bodyPr>
+          <a:lstStyle/>
+          <a:p>
+            <a:r>
+              <a:rPr lang="en-US" sz="1050" dirty="0"/>
+              <a:t>Original Dataset</a:t>
+            </a:r>
+          </a:p>
+        </p:txBody>
+      </p:sp>
+      <p:graphicFrame>
+        <p:nvGraphicFramePr>
+          <p:cNvPr id="9" name="Table 8">
+            <a:extLst>
+              <a:ext uri="{FF2B5EF4-FFF2-40B4-BE49-F238E27FC236}">
+                <a16:creationId xmlns:a16="http://schemas.microsoft.com/office/drawing/2014/main" id="{1CDF2F89-B887-4105-886D-9A5C0D629654}"/>
+              </a:ext>
+            </a:extLst>
+          </p:cNvPr>
+          <p:cNvGraphicFramePr>
+            <a:graphicFrameLocks noGrp="1"/>
+          </p:cNvGraphicFramePr>
+          <p:nvPr>
+            <p:extLst>
+              <p:ext uri="{D42A27DB-BD31-4B8C-83A1-F6EECF244321}">
+                <p14:modId xmlns:p14="http://schemas.microsoft.com/office/powerpoint/2010/main" val="4118484890"/>
+              </p:ext>
+            </p:extLst>
+          </p:nvPr>
+        </p:nvGraphicFramePr>
+        <p:xfrm>
+          <a:off x="3443614" y="978143"/>
+          <a:ext cx="926475" cy="1221790"/>
+        </p:xfrm>
+        <a:graphic>
+          <a:graphicData uri="http://schemas.openxmlformats.org/drawingml/2006/table">
+            <a:tbl>
+              <a:tblPr firstRow="1" bandRow="1">
+                <a:tableStyleId>{5C22544A-7EE6-4342-B048-85BDC9FD1C3A}</a:tableStyleId>
+              </a:tblPr>
+              <a:tblGrid>
+                <a:gridCol w="308825">
+                  <a:extLst>
+                    <a:ext uri="{9D8B030D-6E8A-4147-A177-3AD203B41FA5}">
+                      <a16:colId xmlns:a16="http://schemas.microsoft.com/office/drawing/2014/main" val="1821465526"/>
+                    </a:ext>
+                  </a:extLst>
+                </a:gridCol>
+                <a:gridCol w="308825">
+                  <a:extLst>
+                    <a:ext uri="{9D8B030D-6E8A-4147-A177-3AD203B41FA5}">
+                      <a16:colId xmlns:a16="http://schemas.microsoft.com/office/drawing/2014/main" val="3634153550"/>
+                    </a:ext>
+                  </a:extLst>
+                </a:gridCol>
+                <a:gridCol w="308825">
+                  <a:extLst>
+                    <a:ext uri="{9D8B030D-6E8A-4147-A177-3AD203B41FA5}">
+                      <a16:colId xmlns:a16="http://schemas.microsoft.com/office/drawing/2014/main" val="372574935"/>
+                    </a:ext>
+                  </a:extLst>
+                </a:gridCol>
+              </a:tblGrid>
+              <a:tr h="244358">
+                <a:tc>
+                  <a:txBody>
+                    <a:bodyPr/>
+                    <a:lstStyle/>
+                    <a:p>
+                      <a:pPr algn="ctr"/>
+                      <a:r>
+                        <a:rPr lang="en-US" sz="1000" dirty="0"/>
+                        <a:t>x1</a:t>
+                      </a:r>
+                    </a:p>
+                  </a:txBody>
+                  <a:tcPr/>
+                </a:tc>
+                <a:tc>
+                  <a:txBody>
+                    <a:bodyPr/>
+                    <a:lstStyle/>
+                    <a:p>
+                      <a:pPr algn="ctr"/>
+                      <a:r>
+                        <a:rPr lang="en-US" sz="1000" dirty="0"/>
+                        <a:t>x2</a:t>
+                      </a:r>
+                    </a:p>
+                  </a:txBody>
+                  <a:tcPr/>
+                </a:tc>
+                <a:tc>
+                  <a:txBody>
+                    <a:bodyPr/>
+                    <a:lstStyle/>
+                    <a:p>
+                      <a:pPr algn="ctr"/>
+                      <a:r>
+                        <a:rPr lang="en-US" sz="1000" dirty="0"/>
+                        <a:t>x3</a:t>
+                      </a:r>
+                    </a:p>
+                  </a:txBody>
+                  <a:tcPr/>
+                </a:tc>
+                <a:extLst>
+                  <a:ext uri="{0D108BD9-81ED-4DB2-BD59-A6C34878D82A}">
+                    <a16:rowId xmlns:a16="http://schemas.microsoft.com/office/drawing/2014/main" val="3840290834"/>
+                  </a:ext>
+                </a:extLst>
+              </a:tr>
+              <a:tr h="244358">
+                <a:tc>
+                  <a:txBody>
+                    <a:bodyPr/>
+                    <a:lstStyle/>
+                    <a:p>
+                      <a:pPr algn="ctr"/>
+                      <a:endParaRPr lang="en-US" sz="1000"/>
+                    </a:p>
+                  </a:txBody>
+                  <a:tcPr/>
+                </a:tc>
+                <a:tc>
+                  <a:txBody>
+                    <a:bodyPr/>
+                    <a:lstStyle/>
+                    <a:p>
+                      <a:pPr algn="ctr"/>
+                      <a:endParaRPr lang="en-US" sz="1000" dirty="0"/>
+                    </a:p>
+                  </a:txBody>
+                  <a:tcPr/>
+                </a:tc>
+                <a:tc>
+                  <a:txBody>
+                    <a:bodyPr/>
+                    <a:lstStyle/>
+                    <a:p>
+                      <a:pPr algn="ctr"/>
+                      <a:endParaRPr lang="en-US" sz="1000" dirty="0"/>
+                    </a:p>
+                  </a:txBody>
+                  <a:tcPr/>
+                </a:tc>
+                <a:extLst>
+                  <a:ext uri="{0D108BD9-81ED-4DB2-BD59-A6C34878D82A}">
+                    <a16:rowId xmlns:a16="http://schemas.microsoft.com/office/drawing/2014/main" val="1371163265"/>
+                  </a:ext>
+                </a:extLst>
+              </a:tr>
+              <a:tr h="244358">
+                <a:tc>
+                  <a:txBody>
+                    <a:bodyPr/>
+                    <a:lstStyle/>
+                    <a:p>
+                      <a:pPr algn="ctr"/>
+                      <a:endParaRPr lang="en-US" sz="1000"/>
+                    </a:p>
+                  </a:txBody>
+                  <a:tcPr/>
+                </a:tc>
+                <a:tc>
+                  <a:txBody>
+                    <a:bodyPr/>
+                    <a:lstStyle/>
+                    <a:p>
+                      <a:pPr algn="ctr"/>
+                      <a:endParaRPr lang="en-US" sz="1000" dirty="0"/>
+                    </a:p>
+                  </a:txBody>
+                  <a:tcPr/>
+                </a:tc>
+                <a:tc>
+                  <a:txBody>
+                    <a:bodyPr/>
+                    <a:lstStyle/>
+                    <a:p>
+                      <a:pPr algn="ctr"/>
+                      <a:endParaRPr lang="en-US" sz="1000" dirty="0"/>
+                    </a:p>
+                  </a:txBody>
+                  <a:tcPr/>
+                </a:tc>
+                <a:extLst>
+                  <a:ext uri="{0D108BD9-81ED-4DB2-BD59-A6C34878D82A}">
+                    <a16:rowId xmlns:a16="http://schemas.microsoft.com/office/drawing/2014/main" val="592063086"/>
+                  </a:ext>
+                </a:extLst>
+              </a:tr>
+              <a:tr h="244358">
+                <a:tc>
+                  <a:txBody>
+                    <a:bodyPr/>
+                    <a:lstStyle/>
+                    <a:p>
+                      <a:pPr algn="ctr"/>
+                      <a:endParaRPr lang="en-US" sz="1000"/>
+                    </a:p>
+                  </a:txBody>
+                  <a:tcPr/>
+                </a:tc>
+                <a:tc>
+                  <a:txBody>
+                    <a:bodyPr/>
+                    <a:lstStyle/>
+                    <a:p>
+                      <a:pPr algn="ctr"/>
+                      <a:endParaRPr lang="en-US" sz="1000"/>
+                    </a:p>
+                  </a:txBody>
+                  <a:tcPr/>
+                </a:tc>
+                <a:tc>
+                  <a:txBody>
+                    <a:bodyPr/>
+                    <a:lstStyle/>
+                    <a:p>
+                      <a:pPr algn="ctr"/>
+                      <a:endParaRPr lang="en-US" sz="1000" dirty="0"/>
+                    </a:p>
+                  </a:txBody>
+                  <a:tcPr/>
+                </a:tc>
+                <a:extLst>
+                  <a:ext uri="{0D108BD9-81ED-4DB2-BD59-A6C34878D82A}">
+                    <a16:rowId xmlns:a16="http://schemas.microsoft.com/office/drawing/2014/main" val="3022081642"/>
+                  </a:ext>
+                </a:extLst>
+              </a:tr>
+              <a:tr h="244358">
+                <a:tc>
+                  <a:txBody>
+                    <a:bodyPr/>
+                    <a:lstStyle/>
+                    <a:p>
+                      <a:pPr algn="ctr"/>
+                      <a:endParaRPr lang="en-US" sz="1000" dirty="0"/>
+                    </a:p>
+                  </a:txBody>
+                  <a:tcPr/>
+                </a:tc>
+                <a:tc>
+                  <a:txBody>
+                    <a:bodyPr/>
+                    <a:lstStyle/>
+                    <a:p>
+                      <a:pPr algn="ctr"/>
+                      <a:endParaRPr lang="en-US" sz="1000" dirty="0"/>
+                    </a:p>
+                  </a:txBody>
+                  <a:tcPr/>
+                </a:tc>
+                <a:tc>
+                  <a:txBody>
+                    <a:bodyPr/>
+                    <a:lstStyle/>
+                    <a:p>
+                      <a:pPr algn="ctr"/>
+                      <a:endParaRPr lang="en-US" sz="1000" dirty="0"/>
+                    </a:p>
+                  </a:txBody>
+                  <a:tcPr/>
+                </a:tc>
+                <a:extLst>
+                  <a:ext uri="{0D108BD9-81ED-4DB2-BD59-A6C34878D82A}">
+                    <a16:rowId xmlns:a16="http://schemas.microsoft.com/office/drawing/2014/main" val="2837385037"/>
+                  </a:ext>
+                </a:extLst>
+              </a:tr>
+            </a:tbl>
+          </a:graphicData>
+        </a:graphic>
+      </p:graphicFrame>
+      <p:graphicFrame>
+        <p:nvGraphicFramePr>
+          <p:cNvPr id="11" name="Table 10">
+            <a:extLst>
+              <a:ext uri="{FF2B5EF4-FFF2-40B4-BE49-F238E27FC236}">
+                <a16:creationId xmlns:a16="http://schemas.microsoft.com/office/drawing/2014/main" id="{1F2029BF-19EE-4560-BE3F-E572A1A4CC1B}"/>
+              </a:ext>
+            </a:extLst>
+          </p:cNvPr>
+          <p:cNvGraphicFramePr>
+            <a:graphicFrameLocks noGrp="1"/>
+          </p:cNvGraphicFramePr>
+          <p:nvPr>
+            <p:extLst>
+              <p:ext uri="{D42A27DB-BD31-4B8C-83A1-F6EECF244321}">
+                <p14:modId xmlns:p14="http://schemas.microsoft.com/office/powerpoint/2010/main" val="1809253453"/>
+              </p:ext>
+            </p:extLst>
+          </p:nvPr>
+        </p:nvGraphicFramePr>
+        <p:xfrm>
+          <a:off x="4434913" y="978143"/>
+          <a:ext cx="258282" cy="1219200"/>
+        </p:xfrm>
+        <a:graphic>
+          <a:graphicData uri="http://schemas.openxmlformats.org/drawingml/2006/table">
+            <a:tbl>
+              <a:tblPr firstRow="1" bandRow="1">
+                <a:tableStyleId>{5C22544A-7EE6-4342-B048-85BDC9FD1C3A}</a:tableStyleId>
+              </a:tblPr>
+              <a:tblGrid>
+                <a:gridCol w="258282">
+                  <a:extLst>
+                    <a:ext uri="{9D8B030D-6E8A-4147-A177-3AD203B41FA5}">
+                      <a16:colId xmlns:a16="http://schemas.microsoft.com/office/drawing/2014/main" val="3388713200"/>
+                    </a:ext>
+                  </a:extLst>
+                </a:gridCol>
+              </a:tblGrid>
+              <a:tr h="177565">
+                <a:tc>
+                  <a:txBody>
+                    <a:bodyPr/>
+                    <a:lstStyle/>
+                    <a:p>
+                      <a:r>
+                        <a:rPr lang="en-US" sz="1000" dirty="0"/>
+                        <a:t>Y</a:t>
+                      </a:r>
+                    </a:p>
+                  </a:txBody>
+                  <a:tcPr/>
+                </a:tc>
+                <a:extLst>
+                  <a:ext uri="{0D108BD9-81ED-4DB2-BD59-A6C34878D82A}">
+                    <a16:rowId xmlns:a16="http://schemas.microsoft.com/office/drawing/2014/main" val="3840290834"/>
+                  </a:ext>
+                </a:extLst>
+              </a:tr>
+              <a:tr h="177565">
+                <a:tc>
+                  <a:txBody>
+                    <a:bodyPr/>
+                    <a:lstStyle/>
+                    <a:p>
+                      <a:endParaRPr lang="en-US" sz="1000" dirty="0"/>
+                    </a:p>
+                  </a:txBody>
+                  <a:tcPr/>
+                </a:tc>
+                <a:extLst>
+                  <a:ext uri="{0D108BD9-81ED-4DB2-BD59-A6C34878D82A}">
+                    <a16:rowId xmlns:a16="http://schemas.microsoft.com/office/drawing/2014/main" val="1371163265"/>
+                  </a:ext>
+                </a:extLst>
+              </a:tr>
+              <a:tr h="177565">
+                <a:tc>
+                  <a:txBody>
+                    <a:bodyPr/>
+                    <a:lstStyle/>
+                    <a:p>
+                      <a:endParaRPr lang="en-US" sz="1000" dirty="0"/>
+                    </a:p>
+                  </a:txBody>
+                  <a:tcPr/>
+                </a:tc>
+                <a:extLst>
+                  <a:ext uri="{0D108BD9-81ED-4DB2-BD59-A6C34878D82A}">
+                    <a16:rowId xmlns:a16="http://schemas.microsoft.com/office/drawing/2014/main" val="592063086"/>
+                  </a:ext>
+                </a:extLst>
+              </a:tr>
+              <a:tr h="177565">
+                <a:tc>
+                  <a:txBody>
+                    <a:bodyPr/>
+                    <a:lstStyle/>
+                    <a:p>
+                      <a:endParaRPr lang="en-US" sz="1000" dirty="0"/>
+                    </a:p>
+                  </a:txBody>
+                  <a:tcPr/>
+                </a:tc>
+                <a:extLst>
+                  <a:ext uri="{0D108BD9-81ED-4DB2-BD59-A6C34878D82A}">
+                    <a16:rowId xmlns:a16="http://schemas.microsoft.com/office/drawing/2014/main" val="3022081642"/>
+                  </a:ext>
+                </a:extLst>
+              </a:tr>
+              <a:tr h="177565">
+                <a:tc>
+                  <a:txBody>
+                    <a:bodyPr/>
+                    <a:lstStyle/>
+                    <a:p>
+                      <a:endParaRPr lang="en-US" sz="1000" dirty="0"/>
+                    </a:p>
+                  </a:txBody>
+                  <a:tcPr/>
+                </a:tc>
+                <a:extLst>
+                  <a:ext uri="{0D108BD9-81ED-4DB2-BD59-A6C34878D82A}">
+                    <a16:rowId xmlns:a16="http://schemas.microsoft.com/office/drawing/2014/main" val="2815510711"/>
+                  </a:ext>
+                </a:extLst>
+              </a:tr>
+            </a:tbl>
+          </a:graphicData>
+        </a:graphic>
+      </p:graphicFrame>
+      <p:cxnSp>
+        <p:nvCxnSpPr>
+          <p:cNvPr id="13" name="Straight Arrow Connector 12">
+            <a:extLst>
+              <a:ext uri="{FF2B5EF4-FFF2-40B4-BE49-F238E27FC236}">
+                <a16:creationId xmlns:a16="http://schemas.microsoft.com/office/drawing/2014/main" id="{B1450A81-9E07-4FA4-98D0-84E4EB431B0B}"/>
+              </a:ext>
+            </a:extLst>
+          </p:cNvPr>
+          <p:cNvCxnSpPr>
+            <a:cxnSpLocks/>
+          </p:cNvCxnSpPr>
+          <p:nvPr/>
+        </p:nvCxnSpPr>
+        <p:spPr>
+          <a:xfrm>
+            <a:off x="2811529" y="1205273"/>
+            <a:ext cx="539300" cy="0"/>
+          </a:xfrm>
+          <a:prstGeom prst="straightConnector1">
+            <a:avLst/>
+          </a:prstGeom>
+          <a:ln w="57150">
+            <a:tailEnd type="triangle"/>
+          </a:ln>
+        </p:spPr>
+        <p:style>
+          <a:lnRef idx="1">
+            <a:schemeClr val="accent1"/>
+          </a:lnRef>
+          <a:fillRef idx="0">
+            <a:schemeClr val="accent1"/>
+          </a:fillRef>
+          <a:effectRef idx="0">
+            <a:schemeClr val="accent1"/>
+          </a:effectRef>
+          <a:fontRef idx="minor">
+            <a:schemeClr val="tx1"/>
+          </a:fontRef>
+        </p:style>
+      </p:cxnSp>
+      <p:sp>
+        <p:nvSpPr>
+          <p:cNvPr id="23" name="TextBox 22">
+            <a:extLst>
+              <a:ext uri="{FF2B5EF4-FFF2-40B4-BE49-F238E27FC236}">
+                <a16:creationId xmlns:a16="http://schemas.microsoft.com/office/drawing/2014/main" id="{C6FE43B7-C0E0-4019-B468-E92DDB3DC468}"/>
+              </a:ext>
+            </a:extLst>
+          </p:cNvPr>
+          <p:cNvSpPr txBox="1"/>
+          <p:nvPr/>
+        </p:nvSpPr>
+        <p:spPr>
+          <a:xfrm rot="16200000">
+            <a:off x="2382305" y="1831498"/>
+            <a:ext cx="1251595" cy="276999"/>
+          </a:xfrm>
+          <a:prstGeom prst="rect">
+            <a:avLst/>
+          </a:prstGeom>
+          <a:solidFill>
+            <a:schemeClr val="accent2">
+              <a:lumMod val="60000"/>
+              <a:lumOff val="40000"/>
+            </a:schemeClr>
+          </a:solidFill>
+        </p:spPr>
+        <p:txBody>
+          <a:bodyPr wrap="square" rtlCol="0">
+            <a:spAutoFit/>
+          </a:bodyPr>
+          <a:lstStyle/>
+          <a:p>
+            <a:pPr algn="ctr"/>
+            <a:r>
+              <a:rPr lang="en-US" sz="1200" dirty="0" err="1"/>
+              <a:t>train_test_split</a:t>
+            </a:r>
+            <a:r>
+              <a:rPr lang="en-US" sz="1200" dirty="0"/>
+              <a:t>()</a:t>
+            </a:r>
+          </a:p>
+        </p:txBody>
+      </p:sp>
+      <p:sp>
+        <p:nvSpPr>
+          <p:cNvPr id="30" name="Rectangle 29">
+            <a:extLst>
+              <a:ext uri="{FF2B5EF4-FFF2-40B4-BE49-F238E27FC236}">
+                <a16:creationId xmlns:a16="http://schemas.microsoft.com/office/drawing/2014/main" id="{A6399029-E34D-4D59-9A39-0C8A58A39A1D}"/>
+              </a:ext>
+            </a:extLst>
+          </p:cNvPr>
+          <p:cNvSpPr/>
+          <p:nvPr/>
+        </p:nvSpPr>
+        <p:spPr>
+          <a:xfrm>
+            <a:off x="91476" y="1031818"/>
+            <a:ext cx="1345476" cy="520101"/>
+          </a:xfrm>
+          <a:prstGeom prst="rect">
+            <a:avLst/>
+          </a:prstGeom>
+          <a:solidFill>
+            <a:schemeClr val="accent6">
+              <a:lumMod val="20000"/>
+              <a:lumOff val="80000"/>
+            </a:schemeClr>
+          </a:solidFill>
+          <a:ln>
+            <a:noFill/>
+          </a:ln>
+        </p:spPr>
+        <p:style>
+          <a:lnRef idx="2">
+            <a:schemeClr val="accent1">
+              <a:shade val="50000"/>
+            </a:schemeClr>
+          </a:lnRef>
+          <a:fillRef idx="1">
+            <a:schemeClr val="accent1"/>
+          </a:fillRef>
+          <a:effectRef idx="0">
+            <a:schemeClr val="accent1"/>
+          </a:effectRef>
+          <a:fontRef idx="minor">
+            <a:schemeClr val="lt1"/>
+          </a:fontRef>
+        </p:style>
+        <p:txBody>
+          <a:bodyPr rtlCol="0" anchor="ctr"/>
+          <a:lstStyle/>
+          <a:p>
+            <a:pPr algn="ctr"/>
+            <a:r>
+              <a:rPr lang="en-US" sz="1050" dirty="0">
+                <a:solidFill>
+                  <a:schemeClr val="tx1"/>
+                </a:solidFill>
+              </a:rPr>
+              <a:t>Training Set</a:t>
+            </a:r>
+          </a:p>
+        </p:txBody>
+      </p:sp>
+      <p:sp>
+        <p:nvSpPr>
+          <p:cNvPr id="31" name="Rectangle 30">
+            <a:extLst>
+              <a:ext uri="{FF2B5EF4-FFF2-40B4-BE49-F238E27FC236}">
+                <a16:creationId xmlns:a16="http://schemas.microsoft.com/office/drawing/2014/main" id="{EEE81208-AD77-41B9-8CDA-2214A853B7ED}"/>
+              </a:ext>
+            </a:extLst>
+          </p:cNvPr>
+          <p:cNvSpPr/>
+          <p:nvPr/>
+        </p:nvSpPr>
+        <p:spPr>
+          <a:xfrm>
+            <a:off x="87520" y="1556554"/>
+            <a:ext cx="1345476" cy="229934"/>
+          </a:xfrm>
+          <a:prstGeom prst="rect">
+            <a:avLst/>
+          </a:prstGeom>
+          <a:solidFill>
+            <a:schemeClr val="accent5">
+              <a:lumMod val="20000"/>
+              <a:lumOff val="80000"/>
+            </a:schemeClr>
+          </a:solidFill>
+          <a:ln>
+            <a:noFill/>
+          </a:ln>
+        </p:spPr>
+        <p:style>
+          <a:lnRef idx="2">
+            <a:schemeClr val="accent1">
+              <a:shade val="50000"/>
+            </a:schemeClr>
+          </a:lnRef>
+          <a:fillRef idx="1">
+            <a:schemeClr val="accent1"/>
+          </a:fillRef>
+          <a:effectRef idx="0">
+            <a:schemeClr val="accent1"/>
+          </a:effectRef>
+          <a:fontRef idx="minor">
+            <a:schemeClr val="lt1"/>
+          </a:fontRef>
+        </p:style>
+        <p:txBody>
+          <a:bodyPr rtlCol="0" anchor="ctr"/>
+          <a:lstStyle/>
+          <a:p>
+            <a:pPr algn="ctr"/>
+            <a:r>
+              <a:rPr lang="en-US" sz="1050" dirty="0">
+                <a:solidFill>
+                  <a:schemeClr val="tx1"/>
+                </a:solidFill>
+              </a:rPr>
+              <a:t>Validation Set</a:t>
+            </a:r>
+          </a:p>
+        </p:txBody>
+      </p:sp>
+      <p:sp>
+        <p:nvSpPr>
+          <p:cNvPr id="32" name="Rectangle 31">
+            <a:extLst>
+              <a:ext uri="{FF2B5EF4-FFF2-40B4-BE49-F238E27FC236}">
+                <a16:creationId xmlns:a16="http://schemas.microsoft.com/office/drawing/2014/main" id="{3B77DF39-635E-4355-AF2C-E6F75B806295}"/>
+              </a:ext>
+            </a:extLst>
+          </p:cNvPr>
+          <p:cNvSpPr/>
+          <p:nvPr/>
+        </p:nvSpPr>
+        <p:spPr>
+          <a:xfrm>
+            <a:off x="81338" y="1786488"/>
+            <a:ext cx="1345476" cy="229934"/>
+          </a:xfrm>
+          <a:prstGeom prst="rect">
+            <a:avLst/>
+          </a:prstGeom>
+          <a:solidFill>
+            <a:schemeClr val="bg1">
+              <a:lumMod val="75000"/>
+            </a:schemeClr>
+          </a:solidFill>
+          <a:ln>
+            <a:noFill/>
+          </a:ln>
+        </p:spPr>
+        <p:style>
+          <a:lnRef idx="2">
+            <a:schemeClr val="accent1">
+              <a:shade val="50000"/>
+            </a:schemeClr>
+          </a:lnRef>
+          <a:fillRef idx="1">
+            <a:schemeClr val="accent1"/>
+          </a:fillRef>
+          <a:effectRef idx="0">
+            <a:schemeClr val="accent1"/>
+          </a:effectRef>
+          <a:fontRef idx="minor">
+            <a:schemeClr val="lt1"/>
+          </a:fontRef>
+        </p:style>
+        <p:txBody>
+          <a:bodyPr rtlCol="0" anchor="ctr"/>
+          <a:lstStyle/>
+          <a:p>
+            <a:pPr algn="ctr"/>
+            <a:r>
+              <a:rPr lang="en-US" sz="1050" dirty="0">
+                <a:solidFill>
+                  <a:schemeClr val="tx1"/>
+                </a:solidFill>
+              </a:rPr>
+              <a:t>Test/</a:t>
+            </a:r>
+            <a:r>
+              <a:rPr lang="en-US" sz="1050" dirty="0" err="1">
+                <a:solidFill>
+                  <a:schemeClr val="tx1"/>
+                </a:solidFill>
+              </a:rPr>
+              <a:t>Produc</a:t>
+            </a:r>
+            <a:r>
+              <a:rPr lang="en-US" sz="1050" dirty="0">
+                <a:solidFill>
+                  <a:schemeClr val="tx1"/>
+                </a:solidFill>
+              </a:rPr>
+              <a:t> Set</a:t>
+            </a:r>
+          </a:p>
+        </p:txBody>
+      </p:sp>
+      <p:graphicFrame>
+        <p:nvGraphicFramePr>
+          <p:cNvPr id="36" name="Table 35">
+            <a:extLst>
+              <a:ext uri="{FF2B5EF4-FFF2-40B4-BE49-F238E27FC236}">
+                <a16:creationId xmlns:a16="http://schemas.microsoft.com/office/drawing/2014/main" id="{D3154A08-C8D1-4BAB-886C-2DE05B0C2DA1}"/>
+              </a:ext>
+            </a:extLst>
+          </p:cNvPr>
+          <p:cNvGraphicFramePr>
+            <a:graphicFrameLocks noGrp="1"/>
+          </p:cNvGraphicFramePr>
+          <p:nvPr>
+            <p:extLst>
+              <p:ext uri="{D42A27DB-BD31-4B8C-83A1-F6EECF244321}">
+                <p14:modId xmlns:p14="http://schemas.microsoft.com/office/powerpoint/2010/main" val="997993247"/>
+              </p:ext>
+            </p:extLst>
+          </p:nvPr>
+        </p:nvGraphicFramePr>
+        <p:xfrm>
+          <a:off x="5500851" y="951254"/>
+          <a:ext cx="926475" cy="733074"/>
+        </p:xfrm>
+        <a:graphic>
+          <a:graphicData uri="http://schemas.openxmlformats.org/drawingml/2006/table">
+            <a:tbl>
+              <a:tblPr firstRow="1" bandRow="1">
+                <a:tableStyleId>{5C22544A-7EE6-4342-B048-85BDC9FD1C3A}</a:tableStyleId>
+              </a:tblPr>
+              <a:tblGrid>
+                <a:gridCol w="308825">
+                  <a:extLst>
+                    <a:ext uri="{9D8B030D-6E8A-4147-A177-3AD203B41FA5}">
+                      <a16:colId xmlns:a16="http://schemas.microsoft.com/office/drawing/2014/main" val="1821465526"/>
+                    </a:ext>
+                  </a:extLst>
+                </a:gridCol>
+                <a:gridCol w="308825">
+                  <a:extLst>
+                    <a:ext uri="{9D8B030D-6E8A-4147-A177-3AD203B41FA5}">
+                      <a16:colId xmlns:a16="http://schemas.microsoft.com/office/drawing/2014/main" val="3634153550"/>
+                    </a:ext>
+                  </a:extLst>
+                </a:gridCol>
+                <a:gridCol w="308825">
+                  <a:extLst>
+                    <a:ext uri="{9D8B030D-6E8A-4147-A177-3AD203B41FA5}">
+                      <a16:colId xmlns:a16="http://schemas.microsoft.com/office/drawing/2014/main" val="372574935"/>
+                    </a:ext>
+                  </a:extLst>
+                </a:gridCol>
+              </a:tblGrid>
+              <a:tr h="244358">
+                <a:tc>
+                  <a:txBody>
+                    <a:bodyPr/>
+                    <a:lstStyle/>
+                    <a:p>
+                      <a:pPr algn="ctr"/>
+                      <a:r>
+                        <a:rPr lang="en-US" sz="1000" dirty="0"/>
+                        <a:t>x1</a:t>
+                      </a:r>
+                    </a:p>
+                  </a:txBody>
+                  <a:tcPr/>
+                </a:tc>
+                <a:tc>
+                  <a:txBody>
+                    <a:bodyPr/>
+                    <a:lstStyle/>
+                    <a:p>
+                      <a:pPr algn="ctr"/>
+                      <a:r>
+                        <a:rPr lang="en-US" sz="1000" dirty="0"/>
+                        <a:t>x2</a:t>
+                      </a:r>
+                    </a:p>
+                  </a:txBody>
+                  <a:tcPr/>
+                </a:tc>
+                <a:tc>
+                  <a:txBody>
+                    <a:bodyPr/>
+                    <a:lstStyle/>
+                    <a:p>
+                      <a:pPr algn="ctr"/>
+                      <a:r>
+                        <a:rPr lang="en-US" sz="1000" dirty="0"/>
+                        <a:t>x3</a:t>
+                      </a:r>
+                    </a:p>
+                  </a:txBody>
+                  <a:tcPr/>
+                </a:tc>
+                <a:extLst>
+                  <a:ext uri="{0D108BD9-81ED-4DB2-BD59-A6C34878D82A}">
+                    <a16:rowId xmlns:a16="http://schemas.microsoft.com/office/drawing/2014/main" val="3840290834"/>
+                  </a:ext>
+                </a:extLst>
+              </a:tr>
+              <a:tr h="244358">
+                <a:tc>
+                  <a:txBody>
+                    <a:bodyPr/>
+                    <a:lstStyle/>
+                    <a:p>
+                      <a:pPr algn="ctr"/>
+                      <a:endParaRPr lang="en-US" sz="1000"/>
+                    </a:p>
+                  </a:txBody>
+                  <a:tcPr/>
+                </a:tc>
+                <a:tc>
+                  <a:txBody>
+                    <a:bodyPr/>
+                    <a:lstStyle/>
+                    <a:p>
+                      <a:pPr algn="ctr"/>
+                      <a:endParaRPr lang="en-US" sz="1000" dirty="0"/>
+                    </a:p>
+                  </a:txBody>
+                  <a:tcPr/>
+                </a:tc>
+                <a:tc>
+                  <a:txBody>
+                    <a:bodyPr/>
+                    <a:lstStyle/>
+                    <a:p>
+                      <a:pPr algn="ctr"/>
+                      <a:endParaRPr lang="en-US" sz="1000" dirty="0"/>
+                    </a:p>
+                  </a:txBody>
+                  <a:tcPr/>
+                </a:tc>
+                <a:extLst>
+                  <a:ext uri="{0D108BD9-81ED-4DB2-BD59-A6C34878D82A}">
+                    <a16:rowId xmlns:a16="http://schemas.microsoft.com/office/drawing/2014/main" val="1371163265"/>
+                  </a:ext>
+                </a:extLst>
+              </a:tr>
+              <a:tr h="244358">
+                <a:tc>
+                  <a:txBody>
+                    <a:bodyPr/>
+                    <a:lstStyle/>
+                    <a:p>
+                      <a:pPr algn="ctr"/>
+                      <a:endParaRPr lang="en-US" sz="1000"/>
+                    </a:p>
+                  </a:txBody>
+                  <a:tcPr/>
+                </a:tc>
+                <a:tc>
+                  <a:txBody>
+                    <a:bodyPr/>
+                    <a:lstStyle/>
+                    <a:p>
+                      <a:pPr algn="ctr"/>
+                      <a:endParaRPr lang="en-US" sz="1000" dirty="0"/>
+                    </a:p>
+                  </a:txBody>
+                  <a:tcPr/>
+                </a:tc>
+                <a:tc>
+                  <a:txBody>
+                    <a:bodyPr/>
+                    <a:lstStyle/>
+                    <a:p>
+                      <a:pPr algn="ctr"/>
+                      <a:endParaRPr lang="en-US" sz="1000" dirty="0"/>
+                    </a:p>
+                  </a:txBody>
+                  <a:tcPr/>
+                </a:tc>
+                <a:extLst>
+                  <a:ext uri="{0D108BD9-81ED-4DB2-BD59-A6C34878D82A}">
+                    <a16:rowId xmlns:a16="http://schemas.microsoft.com/office/drawing/2014/main" val="592063086"/>
+                  </a:ext>
+                </a:extLst>
+              </a:tr>
+            </a:tbl>
+          </a:graphicData>
+        </a:graphic>
+      </p:graphicFrame>
+      <p:graphicFrame>
+        <p:nvGraphicFramePr>
+          <p:cNvPr id="37" name="Table 36">
+            <a:extLst>
+              <a:ext uri="{FF2B5EF4-FFF2-40B4-BE49-F238E27FC236}">
+                <a16:creationId xmlns:a16="http://schemas.microsoft.com/office/drawing/2014/main" id="{837373F6-AB1B-4172-B24C-5A7B33AFA2B8}"/>
+              </a:ext>
+            </a:extLst>
+          </p:cNvPr>
+          <p:cNvGraphicFramePr>
+            <a:graphicFrameLocks noGrp="1"/>
+          </p:cNvGraphicFramePr>
+          <p:nvPr>
+            <p:extLst>
+              <p:ext uri="{D42A27DB-BD31-4B8C-83A1-F6EECF244321}">
+                <p14:modId xmlns:p14="http://schemas.microsoft.com/office/powerpoint/2010/main" val="455077503"/>
+              </p:ext>
+            </p:extLst>
+          </p:nvPr>
+        </p:nvGraphicFramePr>
+        <p:xfrm>
+          <a:off x="6492150" y="951254"/>
+          <a:ext cx="258282" cy="731520"/>
+        </p:xfrm>
+        <a:graphic>
+          <a:graphicData uri="http://schemas.openxmlformats.org/drawingml/2006/table">
+            <a:tbl>
+              <a:tblPr firstRow="1" bandRow="1">
+                <a:tableStyleId>{5C22544A-7EE6-4342-B048-85BDC9FD1C3A}</a:tableStyleId>
+              </a:tblPr>
+              <a:tblGrid>
+                <a:gridCol w="258282">
+                  <a:extLst>
+                    <a:ext uri="{9D8B030D-6E8A-4147-A177-3AD203B41FA5}">
+                      <a16:colId xmlns:a16="http://schemas.microsoft.com/office/drawing/2014/main" val="3388713200"/>
+                    </a:ext>
+                  </a:extLst>
+                </a:gridCol>
+              </a:tblGrid>
+              <a:tr h="177565">
+                <a:tc>
+                  <a:txBody>
+                    <a:bodyPr/>
+                    <a:lstStyle/>
+                    <a:p>
+                      <a:r>
+                        <a:rPr lang="en-US" sz="1000" dirty="0"/>
+                        <a:t>Y</a:t>
+                      </a:r>
+                    </a:p>
+                  </a:txBody>
+                  <a:tcPr/>
+                </a:tc>
+                <a:extLst>
+                  <a:ext uri="{0D108BD9-81ED-4DB2-BD59-A6C34878D82A}">
+                    <a16:rowId xmlns:a16="http://schemas.microsoft.com/office/drawing/2014/main" val="3840290834"/>
+                  </a:ext>
+                </a:extLst>
+              </a:tr>
+              <a:tr h="177565">
+                <a:tc>
+                  <a:txBody>
+                    <a:bodyPr/>
+                    <a:lstStyle/>
+                    <a:p>
+                      <a:endParaRPr lang="en-US" sz="1000" dirty="0"/>
+                    </a:p>
+                  </a:txBody>
+                  <a:tcPr/>
+                </a:tc>
+                <a:extLst>
+                  <a:ext uri="{0D108BD9-81ED-4DB2-BD59-A6C34878D82A}">
+                    <a16:rowId xmlns:a16="http://schemas.microsoft.com/office/drawing/2014/main" val="1371163265"/>
+                  </a:ext>
+                </a:extLst>
+              </a:tr>
+              <a:tr h="177565">
+                <a:tc>
+                  <a:txBody>
+                    <a:bodyPr/>
+                    <a:lstStyle/>
+                    <a:p>
+                      <a:endParaRPr lang="en-US" sz="1000" dirty="0"/>
+                    </a:p>
+                  </a:txBody>
+                  <a:tcPr/>
+                </a:tc>
+                <a:extLst>
+                  <a:ext uri="{0D108BD9-81ED-4DB2-BD59-A6C34878D82A}">
+                    <a16:rowId xmlns:a16="http://schemas.microsoft.com/office/drawing/2014/main" val="592063086"/>
+                  </a:ext>
+                </a:extLst>
+              </a:tr>
+            </a:tbl>
+          </a:graphicData>
+        </a:graphic>
+      </p:graphicFrame>
+      <p:cxnSp>
+        <p:nvCxnSpPr>
+          <p:cNvPr id="38" name="Straight Arrow Connector 37">
+            <a:extLst>
+              <a:ext uri="{FF2B5EF4-FFF2-40B4-BE49-F238E27FC236}">
+                <a16:creationId xmlns:a16="http://schemas.microsoft.com/office/drawing/2014/main" id="{4F1F0914-AA24-4C26-972C-590B5BAF2C89}"/>
+              </a:ext>
+            </a:extLst>
+          </p:cNvPr>
+          <p:cNvCxnSpPr>
+            <a:cxnSpLocks/>
+          </p:cNvCxnSpPr>
+          <p:nvPr/>
+        </p:nvCxnSpPr>
+        <p:spPr>
+          <a:xfrm>
+            <a:off x="4840524" y="1210526"/>
+            <a:ext cx="539300" cy="0"/>
+          </a:xfrm>
+          <a:prstGeom prst="straightConnector1">
+            <a:avLst/>
+          </a:prstGeom>
+          <a:ln w="57150">
+            <a:tailEnd type="triangle"/>
+          </a:ln>
+        </p:spPr>
+        <p:style>
+          <a:lnRef idx="1">
+            <a:schemeClr val="accent1"/>
+          </a:lnRef>
+          <a:fillRef idx="0">
+            <a:schemeClr val="accent1"/>
+          </a:fillRef>
+          <a:effectRef idx="0">
+            <a:schemeClr val="accent1"/>
+          </a:effectRef>
+          <a:fontRef idx="minor">
+            <a:schemeClr val="tx1"/>
+          </a:fontRef>
+        </p:style>
+      </p:cxnSp>
+      <p:sp>
+        <p:nvSpPr>
+          <p:cNvPr id="39" name="TextBox 38">
+            <a:extLst>
+              <a:ext uri="{FF2B5EF4-FFF2-40B4-BE49-F238E27FC236}">
+                <a16:creationId xmlns:a16="http://schemas.microsoft.com/office/drawing/2014/main" id="{6EDBC4BD-266D-4B41-9D04-D76A43F02D75}"/>
+              </a:ext>
+            </a:extLst>
+          </p:cNvPr>
+          <p:cNvSpPr txBox="1"/>
+          <p:nvPr/>
+        </p:nvSpPr>
+        <p:spPr>
+          <a:xfrm rot="16200000">
+            <a:off x="4411300" y="1836751"/>
+            <a:ext cx="1251595" cy="276999"/>
+          </a:xfrm>
+          <a:prstGeom prst="rect">
+            <a:avLst/>
+          </a:prstGeom>
+          <a:solidFill>
+            <a:schemeClr val="accent2">
+              <a:lumMod val="60000"/>
+              <a:lumOff val="40000"/>
+            </a:schemeClr>
+          </a:solidFill>
+        </p:spPr>
+        <p:txBody>
+          <a:bodyPr wrap="square" rtlCol="0">
+            <a:spAutoFit/>
+          </a:bodyPr>
+          <a:lstStyle/>
+          <a:p>
+            <a:pPr algn="ctr"/>
+            <a:r>
+              <a:rPr lang="en-US" sz="1200" dirty="0" err="1"/>
+              <a:t>train_test_split</a:t>
+            </a:r>
+            <a:r>
+              <a:rPr lang="en-US" sz="1200" dirty="0"/>
+              <a:t>()</a:t>
+            </a:r>
+          </a:p>
+        </p:txBody>
+      </p:sp>
+      <p:graphicFrame>
+        <p:nvGraphicFramePr>
+          <p:cNvPr id="40" name="Table 39">
+            <a:extLst>
+              <a:ext uri="{FF2B5EF4-FFF2-40B4-BE49-F238E27FC236}">
+                <a16:creationId xmlns:a16="http://schemas.microsoft.com/office/drawing/2014/main" id="{A45AD7A6-FEA3-45B7-89C1-A5F600B082E9}"/>
+              </a:ext>
+            </a:extLst>
+          </p:cNvPr>
+          <p:cNvGraphicFramePr>
+            <a:graphicFrameLocks noGrp="1"/>
+          </p:cNvGraphicFramePr>
+          <p:nvPr>
+            <p:extLst>
+              <p:ext uri="{D42A27DB-BD31-4B8C-83A1-F6EECF244321}">
+                <p14:modId xmlns:p14="http://schemas.microsoft.com/office/powerpoint/2010/main" val="989520814"/>
+              </p:ext>
+            </p:extLst>
+          </p:nvPr>
+        </p:nvGraphicFramePr>
+        <p:xfrm>
+          <a:off x="5506619" y="2064131"/>
+          <a:ext cx="926475" cy="488716"/>
+        </p:xfrm>
+        <a:graphic>
+          <a:graphicData uri="http://schemas.openxmlformats.org/drawingml/2006/table">
+            <a:tbl>
+              <a:tblPr firstRow="1" bandRow="1">
+                <a:tableStyleId>{5C22544A-7EE6-4342-B048-85BDC9FD1C3A}</a:tableStyleId>
+              </a:tblPr>
+              <a:tblGrid>
+                <a:gridCol w="308825">
+                  <a:extLst>
+                    <a:ext uri="{9D8B030D-6E8A-4147-A177-3AD203B41FA5}">
+                      <a16:colId xmlns:a16="http://schemas.microsoft.com/office/drawing/2014/main" val="1821465526"/>
+                    </a:ext>
+                  </a:extLst>
+                </a:gridCol>
+                <a:gridCol w="308825">
+                  <a:extLst>
+                    <a:ext uri="{9D8B030D-6E8A-4147-A177-3AD203B41FA5}">
+                      <a16:colId xmlns:a16="http://schemas.microsoft.com/office/drawing/2014/main" val="3634153550"/>
+                    </a:ext>
+                  </a:extLst>
+                </a:gridCol>
+                <a:gridCol w="308825">
+                  <a:extLst>
+                    <a:ext uri="{9D8B030D-6E8A-4147-A177-3AD203B41FA5}">
+                      <a16:colId xmlns:a16="http://schemas.microsoft.com/office/drawing/2014/main" val="372574935"/>
+                    </a:ext>
+                  </a:extLst>
+                </a:gridCol>
+              </a:tblGrid>
+              <a:tr h="244358">
+                <a:tc>
+                  <a:txBody>
+                    <a:bodyPr/>
+                    <a:lstStyle/>
+                    <a:p>
+                      <a:pPr algn="ctr"/>
+                      <a:r>
+                        <a:rPr lang="en-US" sz="1000" dirty="0"/>
+                        <a:t>x1</a:t>
+                      </a:r>
+                    </a:p>
+                  </a:txBody>
+                  <a:tcPr/>
+                </a:tc>
+                <a:tc>
+                  <a:txBody>
+                    <a:bodyPr/>
+                    <a:lstStyle/>
+                    <a:p>
+                      <a:pPr algn="ctr"/>
+                      <a:r>
+                        <a:rPr lang="en-US" sz="1000" dirty="0"/>
+                        <a:t>x2</a:t>
+                      </a:r>
+                    </a:p>
+                  </a:txBody>
+                  <a:tcPr/>
+                </a:tc>
+                <a:tc>
+                  <a:txBody>
+                    <a:bodyPr/>
+                    <a:lstStyle/>
+                    <a:p>
+                      <a:pPr algn="ctr"/>
+                      <a:r>
+                        <a:rPr lang="en-US" sz="1000" dirty="0"/>
+                        <a:t>x3</a:t>
+                      </a:r>
+                    </a:p>
+                  </a:txBody>
+                  <a:tcPr/>
+                </a:tc>
+                <a:extLst>
+                  <a:ext uri="{0D108BD9-81ED-4DB2-BD59-A6C34878D82A}">
+                    <a16:rowId xmlns:a16="http://schemas.microsoft.com/office/drawing/2014/main" val="3840290834"/>
+                  </a:ext>
+                </a:extLst>
+              </a:tr>
+              <a:tr h="244358">
+                <a:tc>
+                  <a:txBody>
+                    <a:bodyPr/>
+                    <a:lstStyle/>
+                    <a:p>
+                      <a:pPr algn="ctr"/>
+                      <a:endParaRPr lang="en-US" sz="1000" dirty="0"/>
+                    </a:p>
+                  </a:txBody>
+                  <a:tcPr/>
+                </a:tc>
+                <a:tc>
+                  <a:txBody>
+                    <a:bodyPr/>
+                    <a:lstStyle/>
+                    <a:p>
+                      <a:pPr algn="ctr"/>
+                      <a:endParaRPr lang="en-US" sz="1000" dirty="0"/>
+                    </a:p>
+                  </a:txBody>
+                  <a:tcPr/>
+                </a:tc>
+                <a:tc>
+                  <a:txBody>
+                    <a:bodyPr/>
+                    <a:lstStyle/>
+                    <a:p>
+                      <a:pPr algn="ctr"/>
+                      <a:endParaRPr lang="en-US" sz="1000" dirty="0"/>
+                    </a:p>
+                  </a:txBody>
+                  <a:tcPr/>
+                </a:tc>
+                <a:extLst>
+                  <a:ext uri="{0D108BD9-81ED-4DB2-BD59-A6C34878D82A}">
+                    <a16:rowId xmlns:a16="http://schemas.microsoft.com/office/drawing/2014/main" val="592063086"/>
+                  </a:ext>
+                </a:extLst>
+              </a:tr>
+            </a:tbl>
+          </a:graphicData>
+        </a:graphic>
+      </p:graphicFrame>
+      <p:graphicFrame>
+        <p:nvGraphicFramePr>
+          <p:cNvPr id="41" name="Table 40">
+            <a:extLst>
+              <a:ext uri="{FF2B5EF4-FFF2-40B4-BE49-F238E27FC236}">
+                <a16:creationId xmlns:a16="http://schemas.microsoft.com/office/drawing/2014/main" id="{1A427024-3C2B-43DF-B690-66E869927A66}"/>
+              </a:ext>
+            </a:extLst>
+          </p:cNvPr>
+          <p:cNvGraphicFramePr>
+            <a:graphicFrameLocks noGrp="1"/>
+          </p:cNvGraphicFramePr>
+          <p:nvPr>
+            <p:extLst>
+              <p:ext uri="{D42A27DB-BD31-4B8C-83A1-F6EECF244321}">
+                <p14:modId xmlns:p14="http://schemas.microsoft.com/office/powerpoint/2010/main" val="3380185697"/>
+              </p:ext>
+            </p:extLst>
+          </p:nvPr>
+        </p:nvGraphicFramePr>
+        <p:xfrm>
+          <a:off x="6497918" y="2064131"/>
+          <a:ext cx="258282" cy="487680"/>
+        </p:xfrm>
+        <a:graphic>
+          <a:graphicData uri="http://schemas.openxmlformats.org/drawingml/2006/table">
+            <a:tbl>
+              <a:tblPr firstRow="1" bandRow="1">
+                <a:tableStyleId>{5C22544A-7EE6-4342-B048-85BDC9FD1C3A}</a:tableStyleId>
+              </a:tblPr>
+              <a:tblGrid>
+                <a:gridCol w="258282">
+                  <a:extLst>
+                    <a:ext uri="{9D8B030D-6E8A-4147-A177-3AD203B41FA5}">
+                      <a16:colId xmlns:a16="http://schemas.microsoft.com/office/drawing/2014/main" val="3388713200"/>
+                    </a:ext>
+                  </a:extLst>
+                </a:gridCol>
+              </a:tblGrid>
+              <a:tr h="177565">
+                <a:tc>
+                  <a:txBody>
+                    <a:bodyPr/>
+                    <a:lstStyle/>
+                    <a:p>
+                      <a:r>
+                        <a:rPr lang="en-US" sz="1000" dirty="0"/>
+                        <a:t>Y</a:t>
+                      </a:r>
+                    </a:p>
+                  </a:txBody>
+                  <a:tcPr/>
+                </a:tc>
+                <a:extLst>
+                  <a:ext uri="{0D108BD9-81ED-4DB2-BD59-A6C34878D82A}">
+                    <a16:rowId xmlns:a16="http://schemas.microsoft.com/office/drawing/2014/main" val="3840290834"/>
+                  </a:ext>
+                </a:extLst>
+              </a:tr>
+              <a:tr h="177565">
+                <a:tc>
+                  <a:txBody>
+                    <a:bodyPr/>
+                    <a:lstStyle/>
+                    <a:p>
+                      <a:endParaRPr lang="en-US" sz="1000" dirty="0"/>
+                    </a:p>
+                  </a:txBody>
+                  <a:tcPr/>
+                </a:tc>
+                <a:extLst>
+                  <a:ext uri="{0D108BD9-81ED-4DB2-BD59-A6C34878D82A}">
+                    <a16:rowId xmlns:a16="http://schemas.microsoft.com/office/drawing/2014/main" val="1371163265"/>
+                  </a:ext>
+                </a:extLst>
+              </a:tr>
+            </a:tbl>
+          </a:graphicData>
+        </a:graphic>
+      </p:graphicFrame>
+      <p:sp>
+        <p:nvSpPr>
+          <p:cNvPr id="42" name="Rectangle 41">
+            <a:extLst>
+              <a:ext uri="{FF2B5EF4-FFF2-40B4-BE49-F238E27FC236}">
+                <a16:creationId xmlns:a16="http://schemas.microsoft.com/office/drawing/2014/main" id="{79501960-A44E-43E7-89E2-580F68B0BDA7}"/>
+              </a:ext>
+            </a:extLst>
+          </p:cNvPr>
+          <p:cNvSpPr/>
+          <p:nvPr/>
+        </p:nvSpPr>
+        <p:spPr>
+          <a:xfrm>
+            <a:off x="5417557" y="2674152"/>
+            <a:ext cx="1434508" cy="748740"/>
+          </a:xfrm>
+          <a:prstGeom prst="rect">
+            <a:avLst/>
+          </a:prstGeom>
+          <a:solidFill>
+            <a:schemeClr val="bg1">
+              <a:lumMod val="75000"/>
+            </a:schemeClr>
+          </a:solidFill>
+          <a:ln>
+            <a:noFill/>
+          </a:ln>
+        </p:spPr>
+        <p:style>
+          <a:lnRef idx="2">
+            <a:schemeClr val="accent1">
+              <a:shade val="50000"/>
+            </a:schemeClr>
+          </a:lnRef>
+          <a:fillRef idx="1">
+            <a:schemeClr val="accent1"/>
+          </a:fillRef>
+          <a:effectRef idx="0">
+            <a:schemeClr val="accent1"/>
+          </a:effectRef>
+          <a:fontRef idx="minor">
+            <a:schemeClr val="lt1"/>
+          </a:fontRef>
+        </p:style>
+        <p:txBody>
+          <a:bodyPr rtlCol="0" anchor="t"/>
+          <a:lstStyle/>
+          <a:p>
+            <a:pPr algn="ctr"/>
+            <a:r>
+              <a:rPr lang="en-US" sz="1050" dirty="0">
+                <a:solidFill>
+                  <a:schemeClr val="tx1"/>
+                </a:solidFill>
+              </a:rPr>
+              <a:t>Test Set</a:t>
+            </a:r>
+          </a:p>
+        </p:txBody>
+      </p:sp>
+      <p:graphicFrame>
+        <p:nvGraphicFramePr>
+          <p:cNvPr id="43" name="Table 42">
+            <a:extLst>
+              <a:ext uri="{FF2B5EF4-FFF2-40B4-BE49-F238E27FC236}">
+                <a16:creationId xmlns:a16="http://schemas.microsoft.com/office/drawing/2014/main" id="{AB612FB8-A92B-430A-8084-63E56A16902A}"/>
+              </a:ext>
+            </a:extLst>
+          </p:cNvPr>
+          <p:cNvGraphicFramePr>
+            <a:graphicFrameLocks noGrp="1"/>
+          </p:cNvGraphicFramePr>
+          <p:nvPr>
+            <p:extLst>
+              <p:ext uri="{D42A27DB-BD31-4B8C-83A1-F6EECF244321}">
+                <p14:modId xmlns:p14="http://schemas.microsoft.com/office/powerpoint/2010/main" val="2599559790"/>
+              </p:ext>
+            </p:extLst>
+          </p:nvPr>
+        </p:nvGraphicFramePr>
+        <p:xfrm>
+          <a:off x="5513932" y="2894402"/>
+          <a:ext cx="926475" cy="488716"/>
+        </p:xfrm>
+        <a:graphic>
+          <a:graphicData uri="http://schemas.openxmlformats.org/drawingml/2006/table">
+            <a:tbl>
+              <a:tblPr firstRow="1" bandRow="1">
+                <a:tableStyleId>{5C22544A-7EE6-4342-B048-85BDC9FD1C3A}</a:tableStyleId>
+              </a:tblPr>
+              <a:tblGrid>
+                <a:gridCol w="308825">
+                  <a:extLst>
+                    <a:ext uri="{9D8B030D-6E8A-4147-A177-3AD203B41FA5}">
+                      <a16:colId xmlns:a16="http://schemas.microsoft.com/office/drawing/2014/main" val="1821465526"/>
+                    </a:ext>
+                  </a:extLst>
+                </a:gridCol>
+                <a:gridCol w="308825">
+                  <a:extLst>
+                    <a:ext uri="{9D8B030D-6E8A-4147-A177-3AD203B41FA5}">
+                      <a16:colId xmlns:a16="http://schemas.microsoft.com/office/drawing/2014/main" val="3634153550"/>
+                    </a:ext>
+                  </a:extLst>
+                </a:gridCol>
+                <a:gridCol w="308825">
+                  <a:extLst>
+                    <a:ext uri="{9D8B030D-6E8A-4147-A177-3AD203B41FA5}">
+                      <a16:colId xmlns:a16="http://schemas.microsoft.com/office/drawing/2014/main" val="372574935"/>
+                    </a:ext>
+                  </a:extLst>
+                </a:gridCol>
+              </a:tblGrid>
+              <a:tr h="244358">
+                <a:tc>
+                  <a:txBody>
+                    <a:bodyPr/>
+                    <a:lstStyle/>
+                    <a:p>
+                      <a:pPr algn="ctr"/>
+                      <a:r>
+                        <a:rPr lang="en-US" sz="1000" dirty="0"/>
+                        <a:t>x1</a:t>
+                      </a:r>
+                    </a:p>
+                  </a:txBody>
+                  <a:tcPr/>
+                </a:tc>
+                <a:tc>
+                  <a:txBody>
+                    <a:bodyPr/>
+                    <a:lstStyle/>
+                    <a:p>
+                      <a:pPr algn="ctr"/>
+                      <a:r>
+                        <a:rPr lang="en-US" sz="1000" dirty="0"/>
+                        <a:t>x2</a:t>
+                      </a:r>
+                    </a:p>
+                  </a:txBody>
+                  <a:tcPr/>
+                </a:tc>
+                <a:tc>
+                  <a:txBody>
+                    <a:bodyPr/>
+                    <a:lstStyle/>
+                    <a:p>
+                      <a:pPr algn="ctr"/>
+                      <a:r>
+                        <a:rPr lang="en-US" sz="1000" dirty="0"/>
+                        <a:t>x3</a:t>
+                      </a:r>
+                    </a:p>
+                  </a:txBody>
+                  <a:tcPr/>
+                </a:tc>
+                <a:extLst>
+                  <a:ext uri="{0D108BD9-81ED-4DB2-BD59-A6C34878D82A}">
+                    <a16:rowId xmlns:a16="http://schemas.microsoft.com/office/drawing/2014/main" val="3840290834"/>
+                  </a:ext>
+                </a:extLst>
+              </a:tr>
+              <a:tr h="244358">
+                <a:tc>
+                  <a:txBody>
+                    <a:bodyPr/>
+                    <a:lstStyle/>
+                    <a:p>
+                      <a:pPr algn="ctr"/>
+                      <a:endParaRPr lang="en-US" sz="1000" dirty="0"/>
+                    </a:p>
+                  </a:txBody>
+                  <a:tcPr/>
+                </a:tc>
+                <a:tc>
+                  <a:txBody>
+                    <a:bodyPr/>
+                    <a:lstStyle/>
+                    <a:p>
+                      <a:pPr algn="ctr"/>
+                      <a:endParaRPr lang="en-US" sz="1000" dirty="0"/>
+                    </a:p>
+                  </a:txBody>
+                  <a:tcPr/>
+                </a:tc>
+                <a:tc>
+                  <a:txBody>
+                    <a:bodyPr/>
+                    <a:lstStyle/>
+                    <a:p>
+                      <a:pPr algn="ctr"/>
+                      <a:endParaRPr lang="en-US" sz="1000" dirty="0"/>
+                    </a:p>
+                  </a:txBody>
+                  <a:tcPr/>
+                </a:tc>
+                <a:extLst>
+                  <a:ext uri="{0D108BD9-81ED-4DB2-BD59-A6C34878D82A}">
+                    <a16:rowId xmlns:a16="http://schemas.microsoft.com/office/drawing/2014/main" val="592063086"/>
+                  </a:ext>
+                </a:extLst>
+              </a:tr>
+            </a:tbl>
+          </a:graphicData>
+        </a:graphic>
+      </p:graphicFrame>
+      <p:graphicFrame>
+        <p:nvGraphicFramePr>
+          <p:cNvPr id="44" name="Table 43">
+            <a:extLst>
+              <a:ext uri="{FF2B5EF4-FFF2-40B4-BE49-F238E27FC236}">
+                <a16:creationId xmlns:a16="http://schemas.microsoft.com/office/drawing/2014/main" id="{6057EC62-424C-43EB-8CD9-E9BA9DA729CD}"/>
+              </a:ext>
+            </a:extLst>
+          </p:cNvPr>
+          <p:cNvGraphicFramePr>
+            <a:graphicFrameLocks noGrp="1"/>
+          </p:cNvGraphicFramePr>
+          <p:nvPr>
+            <p:extLst>
+              <p:ext uri="{D42A27DB-BD31-4B8C-83A1-F6EECF244321}">
+                <p14:modId xmlns:p14="http://schemas.microsoft.com/office/powerpoint/2010/main" val="3312468518"/>
+              </p:ext>
+            </p:extLst>
+          </p:nvPr>
+        </p:nvGraphicFramePr>
+        <p:xfrm>
+          <a:off x="6505231" y="2894402"/>
+          <a:ext cx="258282" cy="487680"/>
+        </p:xfrm>
+        <a:graphic>
+          <a:graphicData uri="http://schemas.openxmlformats.org/drawingml/2006/table">
+            <a:tbl>
+              <a:tblPr firstRow="1" bandRow="1">
+                <a:tableStyleId>{5C22544A-7EE6-4342-B048-85BDC9FD1C3A}</a:tableStyleId>
+              </a:tblPr>
+              <a:tblGrid>
+                <a:gridCol w="258282">
+                  <a:extLst>
+                    <a:ext uri="{9D8B030D-6E8A-4147-A177-3AD203B41FA5}">
+                      <a16:colId xmlns:a16="http://schemas.microsoft.com/office/drawing/2014/main" val="3388713200"/>
+                    </a:ext>
+                  </a:extLst>
+                </a:gridCol>
+              </a:tblGrid>
+              <a:tr h="177565">
+                <a:tc>
+                  <a:txBody>
+                    <a:bodyPr/>
+                    <a:lstStyle/>
+                    <a:p>
+                      <a:r>
+                        <a:rPr lang="en-US" sz="1000" dirty="0"/>
+                        <a:t>Y</a:t>
+                      </a:r>
+                    </a:p>
+                  </a:txBody>
+                  <a:tcPr/>
+                </a:tc>
+                <a:extLst>
+                  <a:ext uri="{0D108BD9-81ED-4DB2-BD59-A6C34878D82A}">
+                    <a16:rowId xmlns:a16="http://schemas.microsoft.com/office/drawing/2014/main" val="3840290834"/>
+                  </a:ext>
+                </a:extLst>
+              </a:tr>
+              <a:tr h="177565">
+                <a:tc>
+                  <a:txBody>
+                    <a:bodyPr/>
+                    <a:lstStyle/>
+                    <a:p>
+                      <a:endParaRPr lang="en-US" sz="1000" dirty="0"/>
+                    </a:p>
+                  </a:txBody>
+                  <a:tcPr/>
+                </a:tc>
+                <a:extLst>
+                  <a:ext uri="{0D108BD9-81ED-4DB2-BD59-A6C34878D82A}">
+                    <a16:rowId xmlns:a16="http://schemas.microsoft.com/office/drawing/2014/main" val="1371163265"/>
+                  </a:ext>
+                </a:extLst>
+              </a:tr>
+            </a:tbl>
+          </a:graphicData>
+        </a:graphic>
+      </p:graphicFrame>
+      <p:sp>
+        <p:nvSpPr>
+          <p:cNvPr id="45" name="Rectangle 44">
+            <a:extLst>
+              <a:ext uri="{FF2B5EF4-FFF2-40B4-BE49-F238E27FC236}">
+                <a16:creationId xmlns:a16="http://schemas.microsoft.com/office/drawing/2014/main" id="{1A56B9EB-D7C6-49B3-B3CC-AD5813304F51}"/>
+              </a:ext>
+            </a:extLst>
+          </p:cNvPr>
+          <p:cNvSpPr/>
+          <p:nvPr/>
+        </p:nvSpPr>
+        <p:spPr>
+          <a:xfrm>
+            <a:off x="3353499" y="2674152"/>
+            <a:ext cx="1434508" cy="748740"/>
+          </a:xfrm>
+          <a:prstGeom prst="rect">
+            <a:avLst/>
+          </a:prstGeom>
+          <a:solidFill>
+            <a:schemeClr val="bg1">
+              <a:lumMod val="75000"/>
+            </a:schemeClr>
+          </a:solidFill>
+          <a:ln>
+            <a:noFill/>
+          </a:ln>
+        </p:spPr>
+        <p:style>
+          <a:lnRef idx="2">
+            <a:schemeClr val="accent1">
+              <a:shade val="50000"/>
+            </a:schemeClr>
+          </a:lnRef>
+          <a:fillRef idx="1">
+            <a:schemeClr val="accent1"/>
+          </a:fillRef>
+          <a:effectRef idx="0">
+            <a:schemeClr val="accent1"/>
+          </a:effectRef>
+          <a:fontRef idx="minor">
+            <a:schemeClr val="lt1"/>
+          </a:fontRef>
+        </p:style>
+        <p:txBody>
+          <a:bodyPr rtlCol="0" anchor="t"/>
+          <a:lstStyle/>
+          <a:p>
+            <a:pPr algn="ctr"/>
+            <a:r>
+              <a:rPr lang="en-US" sz="1050" dirty="0">
+                <a:solidFill>
+                  <a:schemeClr val="tx1"/>
+                </a:solidFill>
+              </a:rPr>
+              <a:t>Test Set</a:t>
+            </a:r>
+          </a:p>
+        </p:txBody>
+      </p:sp>
+      <p:graphicFrame>
+        <p:nvGraphicFramePr>
+          <p:cNvPr id="46" name="Table 45">
+            <a:extLst>
+              <a:ext uri="{FF2B5EF4-FFF2-40B4-BE49-F238E27FC236}">
+                <a16:creationId xmlns:a16="http://schemas.microsoft.com/office/drawing/2014/main" id="{12876933-75DA-4946-9861-48D5B8A7E47C}"/>
+              </a:ext>
+            </a:extLst>
+          </p:cNvPr>
+          <p:cNvGraphicFramePr>
+            <a:graphicFrameLocks noGrp="1"/>
+          </p:cNvGraphicFramePr>
+          <p:nvPr>
+            <p:extLst>
+              <p:ext uri="{D42A27DB-BD31-4B8C-83A1-F6EECF244321}">
+                <p14:modId xmlns:p14="http://schemas.microsoft.com/office/powerpoint/2010/main" val="3182832150"/>
+              </p:ext>
+            </p:extLst>
+          </p:nvPr>
+        </p:nvGraphicFramePr>
+        <p:xfrm>
+          <a:off x="3449874" y="2889149"/>
+          <a:ext cx="926475" cy="488716"/>
+        </p:xfrm>
+        <a:graphic>
+          <a:graphicData uri="http://schemas.openxmlformats.org/drawingml/2006/table">
+            <a:tbl>
+              <a:tblPr firstRow="1" bandRow="1">
+                <a:tableStyleId>{5C22544A-7EE6-4342-B048-85BDC9FD1C3A}</a:tableStyleId>
+              </a:tblPr>
+              <a:tblGrid>
+                <a:gridCol w="308825">
+                  <a:extLst>
+                    <a:ext uri="{9D8B030D-6E8A-4147-A177-3AD203B41FA5}">
+                      <a16:colId xmlns:a16="http://schemas.microsoft.com/office/drawing/2014/main" val="1821465526"/>
+                    </a:ext>
+                  </a:extLst>
+                </a:gridCol>
+                <a:gridCol w="308825">
+                  <a:extLst>
+                    <a:ext uri="{9D8B030D-6E8A-4147-A177-3AD203B41FA5}">
+                      <a16:colId xmlns:a16="http://schemas.microsoft.com/office/drawing/2014/main" val="3634153550"/>
+                    </a:ext>
+                  </a:extLst>
+                </a:gridCol>
+                <a:gridCol w="308825">
+                  <a:extLst>
+                    <a:ext uri="{9D8B030D-6E8A-4147-A177-3AD203B41FA5}">
+                      <a16:colId xmlns:a16="http://schemas.microsoft.com/office/drawing/2014/main" val="372574935"/>
+                    </a:ext>
+                  </a:extLst>
+                </a:gridCol>
+              </a:tblGrid>
+              <a:tr h="244358">
+                <a:tc>
+                  <a:txBody>
+                    <a:bodyPr/>
+                    <a:lstStyle/>
+                    <a:p>
+                      <a:pPr algn="ctr"/>
+                      <a:r>
+                        <a:rPr lang="en-US" sz="1000" dirty="0"/>
+                        <a:t>x1</a:t>
+                      </a:r>
+                    </a:p>
+                  </a:txBody>
+                  <a:tcPr/>
+                </a:tc>
+                <a:tc>
+                  <a:txBody>
+                    <a:bodyPr/>
+                    <a:lstStyle/>
+                    <a:p>
+                      <a:pPr algn="ctr"/>
+                      <a:r>
+                        <a:rPr lang="en-US" sz="1000" dirty="0"/>
+                        <a:t>x2</a:t>
+                      </a:r>
+                    </a:p>
+                  </a:txBody>
+                  <a:tcPr/>
+                </a:tc>
+                <a:tc>
+                  <a:txBody>
+                    <a:bodyPr/>
+                    <a:lstStyle/>
+                    <a:p>
+                      <a:pPr algn="ctr"/>
+                      <a:r>
+                        <a:rPr lang="en-US" sz="1000" dirty="0"/>
+                        <a:t>x3</a:t>
+                      </a:r>
+                    </a:p>
+                  </a:txBody>
+                  <a:tcPr/>
+                </a:tc>
+                <a:extLst>
+                  <a:ext uri="{0D108BD9-81ED-4DB2-BD59-A6C34878D82A}">
+                    <a16:rowId xmlns:a16="http://schemas.microsoft.com/office/drawing/2014/main" val="3840290834"/>
+                  </a:ext>
+                </a:extLst>
+              </a:tr>
+              <a:tr h="244358">
+                <a:tc>
+                  <a:txBody>
+                    <a:bodyPr/>
+                    <a:lstStyle/>
+                    <a:p>
+                      <a:pPr algn="ctr"/>
+                      <a:endParaRPr lang="en-US" sz="1000" dirty="0"/>
+                    </a:p>
+                  </a:txBody>
+                  <a:tcPr/>
+                </a:tc>
+                <a:tc>
+                  <a:txBody>
+                    <a:bodyPr/>
+                    <a:lstStyle/>
+                    <a:p>
+                      <a:pPr algn="ctr"/>
+                      <a:endParaRPr lang="en-US" sz="1000" dirty="0"/>
+                    </a:p>
+                  </a:txBody>
+                  <a:tcPr/>
+                </a:tc>
+                <a:tc>
+                  <a:txBody>
+                    <a:bodyPr/>
+                    <a:lstStyle/>
+                    <a:p>
+                      <a:pPr algn="ctr"/>
+                      <a:endParaRPr lang="en-US" sz="1000" dirty="0"/>
+                    </a:p>
+                  </a:txBody>
+                  <a:tcPr/>
+                </a:tc>
+                <a:extLst>
+                  <a:ext uri="{0D108BD9-81ED-4DB2-BD59-A6C34878D82A}">
+                    <a16:rowId xmlns:a16="http://schemas.microsoft.com/office/drawing/2014/main" val="592063086"/>
+                  </a:ext>
+                </a:extLst>
+              </a:tr>
+            </a:tbl>
+          </a:graphicData>
+        </a:graphic>
+      </p:graphicFrame>
+      <p:graphicFrame>
+        <p:nvGraphicFramePr>
+          <p:cNvPr id="47" name="Table 46">
+            <a:extLst>
+              <a:ext uri="{FF2B5EF4-FFF2-40B4-BE49-F238E27FC236}">
+                <a16:creationId xmlns:a16="http://schemas.microsoft.com/office/drawing/2014/main" id="{FED7A951-F243-4E37-AFC3-6B3F1B2351B1}"/>
+              </a:ext>
+            </a:extLst>
+          </p:cNvPr>
+          <p:cNvGraphicFramePr>
+            <a:graphicFrameLocks noGrp="1"/>
+          </p:cNvGraphicFramePr>
+          <p:nvPr>
+            <p:extLst>
+              <p:ext uri="{D42A27DB-BD31-4B8C-83A1-F6EECF244321}">
+                <p14:modId xmlns:p14="http://schemas.microsoft.com/office/powerpoint/2010/main" val="1105292526"/>
+              </p:ext>
+            </p:extLst>
+          </p:nvPr>
+        </p:nvGraphicFramePr>
+        <p:xfrm>
+          <a:off x="4441173" y="2889149"/>
+          <a:ext cx="258282" cy="487680"/>
+        </p:xfrm>
+        <a:graphic>
+          <a:graphicData uri="http://schemas.openxmlformats.org/drawingml/2006/table">
+            <a:tbl>
+              <a:tblPr firstRow="1" bandRow="1">
+                <a:tableStyleId>{5C22544A-7EE6-4342-B048-85BDC9FD1C3A}</a:tableStyleId>
+              </a:tblPr>
+              <a:tblGrid>
+                <a:gridCol w="258282">
+                  <a:extLst>
+                    <a:ext uri="{9D8B030D-6E8A-4147-A177-3AD203B41FA5}">
+                      <a16:colId xmlns:a16="http://schemas.microsoft.com/office/drawing/2014/main" val="3388713200"/>
+                    </a:ext>
+                  </a:extLst>
+                </a:gridCol>
+              </a:tblGrid>
+              <a:tr h="177565">
+                <a:tc>
+                  <a:txBody>
+                    <a:bodyPr/>
+                    <a:lstStyle/>
+                    <a:p>
+                      <a:r>
+                        <a:rPr lang="en-US" sz="1000" dirty="0"/>
+                        <a:t>Y</a:t>
+                      </a:r>
+                    </a:p>
+                  </a:txBody>
+                  <a:tcPr/>
+                </a:tc>
+                <a:extLst>
+                  <a:ext uri="{0D108BD9-81ED-4DB2-BD59-A6C34878D82A}">
+                    <a16:rowId xmlns:a16="http://schemas.microsoft.com/office/drawing/2014/main" val="3840290834"/>
+                  </a:ext>
+                </a:extLst>
+              </a:tr>
+              <a:tr h="177565">
+                <a:tc>
+                  <a:txBody>
+                    <a:bodyPr/>
+                    <a:lstStyle/>
+                    <a:p>
+                      <a:endParaRPr lang="en-US" sz="1000" dirty="0"/>
+                    </a:p>
+                  </a:txBody>
+                  <a:tcPr/>
+                </a:tc>
+                <a:extLst>
+                  <a:ext uri="{0D108BD9-81ED-4DB2-BD59-A6C34878D82A}">
+                    <a16:rowId xmlns:a16="http://schemas.microsoft.com/office/drawing/2014/main" val="1371163265"/>
+                  </a:ext>
+                </a:extLst>
+              </a:tr>
+            </a:tbl>
+          </a:graphicData>
+        </a:graphic>
+      </p:graphicFrame>
+      <p:sp>
+        <p:nvSpPr>
+          <p:cNvPr id="48" name="TextBox 47">
+            <a:extLst>
+              <a:ext uri="{FF2B5EF4-FFF2-40B4-BE49-F238E27FC236}">
+                <a16:creationId xmlns:a16="http://schemas.microsoft.com/office/drawing/2014/main" id="{7C6A5F8B-2D24-42C3-841F-2DFAA23E0168}"/>
+              </a:ext>
+            </a:extLst>
+          </p:cNvPr>
+          <p:cNvSpPr txBox="1"/>
+          <p:nvPr/>
+        </p:nvSpPr>
+        <p:spPr>
+          <a:xfrm>
+            <a:off x="40669" y="80256"/>
+            <a:ext cx="8255606" cy="369332"/>
+          </a:xfrm>
+          <a:prstGeom prst="rect">
+            <a:avLst/>
+          </a:prstGeom>
+          <a:solidFill>
+            <a:schemeClr val="tx1">
+              <a:lumMod val="65000"/>
+              <a:lumOff val="35000"/>
+            </a:schemeClr>
+          </a:solidFill>
+        </p:spPr>
+        <p:txBody>
+          <a:bodyPr wrap="square" rtlCol="0" anchor="ctr">
+            <a:spAutoFit/>
+          </a:bodyPr>
+          <a:lstStyle/>
+          <a:p>
+            <a:pPr algn="ctr"/>
+            <a:r>
+              <a:rPr lang="en-US" dirty="0">
+                <a:solidFill>
+                  <a:schemeClr val="bg1"/>
+                </a:solidFill>
+              </a:rPr>
+              <a:t>sklearn: splitting data for machine learning</a:t>
+            </a:r>
+          </a:p>
+        </p:txBody>
+      </p:sp>
+      <p:sp>
+        <p:nvSpPr>
+          <p:cNvPr id="50" name="Rectangle 49">
+            <a:extLst>
+              <a:ext uri="{FF2B5EF4-FFF2-40B4-BE49-F238E27FC236}">
+                <a16:creationId xmlns:a16="http://schemas.microsoft.com/office/drawing/2014/main" id="{B8C5A2D9-681A-4D08-B635-4FEB19A2406A}"/>
+              </a:ext>
+            </a:extLst>
+          </p:cNvPr>
+          <p:cNvSpPr/>
+          <p:nvPr/>
+        </p:nvSpPr>
+        <p:spPr>
+          <a:xfrm>
+            <a:off x="1854378" y="789370"/>
+            <a:ext cx="892327" cy="1295400"/>
+          </a:xfrm>
+          <a:prstGeom prst="rect">
+            <a:avLst/>
+          </a:prstGeom>
+          <a:solidFill>
+            <a:schemeClr val="accent6">
+              <a:lumMod val="75000"/>
+            </a:schemeClr>
+          </a:solidFill>
+        </p:spPr>
+        <p:style>
+          <a:lnRef idx="2">
+            <a:schemeClr val="accent1">
+              <a:shade val="50000"/>
+            </a:schemeClr>
+          </a:lnRef>
+          <a:fillRef idx="1">
+            <a:schemeClr val="accent1"/>
+          </a:fillRef>
+          <a:effectRef idx="0">
+            <a:schemeClr val="accent1"/>
+          </a:effectRef>
+          <a:fontRef idx="minor">
+            <a:schemeClr val="lt1"/>
+          </a:fontRef>
+        </p:style>
+        <p:txBody>
+          <a:bodyPr rtlCol="0" anchor="ctr"/>
+          <a:lstStyle/>
+          <a:p>
+            <a:pPr algn="ctr"/>
+            <a:r>
+              <a:rPr lang="en-US" sz="1200" dirty="0"/>
+              <a:t>Cross Validation</a:t>
+            </a:r>
+          </a:p>
+          <a:p>
+            <a:pPr algn="ctr"/>
+            <a:endParaRPr lang="en-US" sz="1200" dirty="0"/>
+          </a:p>
+          <a:p>
+            <a:pPr algn="ctr"/>
+            <a:r>
+              <a:rPr lang="en-US" sz="1200" dirty="0"/>
+              <a:t>Choose the Best </a:t>
+            </a:r>
+            <a:r>
+              <a:rPr lang="en-US" sz="1200" dirty="0" err="1"/>
+              <a:t>Algorithmn</a:t>
+            </a:r>
+            <a:endParaRPr lang="en-US" sz="1200" dirty="0"/>
+          </a:p>
+        </p:txBody>
+      </p:sp>
+      <p:cxnSp>
+        <p:nvCxnSpPr>
+          <p:cNvPr id="51" name="Straight Arrow Connector 50">
+            <a:extLst>
+              <a:ext uri="{FF2B5EF4-FFF2-40B4-BE49-F238E27FC236}">
+                <a16:creationId xmlns:a16="http://schemas.microsoft.com/office/drawing/2014/main" id="{5774F04E-993C-4D94-989A-912E2DD48C21}"/>
+              </a:ext>
+            </a:extLst>
+          </p:cNvPr>
+          <p:cNvCxnSpPr>
+            <a:cxnSpLocks/>
+          </p:cNvCxnSpPr>
+          <p:nvPr/>
+        </p:nvCxnSpPr>
+        <p:spPr>
+          <a:xfrm>
+            <a:off x="1479427" y="1214317"/>
+            <a:ext cx="323100" cy="0"/>
+          </a:xfrm>
+          <a:prstGeom prst="straightConnector1">
+            <a:avLst/>
+          </a:prstGeom>
+          <a:ln w="57150">
+            <a:tailEnd type="triangle"/>
+          </a:ln>
+        </p:spPr>
+        <p:style>
+          <a:lnRef idx="1">
+            <a:schemeClr val="accent1"/>
+          </a:lnRef>
+          <a:fillRef idx="0">
+            <a:schemeClr val="accent1"/>
+          </a:fillRef>
+          <a:effectRef idx="0">
+            <a:schemeClr val="accent1"/>
+          </a:effectRef>
+          <a:fontRef idx="minor">
+            <a:schemeClr val="tx1"/>
+          </a:fontRef>
+        </p:style>
+      </p:cxnSp>
+      <p:cxnSp>
+        <p:nvCxnSpPr>
+          <p:cNvPr id="53" name="Connector: Elbow 52">
+            <a:extLst>
+              <a:ext uri="{FF2B5EF4-FFF2-40B4-BE49-F238E27FC236}">
+                <a16:creationId xmlns:a16="http://schemas.microsoft.com/office/drawing/2014/main" id="{48E3CDEF-C7CC-459D-B275-D40CFBCC12A0}"/>
+              </a:ext>
+            </a:extLst>
+          </p:cNvPr>
+          <p:cNvCxnSpPr>
+            <a:cxnSpLocks/>
+            <a:stCxn id="60" idx="3"/>
+            <a:endCxn id="61" idx="3"/>
+          </p:cNvCxnSpPr>
+          <p:nvPr/>
+        </p:nvCxnSpPr>
+        <p:spPr>
+          <a:xfrm flipH="1">
+            <a:off x="6917501" y="870312"/>
+            <a:ext cx="17858" cy="1600557"/>
+          </a:xfrm>
+          <a:prstGeom prst="bentConnector3">
+            <a:avLst>
+              <a:gd name="adj1" fmla="val -7253892"/>
+            </a:avLst>
+          </a:prstGeom>
+          <a:ln w="57150">
+            <a:tailEnd type="triangle"/>
+          </a:ln>
+        </p:spPr>
+        <p:style>
+          <a:lnRef idx="1">
+            <a:schemeClr val="accent1"/>
+          </a:lnRef>
+          <a:fillRef idx="0">
+            <a:schemeClr val="accent1"/>
+          </a:fillRef>
+          <a:effectRef idx="0">
+            <a:schemeClr val="accent1"/>
+          </a:effectRef>
+          <a:fontRef idx="minor">
+            <a:schemeClr val="tx1"/>
+          </a:fontRef>
+        </p:style>
+      </p:cxnSp>
+      <p:sp>
+        <p:nvSpPr>
+          <p:cNvPr id="55" name="Rectangle 54">
+            <a:extLst>
+              <a:ext uri="{FF2B5EF4-FFF2-40B4-BE49-F238E27FC236}">
+                <a16:creationId xmlns:a16="http://schemas.microsoft.com/office/drawing/2014/main" id="{EC756A21-682B-42ED-B28E-7744DDCE6297}"/>
+              </a:ext>
+            </a:extLst>
+          </p:cNvPr>
+          <p:cNvSpPr/>
+          <p:nvPr/>
+        </p:nvSpPr>
+        <p:spPr>
+          <a:xfrm>
+            <a:off x="6893712" y="1080435"/>
+            <a:ext cx="1251729" cy="1146110"/>
+          </a:xfrm>
+          <a:prstGeom prst="rect">
+            <a:avLst/>
+          </a:prstGeom>
+          <a:solidFill>
+            <a:schemeClr val="accent6">
+              <a:lumMod val="75000"/>
+            </a:schemeClr>
+          </a:solidFill>
+        </p:spPr>
+        <p:style>
+          <a:lnRef idx="2">
+            <a:schemeClr val="accent1">
+              <a:shade val="50000"/>
+            </a:schemeClr>
+          </a:lnRef>
+          <a:fillRef idx="1">
+            <a:schemeClr val="accent1"/>
+          </a:fillRef>
+          <a:effectRef idx="0">
+            <a:schemeClr val="accent1"/>
+          </a:effectRef>
+          <a:fontRef idx="minor">
+            <a:schemeClr val="lt1"/>
+          </a:fontRef>
+        </p:style>
+        <p:txBody>
+          <a:bodyPr rtlCol="0" anchor="ctr"/>
+          <a:lstStyle/>
+          <a:p>
+            <a:pPr algn="ctr"/>
+            <a:r>
+              <a:rPr lang="en-US" sz="1200" dirty="0"/>
+              <a:t>Build Models with different Hyperparameter </a:t>
+            </a:r>
+          </a:p>
+          <a:p>
+            <a:pPr algn="ctr"/>
+            <a:r>
+              <a:rPr lang="en-US" sz="1200" dirty="0"/>
+              <a:t>(Regularization)</a:t>
+            </a:r>
+          </a:p>
+          <a:p>
+            <a:pPr algn="ctr"/>
+            <a:r>
+              <a:rPr lang="en-US" sz="1200" dirty="0"/>
+              <a:t>Choose the best Model</a:t>
+            </a:r>
+          </a:p>
+        </p:txBody>
+      </p:sp>
+      <p:sp>
+        <p:nvSpPr>
+          <p:cNvPr id="60" name="Rectangle 59">
+            <a:extLst>
+              <a:ext uri="{FF2B5EF4-FFF2-40B4-BE49-F238E27FC236}">
+                <a16:creationId xmlns:a16="http://schemas.microsoft.com/office/drawing/2014/main" id="{52AD8468-7900-4EFD-B519-1125C8D5F686}"/>
+              </a:ext>
+            </a:extLst>
+          </p:cNvPr>
+          <p:cNvSpPr/>
+          <p:nvPr/>
+        </p:nvSpPr>
+        <p:spPr>
+          <a:xfrm>
+            <a:off x="6852065" y="789370"/>
+            <a:ext cx="83294" cy="161884"/>
+          </a:xfrm>
+          <a:prstGeom prst="rect">
+            <a:avLst/>
+          </a:prstGeom>
+          <a:noFill/>
+          <a:ln>
+            <a:noFill/>
+          </a:ln>
+        </p:spPr>
+        <p:style>
+          <a:lnRef idx="2">
+            <a:schemeClr val="accent1">
+              <a:shade val="50000"/>
+            </a:schemeClr>
+          </a:lnRef>
+          <a:fillRef idx="1">
+            <a:schemeClr val="accent1"/>
+          </a:fillRef>
+          <a:effectRef idx="0">
+            <a:schemeClr val="accent1"/>
+          </a:effectRef>
+          <a:fontRef idx="minor">
+            <a:schemeClr val="lt1"/>
+          </a:fontRef>
+        </p:style>
+        <p:txBody>
+          <a:bodyPr rtlCol="0" anchor="ctr"/>
+          <a:lstStyle/>
+          <a:p>
+            <a:pPr algn="ctr"/>
+            <a:endParaRPr lang="en-US"/>
+          </a:p>
+        </p:txBody>
+      </p:sp>
+      <p:sp>
+        <p:nvSpPr>
+          <p:cNvPr id="61" name="Rectangle 60">
+            <a:extLst>
+              <a:ext uri="{FF2B5EF4-FFF2-40B4-BE49-F238E27FC236}">
+                <a16:creationId xmlns:a16="http://schemas.microsoft.com/office/drawing/2014/main" id="{A392AF40-30C1-471F-9463-C5B98FAEABFC}"/>
+              </a:ext>
+            </a:extLst>
+          </p:cNvPr>
+          <p:cNvSpPr/>
+          <p:nvPr/>
+        </p:nvSpPr>
+        <p:spPr>
+          <a:xfrm>
+            <a:off x="6834207" y="2389927"/>
+            <a:ext cx="83294" cy="161884"/>
+          </a:xfrm>
+          <a:prstGeom prst="rect">
+            <a:avLst/>
+          </a:prstGeom>
+          <a:noFill/>
+          <a:ln>
+            <a:noFill/>
+          </a:ln>
+        </p:spPr>
+        <p:style>
+          <a:lnRef idx="2">
+            <a:schemeClr val="accent1">
+              <a:shade val="50000"/>
+            </a:schemeClr>
+          </a:lnRef>
+          <a:fillRef idx="1">
+            <a:schemeClr val="accent1"/>
+          </a:fillRef>
+          <a:effectRef idx="0">
+            <a:schemeClr val="accent1"/>
+          </a:effectRef>
+          <a:fontRef idx="minor">
+            <a:schemeClr val="lt1"/>
+          </a:fontRef>
+        </p:style>
+        <p:txBody>
+          <a:bodyPr rtlCol="0" anchor="ctr"/>
+          <a:lstStyle/>
+          <a:p>
+            <a:pPr algn="ctr"/>
+            <a:endParaRPr lang="en-US"/>
+          </a:p>
+        </p:txBody>
+      </p:sp>
+    </p:spTree>
+    <p:extLst>
+      <p:ext uri="{BB962C8B-B14F-4D97-AF65-F5344CB8AC3E}">
+        <p14:creationId xmlns:p14="http://schemas.microsoft.com/office/powerpoint/2010/main" val="10360002"/>
       </p:ext>
     </p:extLst>
   </p:cSld>

--- a/data/Presentation1.pptx
+++ b/data/Presentation1.pptx
@@ -263,7 +263,7 @@
           <a:p>
             <a:fld id="{AFCC1A98-D711-4E89-A222-B1C5DF80FA80}" type="datetimeFigureOut">
               <a:rPr lang="en-US" smtClean="0"/>
-              <a:t>6/16/2018</a:t>
+              <a:t>6/17/2018</a:t>
             </a:fld>
             <a:endParaRPr lang="en-US"/>
           </a:p>
@@ -461,7 +461,7 @@
           <a:p>
             <a:fld id="{AFCC1A98-D711-4E89-A222-B1C5DF80FA80}" type="datetimeFigureOut">
               <a:rPr lang="en-US" smtClean="0"/>
-              <a:t>6/16/2018</a:t>
+              <a:t>6/17/2018</a:t>
             </a:fld>
             <a:endParaRPr lang="en-US"/>
           </a:p>
@@ -669,7 +669,7 @@
           <a:p>
             <a:fld id="{AFCC1A98-D711-4E89-A222-B1C5DF80FA80}" type="datetimeFigureOut">
               <a:rPr lang="en-US" smtClean="0"/>
-              <a:t>6/16/2018</a:t>
+              <a:t>6/17/2018</a:t>
             </a:fld>
             <a:endParaRPr lang="en-US"/>
           </a:p>
@@ -867,7 +867,7 @@
           <a:p>
             <a:fld id="{AFCC1A98-D711-4E89-A222-B1C5DF80FA80}" type="datetimeFigureOut">
               <a:rPr lang="en-US" smtClean="0"/>
-              <a:t>6/16/2018</a:t>
+              <a:t>6/17/2018</a:t>
             </a:fld>
             <a:endParaRPr lang="en-US"/>
           </a:p>
@@ -1142,7 +1142,7 @@
           <a:p>
             <a:fld id="{AFCC1A98-D711-4E89-A222-B1C5DF80FA80}" type="datetimeFigureOut">
               <a:rPr lang="en-US" smtClean="0"/>
-              <a:t>6/16/2018</a:t>
+              <a:t>6/17/2018</a:t>
             </a:fld>
             <a:endParaRPr lang="en-US"/>
           </a:p>
@@ -1407,7 +1407,7 @@
           <a:p>
             <a:fld id="{AFCC1A98-D711-4E89-A222-B1C5DF80FA80}" type="datetimeFigureOut">
               <a:rPr lang="en-US" smtClean="0"/>
-              <a:t>6/16/2018</a:t>
+              <a:t>6/17/2018</a:t>
             </a:fld>
             <a:endParaRPr lang="en-US"/>
           </a:p>
@@ -1819,7 +1819,7 @@
           <a:p>
             <a:fld id="{AFCC1A98-D711-4E89-A222-B1C5DF80FA80}" type="datetimeFigureOut">
               <a:rPr lang="en-US" smtClean="0"/>
-              <a:t>6/16/2018</a:t>
+              <a:t>6/17/2018</a:t>
             </a:fld>
             <a:endParaRPr lang="en-US"/>
           </a:p>
@@ -1960,7 +1960,7 @@
           <a:p>
             <a:fld id="{AFCC1A98-D711-4E89-A222-B1C5DF80FA80}" type="datetimeFigureOut">
               <a:rPr lang="en-US" smtClean="0"/>
-              <a:t>6/16/2018</a:t>
+              <a:t>6/17/2018</a:t>
             </a:fld>
             <a:endParaRPr lang="en-US"/>
           </a:p>
@@ -2073,7 +2073,7 @@
           <a:p>
             <a:fld id="{AFCC1A98-D711-4E89-A222-B1C5DF80FA80}" type="datetimeFigureOut">
               <a:rPr lang="en-US" smtClean="0"/>
-              <a:t>6/16/2018</a:t>
+              <a:t>6/17/2018</a:t>
             </a:fld>
             <a:endParaRPr lang="en-US"/>
           </a:p>
@@ -2384,7 +2384,7 @@
           <a:p>
             <a:fld id="{AFCC1A98-D711-4E89-A222-B1C5DF80FA80}" type="datetimeFigureOut">
               <a:rPr lang="en-US" smtClean="0"/>
-              <a:t>6/16/2018</a:t>
+              <a:t>6/17/2018</a:t>
             </a:fld>
             <a:endParaRPr lang="en-US"/>
           </a:p>
@@ -2672,7 +2672,7 @@
           <a:p>
             <a:fld id="{AFCC1A98-D711-4E89-A222-B1C5DF80FA80}" type="datetimeFigureOut">
               <a:rPr lang="en-US" smtClean="0"/>
-              <a:t>6/16/2018</a:t>
+              <a:t>6/17/2018</a:t>
             </a:fld>
             <a:endParaRPr lang="en-US"/>
           </a:p>
@@ -2913,7 +2913,7 @@
           <a:p>
             <a:fld id="{AFCC1A98-D711-4E89-A222-B1C5DF80FA80}" type="datetimeFigureOut">
               <a:rPr lang="en-US" smtClean="0"/>
-              <a:t>6/16/2018</a:t>
+              <a:t>6/17/2018</a:t>
             </a:fld>
             <a:endParaRPr lang="en-US"/>
           </a:p>
@@ -17112,7 +17112,7 @@
         </p:nvSpPr>
         <p:spPr>
           <a:xfrm>
-            <a:off x="5448469" y="5749553"/>
+            <a:off x="6877190" y="5749553"/>
             <a:ext cx="1434508" cy="748740"/>
           </a:xfrm>
           <a:prstGeom prst="rect">
@@ -17174,13 +17174,13 @@
           <p:nvPr>
             <p:extLst>
               <p:ext uri="{D42A27DB-BD31-4B8C-83A1-F6EECF244321}">
-                <p14:modId xmlns:p14="http://schemas.microsoft.com/office/powerpoint/2010/main" val="3507623791"/>
+                <p14:modId xmlns:p14="http://schemas.microsoft.com/office/powerpoint/2010/main" val="541223686"/>
               </p:ext>
             </p:extLst>
           </p:nvPr>
         </p:nvGraphicFramePr>
         <p:xfrm>
-          <a:off x="5531763" y="5969803"/>
+          <a:off x="6960484" y="5969803"/>
           <a:ext cx="926475" cy="488716"/>
         </p:xfrm>
         <a:graphic>
@@ -17320,13 +17320,13 @@
           <p:nvPr>
             <p:extLst>
               <p:ext uri="{D42A27DB-BD31-4B8C-83A1-F6EECF244321}">
-                <p14:modId xmlns:p14="http://schemas.microsoft.com/office/powerpoint/2010/main" val="1275536875"/>
+                <p14:modId xmlns:p14="http://schemas.microsoft.com/office/powerpoint/2010/main" val="2255239446"/>
               </p:ext>
             </p:extLst>
           </p:nvPr>
         </p:nvGraphicFramePr>
         <p:xfrm>
-          <a:off x="6535736" y="5969803"/>
+          <a:off x="7964457" y="5969803"/>
           <a:ext cx="258282" cy="487680"/>
         </p:xfrm>
         <a:graphic>
@@ -17738,7 +17738,7 @@
             <a:avLst/>
           </a:prstGeom>
           <a:solidFill>
-            <a:schemeClr val="accent6">
+            <a:schemeClr val="accent2">
               <a:lumMod val="75000"/>
             </a:schemeClr>
           </a:solidFill>
@@ -17777,13 +17777,8 @@
             <a:pPr algn="ctr"/>
             <a:r>
               <a:rPr lang="en-US" sz="1200" dirty="0"/>
-              <a:t>Choose the Best </a:t>
-            </a:r>
-            <a:r>
-              <a:rPr lang="en-US" sz="1200" dirty="0" err="1"/>
-              <a:t>Algorithmn</a:t>
-            </a:r>
-            <a:endParaRPr lang="en-US" sz="1200" dirty="0"/>
+              <a:t>Choose the Best Algorithm</a:t>
+            </a:r>
           </a:p>
         </p:txBody>
       </p:sp>
@@ -18224,7 +18219,7 @@
         </p:nvCxnSpPr>
         <p:spPr>
           <a:xfrm>
-            <a:off x="6198810" y="5171908"/>
+            <a:off x="7627531" y="5171908"/>
             <a:ext cx="0" cy="537871"/>
           </a:xfrm>
           <a:prstGeom prst="straightConnector1">
@@ -18389,7 +18384,7 @@
         </p:nvSpPr>
         <p:spPr>
           <a:xfrm>
-            <a:off x="5909864" y="5250795"/>
+            <a:off x="7338585" y="5250795"/>
             <a:ext cx="594960" cy="246221"/>
           </a:xfrm>
           <a:prstGeom prst="rect">
@@ -18432,9 +18427,9 @@
           <p:nvPr/>
         </p:nvCxnSpPr>
         <p:spPr>
-          <a:xfrm flipV="1">
-            <a:off x="6932673" y="6123922"/>
-            <a:ext cx="285378" cy="6560"/>
+          <a:xfrm flipH="1" flipV="1">
+            <a:off x="6443836" y="6123921"/>
+            <a:ext cx="364709" cy="6561"/>
           </a:xfrm>
           <a:prstGeom prst="straightConnector1">
             <a:avLst/>
@@ -18475,7 +18470,7 @@
         </p:nvSpPr>
         <p:spPr>
           <a:xfrm rot="16200000">
-            <a:off x="6745653" y="5567813"/>
+            <a:off x="6353459" y="5586668"/>
             <a:ext cx="638316" cy="246221"/>
           </a:xfrm>
           <a:prstGeom prst="rect">
@@ -18516,7 +18511,7 @@
         </p:nvSpPr>
         <p:spPr>
           <a:xfrm>
-            <a:off x="7268385" y="5749552"/>
+            <a:off x="5382693" y="5749552"/>
             <a:ext cx="1019496" cy="748739"/>
           </a:xfrm>
           <a:prstGeom prst="rect">
@@ -18744,8 +18739,8 @@
         </p:nvSpPr>
         <p:spPr>
           <a:xfrm rot="16200000">
-            <a:off x="4475073" y="4211886"/>
-            <a:ext cx="1510435" cy="261609"/>
+            <a:off x="7447594" y="3982845"/>
+            <a:ext cx="1211414" cy="485942"/>
           </a:xfrm>
           <a:prstGeom prst="rect">
             <a:avLst/>
@@ -18802,14 +18797,14 @@
         </p:nvSpPr>
         <p:spPr>
           <a:xfrm>
-            <a:off x="5417557" y="3957428"/>
-            <a:ext cx="2870324" cy="518510"/>
+            <a:off x="5417558" y="3957428"/>
+            <a:ext cx="2300812" cy="518510"/>
           </a:xfrm>
           <a:prstGeom prst="rect">
             <a:avLst/>
           </a:prstGeom>
           <a:solidFill>
-            <a:schemeClr val="accent6">
+            <a:schemeClr val="accent2">
               <a:lumMod val="75000"/>
             </a:schemeClr>
           </a:solidFill>
@@ -18937,6 +18932,99 @@
           </a:fontRef>
         </p:style>
       </p:cxnSp>
+      <p:sp>
+        <p:nvSpPr>
+          <p:cNvPr id="3" name="Left Brace 2">
+            <a:extLst>
+              <a:ext uri="{FF2B5EF4-FFF2-40B4-BE49-F238E27FC236}">
+                <a16:creationId xmlns:a16="http://schemas.microsoft.com/office/drawing/2014/main" id="{D56295B8-7088-4C93-8265-7C54355CCA8A}"/>
+              </a:ext>
+            </a:extLst>
+          </p:cNvPr>
+          <p:cNvSpPr/>
+          <p:nvPr/>
+        </p:nvSpPr>
+        <p:spPr>
+          <a:xfrm>
+            <a:off x="4550890" y="4102230"/>
+            <a:ext cx="718358" cy="2149218"/>
+          </a:xfrm>
+          <a:prstGeom prst="leftBrace">
+            <a:avLst>
+              <a:gd name="adj1" fmla="val 8333"/>
+              <a:gd name="adj2" fmla="val 50029"/>
+            </a:avLst>
+          </a:prstGeom>
+          <a:ln w="38100">
+            <a:solidFill>
+              <a:schemeClr val="accent6">
+                <a:lumMod val="75000"/>
+              </a:schemeClr>
+            </a:solidFill>
+          </a:ln>
+        </p:spPr>
+        <p:style>
+          <a:lnRef idx="1">
+            <a:schemeClr val="accent1"/>
+          </a:lnRef>
+          <a:fillRef idx="0">
+            <a:schemeClr val="accent1"/>
+          </a:fillRef>
+          <a:effectRef idx="0">
+            <a:schemeClr val="accent1"/>
+          </a:effectRef>
+          <a:fontRef idx="minor">
+            <a:schemeClr val="tx1"/>
+          </a:fontRef>
+        </p:style>
+        <p:txBody>
+          <a:bodyPr rtlCol="0" anchor="ctr"/>
+          <a:lstStyle/>
+          <a:p>
+            <a:pPr algn="ctr"/>
+            <a:endParaRPr lang="en-US"/>
+          </a:p>
+        </p:txBody>
+      </p:sp>
+      <p:sp>
+        <p:nvSpPr>
+          <p:cNvPr id="10" name="TextBox 9">
+            <a:extLst>
+              <a:ext uri="{FF2B5EF4-FFF2-40B4-BE49-F238E27FC236}">
+                <a16:creationId xmlns:a16="http://schemas.microsoft.com/office/drawing/2014/main" id="{8922CD92-D021-46D8-92A4-A3821579262B}"/>
+              </a:ext>
+            </a:extLst>
+          </p:cNvPr>
+          <p:cNvSpPr txBox="1"/>
+          <p:nvPr/>
+        </p:nvSpPr>
+        <p:spPr>
+          <a:xfrm flipH="1">
+            <a:off x="3019498" y="4808413"/>
+            <a:ext cx="1663560" cy="769441"/>
+          </a:xfrm>
+          <a:prstGeom prst="rect">
+            <a:avLst/>
+          </a:prstGeom>
+          <a:noFill/>
+        </p:spPr>
+        <p:txBody>
+          <a:bodyPr wrap="square" rtlCol="0">
+            <a:spAutoFit/>
+          </a:bodyPr>
+          <a:lstStyle/>
+          <a:p>
+            <a:r>
+              <a:rPr lang="en-US" sz="1100" dirty="0">
+                <a:solidFill>
+                  <a:srgbClr val="FF0000"/>
+                </a:solidFill>
+              </a:rPr>
+              <a:t>Cross validated performance is more likely closer to test performance</a:t>
+            </a:r>
+          </a:p>
+        </p:txBody>
+      </p:sp>
     </p:spTree>
     <p:extLst>
       <p:ext uri="{BB962C8B-B14F-4D97-AF65-F5344CB8AC3E}">
